--- a/wiki_data/プロジェクト実験.pptx
+++ b/wiki_data/プロジェクト実験.pptx
@@ -6417,8 +6417,8 @@
         </p:nvSpPr>
         <p:spPr>
           <a:xfrm>
-            <a:off x="8604250" y="5628612"/>
-            <a:ext cx="3213100" cy="1054100"/>
+            <a:off x="8394700" y="5628612"/>
+            <a:ext cx="3422650" cy="1054100"/>
           </a:xfrm>
           <a:prstGeom prst="borderCallout1">
             <a:avLst>
@@ -6469,6 +6469,19 @@
               </a:rPr>
               <a:t>8bit</a:t>
             </a:r>
+            <a:r>
+              <a:rPr lang="ja-JP" altLang="en-US" dirty="0" smtClean="0">
+                <a:solidFill>
+                  <a:schemeClr val="tx1"/>
+                </a:solidFill>
+              </a:rPr>
+              <a:t>で足りる</a:t>
+            </a:r>
+            <a:endParaRPr lang="en-US" altLang="ja-JP" dirty="0" smtClean="0">
+              <a:solidFill>
+                <a:schemeClr val="tx1"/>
+              </a:solidFill>
+            </a:endParaRPr>
           </a:p>
         </p:txBody>
       </p:sp>
@@ -6612,6 +6625,59 @@
                       </p:childTnLst>
                     </p:cTn>
                   </p:par>
+                  <p:par>
+                    <p:cTn id="13" fill="hold">
+                      <p:stCondLst>
+                        <p:cond delay="indefinite"/>
+                      </p:stCondLst>
+                      <p:childTnLst>
+                        <p:par>
+                          <p:cTn id="14" fill="hold">
+                            <p:stCondLst>
+                              <p:cond delay="0"/>
+                            </p:stCondLst>
+                            <p:childTnLst>
+                              <p:par>
+                                <p:cTn id="15" presetID="22" presetClass="entr" presetSubtype="4" fill="hold" grpId="0" nodeType="clickEffect">
+                                  <p:stCondLst>
+                                    <p:cond delay="0"/>
+                                  </p:stCondLst>
+                                  <p:childTnLst>
+                                    <p:set>
+                                      <p:cBhvr>
+                                        <p:cTn id="16" dur="1" fill="hold">
+                                          <p:stCondLst>
+                                            <p:cond delay="0"/>
+                                          </p:stCondLst>
+                                        </p:cTn>
+                                        <p:tgtEl>
+                                          <p:spTgt spid="4"/>
+                                        </p:tgtEl>
+                                        <p:attrNameLst>
+                                          <p:attrName>style.visibility</p:attrName>
+                                        </p:attrNameLst>
+                                      </p:cBhvr>
+                                      <p:to>
+                                        <p:strVal val="visible"/>
+                                      </p:to>
+                                    </p:set>
+                                    <p:animEffect transition="in" filter="wipe(down)">
+                                      <p:cBhvr>
+                                        <p:cTn id="17" dur="500"/>
+                                        <p:tgtEl>
+                                          <p:spTgt spid="4"/>
+                                        </p:tgtEl>
+                                      </p:cBhvr>
+                                    </p:animEffect>
+                                  </p:childTnLst>
+                                </p:cTn>
+                              </p:par>
+                            </p:childTnLst>
+                          </p:cTn>
+                        </p:par>
+                      </p:childTnLst>
+                    </p:cTn>
+                  </p:par>
                 </p:childTnLst>
               </p:cTn>
               <p:prevCondLst>
@@ -6633,6 +6699,9 @@
         </p:cTn>
       </p:par>
     </p:tnLst>
+    <p:bldLst>
+      <p:bldP spid="4" grpId="0" animBg="1"/>
+    </p:bldLst>
   </p:timing>
 </p:sld>
 </file>
@@ -6978,14 +7047,46 @@
           <a:p>
             <a:pPr algn="ctr"/>
             <a:r>
+              <a:rPr lang="ja-JP" altLang="en-US" dirty="0">
+                <a:solidFill>
+                  <a:schemeClr val="tx1"/>
+                </a:solidFill>
+              </a:rPr>
+              <a:t>作成</a:t>
+            </a:r>
+            <a:r>
               <a:rPr lang="ja-JP" altLang="en-US" dirty="0" smtClean="0">
                 <a:solidFill>
                   <a:schemeClr val="tx1"/>
                 </a:solidFill>
               </a:rPr>
-              <a:t>信号線・入出力の関係を表記</a:t>
-            </a:r>
-            <a:endParaRPr kumimoji="1" lang="ja-JP" altLang="en-US" dirty="0">
+              <a:t>するコンポーネント</a:t>
+            </a:r>
+            <a:endParaRPr kumimoji="1" lang="en-US" altLang="ja-JP" dirty="0" smtClean="0">
+              <a:solidFill>
+                <a:schemeClr val="tx1"/>
+              </a:solidFill>
+            </a:endParaRPr>
+          </a:p>
+          <a:p>
+            <a:pPr algn="ctr"/>
+            <a:r>
+              <a:rPr lang="ja-JP" altLang="en-US" dirty="0" smtClean="0">
+                <a:solidFill>
+                  <a:schemeClr val="tx1"/>
+                </a:solidFill>
+              </a:rPr>
+              <a:t>信号線・入出力の関係を</a:t>
+            </a:r>
+            <a:r>
+              <a:rPr lang="ja-JP" altLang="en-US" dirty="0" smtClean="0">
+                <a:solidFill>
+                  <a:schemeClr val="tx1"/>
+                </a:solidFill>
+              </a:rPr>
+              <a:t>表記</a:t>
+            </a:r>
+            <a:endParaRPr lang="en-US" altLang="ja-JP" dirty="0" smtClean="0">
               <a:solidFill>
                 <a:schemeClr val="tx1"/>
               </a:solidFill>
@@ -7439,162 +7540,6 @@
           </a:p>
         </p:txBody>
       </p:sp>
-      <p:sp>
-        <p:nvSpPr>
-          <p:cNvPr id="4" name="楕円 3"/>
-          <p:cNvSpPr/>
-          <p:nvPr/>
-        </p:nvSpPr>
-        <p:spPr>
-          <a:xfrm>
-            <a:off x="5528728" y="5617950"/>
-            <a:ext cx="372533" cy="330200"/>
-          </a:xfrm>
-          <a:prstGeom prst="ellipse">
-            <a:avLst/>
-          </a:prstGeom>
-          <a:solidFill>
-            <a:schemeClr val="tx2"/>
-          </a:solidFill>
-          <a:ln>
-            <a:solidFill>
-              <a:schemeClr val="tx1"/>
-            </a:solidFill>
-          </a:ln>
-        </p:spPr>
-        <p:style>
-          <a:lnRef idx="2">
-            <a:schemeClr val="accent1">
-              <a:shade val="50000"/>
-            </a:schemeClr>
-          </a:lnRef>
-          <a:fillRef idx="1">
-            <a:schemeClr val="accent1"/>
-          </a:fillRef>
-          <a:effectRef idx="0">
-            <a:schemeClr val="accent1"/>
-          </a:effectRef>
-          <a:fontRef idx="minor">
-            <a:schemeClr val="lt1"/>
-          </a:fontRef>
-        </p:style>
-        <p:txBody>
-          <a:bodyPr rtlCol="0" anchor="ctr"/>
-          <a:lstStyle/>
-          <a:p>
-            <a:pPr algn="ctr"/>
-            <a:endParaRPr kumimoji="1" lang="ja-JP" altLang="en-US">
-              <a:solidFill>
-                <a:schemeClr val="tx1"/>
-              </a:solidFill>
-            </a:endParaRPr>
-          </a:p>
-        </p:txBody>
-      </p:sp>
-      <p:sp>
-        <p:nvSpPr>
-          <p:cNvPr id="5" name="楕円 4"/>
-          <p:cNvSpPr/>
-          <p:nvPr/>
-        </p:nvSpPr>
-        <p:spPr>
-          <a:xfrm>
-            <a:off x="5528728" y="5150871"/>
-            <a:ext cx="372533" cy="330200"/>
-          </a:xfrm>
-          <a:prstGeom prst="ellipse">
-            <a:avLst/>
-          </a:prstGeom>
-          <a:solidFill>
-            <a:schemeClr val="tx2"/>
-          </a:solidFill>
-          <a:ln>
-            <a:solidFill>
-              <a:schemeClr val="tx1"/>
-            </a:solidFill>
-          </a:ln>
-        </p:spPr>
-        <p:style>
-          <a:lnRef idx="2">
-            <a:schemeClr val="accent1">
-              <a:shade val="50000"/>
-            </a:schemeClr>
-          </a:lnRef>
-          <a:fillRef idx="1">
-            <a:schemeClr val="accent1"/>
-          </a:fillRef>
-          <a:effectRef idx="0">
-            <a:schemeClr val="accent1"/>
-          </a:effectRef>
-          <a:fontRef idx="minor">
-            <a:schemeClr val="lt1"/>
-          </a:fontRef>
-        </p:style>
-        <p:txBody>
-          <a:bodyPr rtlCol="0" anchor="ctr"/>
-          <a:lstStyle/>
-          <a:p>
-            <a:pPr algn="ctr"/>
-            <a:endParaRPr kumimoji="1" lang="ja-JP" altLang="en-US">
-              <a:solidFill>
-                <a:schemeClr val="tx1"/>
-              </a:solidFill>
-            </a:endParaRPr>
-          </a:p>
-        </p:txBody>
-      </p:sp>
-      <p:sp>
-        <p:nvSpPr>
-          <p:cNvPr id="6" name="楕円 5"/>
-          <p:cNvSpPr/>
-          <p:nvPr/>
-        </p:nvSpPr>
-        <p:spPr>
-          <a:xfrm>
-            <a:off x="5528728" y="6090038"/>
-            <a:ext cx="372533" cy="330200"/>
-          </a:xfrm>
-          <a:prstGeom prst="ellipse">
-            <a:avLst/>
-          </a:prstGeom>
-          <a:solidFill>
-            <a:schemeClr val="tx2"/>
-          </a:solidFill>
-          <a:ln>
-            <a:solidFill>
-              <a:schemeClr val="tx1"/>
-            </a:solidFill>
-          </a:ln>
-        </p:spPr>
-        <p:style>
-          <a:lnRef idx="2">
-            <a:schemeClr val="accent1">
-              <a:shade val="50000"/>
-            </a:schemeClr>
-          </a:lnRef>
-          <a:fillRef idx="1">
-            <a:schemeClr val="accent1"/>
-          </a:fillRef>
-          <a:effectRef idx="0">
-            <a:schemeClr val="accent1"/>
-          </a:effectRef>
-          <a:fontRef idx="minor">
-            <a:schemeClr val="lt1"/>
-          </a:fontRef>
-        </p:style>
-        <p:txBody>
-          <a:bodyPr rtlCol="0" anchor="ctr"/>
-          <a:lstStyle/>
-          <a:p>
-            <a:pPr algn="ctr"/>
-            <a:endParaRPr kumimoji="1" lang="ja-JP" altLang="en-US">
-              <a:solidFill>
-                <a:schemeClr val="tx1"/>
-              </a:solidFill>
-            </a:endParaRPr>
-          </a:p>
-        </p:txBody>
-      </p:sp>
     </p:spTree>
     <p:extLst>
       <p:ext uri="{BB962C8B-B14F-4D97-AF65-F5344CB8AC3E}">
@@ -8001,9 +7946,88 @@
   <p:timing>
     <p:tnLst>
       <p:par>
-        <p:cTn id="1" dur="indefinite" restart="never" nodeType="tmRoot"/>
+        <p:cTn id="1" dur="indefinite" restart="never" nodeType="tmRoot">
+          <p:childTnLst>
+            <p:seq concurrent="1" nextAc="seek">
+              <p:cTn id="2" dur="indefinite" nodeType="mainSeq">
+                <p:childTnLst>
+                  <p:par>
+                    <p:cTn id="3" fill="hold">
+                      <p:stCondLst>
+                        <p:cond delay="indefinite"/>
+                      </p:stCondLst>
+                      <p:childTnLst>
+                        <p:par>
+                          <p:cTn id="4" fill="hold">
+                            <p:stCondLst>
+                              <p:cond delay="0"/>
+                            </p:stCondLst>
+                            <p:childTnLst>
+                              <p:par>
+                                <p:cTn id="5" presetID="16" presetClass="entr" presetSubtype="21" fill="hold" grpId="0" nodeType="clickEffect">
+                                  <p:stCondLst>
+                                    <p:cond delay="0"/>
+                                  </p:stCondLst>
+                                  <p:childTnLst>
+                                    <p:set>
+                                      <p:cBhvr>
+                                        <p:cTn id="6" dur="1" fill="hold">
+                                          <p:stCondLst>
+                                            <p:cond delay="0"/>
+                                          </p:stCondLst>
+                                        </p:cTn>
+                                        <p:tgtEl>
+                                          <p:spTgt spid="3"/>
+                                        </p:tgtEl>
+                                        <p:attrNameLst>
+                                          <p:attrName>style.visibility</p:attrName>
+                                        </p:attrNameLst>
+                                      </p:cBhvr>
+                                      <p:to>
+                                        <p:strVal val="visible"/>
+                                      </p:to>
+                                    </p:set>
+                                    <p:animEffect transition="in" filter="barn(inVertical)">
+                                      <p:cBhvr>
+                                        <p:cTn id="7" dur="500"/>
+                                        <p:tgtEl>
+                                          <p:spTgt spid="3"/>
+                                        </p:tgtEl>
+                                      </p:cBhvr>
+                                    </p:animEffect>
+                                  </p:childTnLst>
+                                </p:cTn>
+                              </p:par>
+                            </p:childTnLst>
+                          </p:cTn>
+                        </p:par>
+                      </p:childTnLst>
+                    </p:cTn>
+                  </p:par>
+                </p:childTnLst>
+              </p:cTn>
+              <p:prevCondLst>
+                <p:cond evt="onPrev" delay="0">
+                  <p:tgtEl>
+                    <p:sldTgt/>
+                  </p:tgtEl>
+                </p:cond>
+              </p:prevCondLst>
+              <p:nextCondLst>
+                <p:cond evt="onNext" delay="0">
+                  <p:tgtEl>
+                    <p:sldTgt/>
+                  </p:tgtEl>
+                </p:cond>
+              </p:nextCondLst>
+            </p:seq>
+          </p:childTnLst>
+        </p:cTn>
       </p:par>
     </p:tnLst>
+    <p:bldLst>
+      <p:bldP spid="3" grpId="0" animBg="1"/>
+    </p:bldLst>
   </p:timing>
 </p:sld>
 </file>
@@ -8790,15 +8814,7 @@
                   <a:schemeClr val="tx1"/>
                 </a:solidFill>
               </a:rPr>
-              <a:t>ビット数も</a:t>
-            </a:r>
-            <a:r>
-              <a:rPr kumimoji="1" lang="ja-JP" altLang="en-US" dirty="0" smtClean="0">
-                <a:solidFill>
-                  <a:schemeClr val="tx1"/>
-                </a:solidFill>
-              </a:rPr>
-              <a:t>決める</a:t>
+              <a:t>ビット数も決める</a:t>
             </a:r>
             <a:endParaRPr kumimoji="1" lang="en-US" altLang="ja-JP" dirty="0" smtClean="0">
               <a:solidFill>
@@ -8874,15 +8890,7 @@
                   <a:schemeClr val="tx1"/>
                 </a:solidFill>
               </a:rPr>
-              <a:t>回路の</a:t>
-            </a:r>
-            <a:r>
-              <a:rPr lang="ja-JP" altLang="en-US" dirty="0" smtClean="0">
-                <a:solidFill>
-                  <a:schemeClr val="tx1"/>
-                </a:solidFill>
-              </a:rPr>
-              <a:t>本体</a:t>
+              <a:t>回路の本体</a:t>
             </a:r>
             <a:r>
               <a:rPr lang="ja-JP" altLang="en-US" dirty="0">
@@ -8898,23 +8906,7 @@
                   <a:schemeClr val="tx1"/>
                 </a:solidFill>
               </a:rPr>
-              <a:t>構造</a:t>
-            </a:r>
-            <a:r>
-              <a:rPr lang="ja-JP" altLang="en-US" dirty="0" smtClean="0">
-                <a:solidFill>
-                  <a:schemeClr val="tx1"/>
-                </a:solidFill>
-              </a:rPr>
-              <a:t>や動作について記述</a:t>
-            </a:r>
-            <a:r>
-              <a:rPr lang="ja-JP" altLang="en-US" dirty="0" smtClean="0">
-                <a:solidFill>
-                  <a:schemeClr val="tx1"/>
-                </a:solidFill>
-              </a:rPr>
-              <a:t>する</a:t>
+              <a:t>構造や動作について記述する</a:t>
             </a:r>
             <a:endParaRPr lang="en-US" altLang="ja-JP" dirty="0">
               <a:solidFill>
@@ -8930,15 +8922,7 @@
                   <a:schemeClr val="tx1"/>
                 </a:solidFill>
               </a:rPr>
-              <a:t>制御信号に従い選択し</a:t>
-            </a:r>
-            <a:r>
-              <a:rPr lang="ja-JP" altLang="en-US" dirty="0" smtClean="0">
-                <a:solidFill>
-                  <a:schemeClr val="tx1"/>
-                </a:solidFill>
-              </a:rPr>
-              <a:t>、</a:t>
+              <a:t>制御信号に従い選択し、</a:t>
             </a:r>
             <a:r>
               <a:rPr lang="en-US" altLang="ja-JP" dirty="0" smtClean="0">
@@ -8977,9 +8961,196 @@
   <p:timing>
     <p:tnLst>
       <p:par>
-        <p:cTn id="1" dur="indefinite" restart="never" nodeType="tmRoot"/>
+        <p:cTn id="1" dur="indefinite" restart="never" nodeType="tmRoot">
+          <p:childTnLst>
+            <p:seq concurrent="1" nextAc="seek">
+              <p:cTn id="2" dur="indefinite" nodeType="mainSeq">
+                <p:childTnLst>
+                  <p:par>
+                    <p:cTn id="3" fill="hold">
+                      <p:stCondLst>
+                        <p:cond delay="indefinite"/>
+                      </p:stCondLst>
+                      <p:childTnLst>
+                        <p:par>
+                          <p:cTn id="4" fill="hold">
+                            <p:stCondLst>
+                              <p:cond delay="0"/>
+                            </p:stCondLst>
+                            <p:childTnLst>
+                              <p:par>
+                                <p:cTn id="5" presetID="10" presetClass="entr" presetSubtype="0" fill="hold" grpId="0" nodeType="clickEffect">
+                                  <p:stCondLst>
+                                    <p:cond delay="0"/>
+                                  </p:stCondLst>
+                                  <p:childTnLst>
+                                    <p:set>
+                                      <p:cBhvr>
+                                        <p:cTn id="6" dur="1" fill="hold">
+                                          <p:stCondLst>
+                                            <p:cond delay="0"/>
+                                          </p:stCondLst>
+                                        </p:cTn>
+                                        <p:tgtEl>
+                                          <p:spTgt spid="7"/>
+                                        </p:tgtEl>
+                                        <p:attrNameLst>
+                                          <p:attrName>style.visibility</p:attrName>
+                                        </p:attrNameLst>
+                                      </p:cBhvr>
+                                      <p:to>
+                                        <p:strVal val="visible"/>
+                                      </p:to>
+                                    </p:set>
+                                    <p:animEffect transition="in" filter="fade">
+                                      <p:cBhvr>
+                                        <p:cTn id="7" dur="500"/>
+                                        <p:tgtEl>
+                                          <p:spTgt spid="7"/>
+                                        </p:tgtEl>
+                                      </p:cBhvr>
+                                    </p:animEffect>
+                                  </p:childTnLst>
+                                </p:cTn>
+                              </p:par>
+                            </p:childTnLst>
+                          </p:cTn>
+                        </p:par>
+                      </p:childTnLst>
+                    </p:cTn>
+                  </p:par>
+                  <p:par>
+                    <p:cTn id="8" fill="hold">
+                      <p:stCondLst>
+                        <p:cond delay="indefinite"/>
+                      </p:stCondLst>
+                      <p:childTnLst>
+                        <p:par>
+                          <p:cTn id="9" fill="hold">
+                            <p:stCondLst>
+                              <p:cond delay="0"/>
+                            </p:stCondLst>
+                            <p:childTnLst>
+                              <p:par>
+                                <p:cTn id="10" presetID="10" presetClass="entr" presetSubtype="0" fill="hold" grpId="0" nodeType="clickEffect">
+                                  <p:stCondLst>
+                                    <p:cond delay="0"/>
+                                  </p:stCondLst>
+                                  <p:childTnLst>
+                                    <p:set>
+                                      <p:cBhvr>
+                                        <p:cTn id="11" dur="1" fill="hold">
+                                          <p:stCondLst>
+                                            <p:cond delay="0"/>
+                                          </p:stCondLst>
+                                        </p:cTn>
+                                        <p:tgtEl>
+                                          <p:spTgt spid="8"/>
+                                        </p:tgtEl>
+                                        <p:attrNameLst>
+                                          <p:attrName>style.visibility</p:attrName>
+                                        </p:attrNameLst>
+                                      </p:cBhvr>
+                                      <p:to>
+                                        <p:strVal val="visible"/>
+                                      </p:to>
+                                    </p:set>
+                                    <p:animEffect transition="in" filter="fade">
+                                      <p:cBhvr>
+                                        <p:cTn id="12" dur="500"/>
+                                        <p:tgtEl>
+                                          <p:spTgt spid="8"/>
+                                        </p:tgtEl>
+                                      </p:cBhvr>
+                                    </p:animEffect>
+                                  </p:childTnLst>
+                                </p:cTn>
+                              </p:par>
+                            </p:childTnLst>
+                          </p:cTn>
+                        </p:par>
+                      </p:childTnLst>
+                    </p:cTn>
+                  </p:par>
+                  <p:par>
+                    <p:cTn id="13" fill="hold">
+                      <p:stCondLst>
+                        <p:cond delay="indefinite"/>
+                      </p:stCondLst>
+                      <p:childTnLst>
+                        <p:par>
+                          <p:cTn id="14" fill="hold">
+                            <p:stCondLst>
+                              <p:cond delay="0"/>
+                            </p:stCondLst>
+                            <p:childTnLst>
+                              <p:par>
+                                <p:cTn id="15" presetID="10" presetClass="entr" presetSubtype="0" fill="hold" grpId="0" nodeType="clickEffect">
+                                  <p:stCondLst>
+                                    <p:cond delay="0"/>
+                                  </p:stCondLst>
+                                  <p:childTnLst>
+                                    <p:set>
+                                      <p:cBhvr>
+                                        <p:cTn id="16" dur="1" fill="hold">
+                                          <p:stCondLst>
+                                            <p:cond delay="0"/>
+                                          </p:stCondLst>
+                                        </p:cTn>
+                                        <p:tgtEl>
+                                          <p:spTgt spid="9"/>
+                                        </p:tgtEl>
+                                        <p:attrNameLst>
+                                          <p:attrName>style.visibility</p:attrName>
+                                        </p:attrNameLst>
+                                      </p:cBhvr>
+                                      <p:to>
+                                        <p:strVal val="visible"/>
+                                      </p:to>
+                                    </p:set>
+                                    <p:animEffect transition="in" filter="fade">
+                                      <p:cBhvr>
+                                        <p:cTn id="17" dur="500"/>
+                                        <p:tgtEl>
+                                          <p:spTgt spid="9"/>
+                                        </p:tgtEl>
+                                      </p:cBhvr>
+                                    </p:animEffect>
+                                  </p:childTnLst>
+                                </p:cTn>
+                              </p:par>
+                            </p:childTnLst>
+                          </p:cTn>
+                        </p:par>
+                      </p:childTnLst>
+                    </p:cTn>
+                  </p:par>
+                </p:childTnLst>
+              </p:cTn>
+              <p:prevCondLst>
+                <p:cond evt="onPrev" delay="0">
+                  <p:tgtEl>
+                    <p:sldTgt/>
+                  </p:tgtEl>
+                </p:cond>
+              </p:prevCondLst>
+              <p:nextCondLst>
+                <p:cond evt="onNext" delay="0">
+                  <p:tgtEl>
+                    <p:sldTgt/>
+                  </p:tgtEl>
+                </p:cond>
+              </p:nextCondLst>
+            </p:seq>
+          </p:childTnLst>
+        </p:cTn>
       </p:par>
     </p:tnLst>
+    <p:bldLst>
+      <p:bldP spid="7" grpId="0" animBg="1"/>
+      <p:bldP spid="8" grpId="0" animBg="1"/>
+      <p:bldP spid="9" grpId="0" animBg="1"/>
+    </p:bldLst>
   </p:timing>
 </p:sld>
 </file>
@@ -9018,7 +9189,11 @@
           <a:p>
             <a:r>
               <a:rPr kumimoji="1" lang="ja-JP" altLang="en-US" dirty="0" smtClean="0"/>
-              <a:t>進行状況</a:t>
+              <a:t>進行</a:t>
+            </a:r>
+            <a:r>
+              <a:rPr kumimoji="1" lang="ja-JP" altLang="en-US" dirty="0" smtClean="0"/>
+              <a:t>状況・今後</a:t>
             </a:r>
             <a:endParaRPr kumimoji="1" lang="ja-JP" altLang="en-US" dirty="0"/>
           </a:p>
@@ -9034,15 +9209,50 @@
             <p:ph idx="1"/>
           </p:nvPr>
         </p:nvSpPr>
-        <p:spPr/>
-        <p:txBody>
-          <a:bodyPr/>
+        <p:spPr>
+          <a:xfrm>
+            <a:off x="677334" y="1930400"/>
+            <a:ext cx="8596668" cy="3880773"/>
+          </a:xfrm>
+        </p:spPr>
+        <p:txBody>
+          <a:bodyPr>
+            <a:normAutofit/>
+          </a:bodyPr>
           <a:lstStyle/>
           <a:p>
             <a:pPr marL="0" indent="0">
               <a:buNone/>
             </a:pPr>
-            <a:endParaRPr kumimoji="1" lang="ja-JP" altLang="en-US" dirty="0"/>
+            <a:r>
+              <a:rPr kumimoji="1" lang="ja-JP" altLang="en-US" sz="2800" dirty="0" smtClean="0"/>
+              <a:t>・各コンポーネントの作成</a:t>
+            </a:r>
+            <a:r>
+              <a:rPr lang="ja-JP" altLang="en-US" sz="2800" dirty="0" smtClean="0"/>
+              <a:t>はほぼ完了</a:t>
+            </a:r>
+            <a:endParaRPr lang="en-US" altLang="ja-JP" sz="2800" dirty="0" smtClean="0"/>
+          </a:p>
+          <a:p>
+            <a:pPr marL="0" indent="0">
+              <a:buNone/>
+            </a:pPr>
+            <a:r>
+              <a:rPr kumimoji="1" lang="ja-JP" altLang="en-US" sz="2800" dirty="0" smtClean="0"/>
+              <a:t>・コンポーネントを結合する部分のシミュレーションが未完了</a:t>
+            </a:r>
+            <a:endParaRPr kumimoji="1" lang="en-US" altLang="ja-JP" sz="2800" dirty="0" smtClean="0"/>
+          </a:p>
+          <a:p>
+            <a:pPr marL="0" indent="0">
+              <a:buNone/>
+            </a:pPr>
+            <a:r>
+              <a:rPr lang="ja-JP" altLang="en-US" sz="2800" dirty="0" smtClean="0"/>
+              <a:t>・今後は上記の作成と回路上での実装</a:t>
+            </a:r>
+            <a:endParaRPr kumimoji="1" lang="ja-JP" altLang="en-US" sz="2800" dirty="0"/>
           </a:p>
         </p:txBody>
       </p:sp>
@@ -9059,9 +9269,218 @@
   <p:timing>
     <p:tnLst>
       <p:par>
-        <p:cTn id="1" dur="indefinite" restart="never" nodeType="tmRoot"/>
+        <p:cTn id="1" dur="indefinite" restart="never" nodeType="tmRoot">
+          <p:childTnLst>
+            <p:seq concurrent="1" nextAc="seek">
+              <p:cTn id="2" dur="indefinite" nodeType="mainSeq">
+                <p:childTnLst>
+                  <p:par>
+                    <p:cTn id="3" fill="hold">
+                      <p:stCondLst>
+                        <p:cond delay="indefinite"/>
+                      </p:stCondLst>
+                      <p:childTnLst>
+                        <p:par>
+                          <p:cTn id="4" fill="hold">
+                            <p:stCondLst>
+                              <p:cond delay="0"/>
+                            </p:stCondLst>
+                            <p:childTnLst>
+                              <p:par>
+                                <p:cTn id="5" presetID="10" presetClass="entr" presetSubtype="0" fill="hold" grpId="0" nodeType="clickEffect">
+                                  <p:stCondLst>
+                                    <p:cond delay="0"/>
+                                  </p:stCondLst>
+                                  <p:childTnLst>
+                                    <p:set>
+                                      <p:cBhvr>
+                                        <p:cTn id="6" dur="1" fill="hold">
+                                          <p:stCondLst>
+                                            <p:cond delay="0"/>
+                                          </p:stCondLst>
+                                        </p:cTn>
+                                        <p:tgtEl>
+                                          <p:spTgt spid="3">
+                                            <p:txEl>
+                                              <p:pRg st="0" end="0"/>
+                                            </p:txEl>
+                                          </p:spTgt>
+                                        </p:tgtEl>
+                                        <p:attrNameLst>
+                                          <p:attrName>style.visibility</p:attrName>
+                                        </p:attrNameLst>
+                                      </p:cBhvr>
+                                      <p:to>
+                                        <p:strVal val="visible"/>
+                                      </p:to>
+                                    </p:set>
+                                    <p:animEffect transition="in" filter="fade">
+                                      <p:cBhvr>
+                                        <p:cTn id="7" dur="500"/>
+                                        <p:tgtEl>
+                                          <p:spTgt spid="3">
+                                            <p:txEl>
+                                              <p:pRg st="0" end="0"/>
+                                            </p:txEl>
+                                          </p:spTgt>
+                                        </p:tgtEl>
+                                      </p:cBhvr>
+                                    </p:animEffect>
+                                  </p:childTnLst>
+                                </p:cTn>
+                              </p:par>
+                            </p:childTnLst>
+                          </p:cTn>
+                        </p:par>
+                      </p:childTnLst>
+                    </p:cTn>
+                  </p:par>
+                  <p:par>
+                    <p:cTn id="8" fill="hold">
+                      <p:stCondLst>
+                        <p:cond delay="indefinite"/>
+                      </p:stCondLst>
+                      <p:childTnLst>
+                        <p:par>
+                          <p:cTn id="9" fill="hold">
+                            <p:stCondLst>
+                              <p:cond delay="0"/>
+                            </p:stCondLst>
+                            <p:childTnLst>
+                              <p:par>
+                                <p:cTn id="10" presetID="10" presetClass="entr" presetSubtype="0" fill="hold" grpId="0" nodeType="clickEffect">
+                                  <p:stCondLst>
+                                    <p:cond delay="0"/>
+                                  </p:stCondLst>
+                                  <p:childTnLst>
+                                    <p:set>
+                                      <p:cBhvr>
+                                        <p:cTn id="11" dur="1" fill="hold">
+                                          <p:stCondLst>
+                                            <p:cond delay="0"/>
+                                          </p:stCondLst>
+                                        </p:cTn>
+                                        <p:tgtEl>
+                                          <p:spTgt spid="3">
+                                            <p:txEl>
+                                              <p:pRg st="1" end="1"/>
+                                            </p:txEl>
+                                          </p:spTgt>
+                                        </p:tgtEl>
+                                        <p:attrNameLst>
+                                          <p:attrName>style.visibility</p:attrName>
+                                        </p:attrNameLst>
+                                      </p:cBhvr>
+                                      <p:to>
+                                        <p:strVal val="visible"/>
+                                      </p:to>
+                                    </p:set>
+                                    <p:animEffect transition="in" filter="fade">
+                                      <p:cBhvr>
+                                        <p:cTn id="12" dur="500"/>
+                                        <p:tgtEl>
+                                          <p:spTgt spid="3">
+                                            <p:txEl>
+                                              <p:pRg st="1" end="1"/>
+                                            </p:txEl>
+                                          </p:spTgt>
+                                        </p:tgtEl>
+                                      </p:cBhvr>
+                                    </p:animEffect>
+                                  </p:childTnLst>
+                                </p:cTn>
+                              </p:par>
+                            </p:childTnLst>
+                          </p:cTn>
+                        </p:par>
+                      </p:childTnLst>
+                    </p:cTn>
+                  </p:par>
+                  <p:par>
+                    <p:cTn id="13" fill="hold">
+                      <p:stCondLst>
+                        <p:cond delay="indefinite"/>
+                      </p:stCondLst>
+                      <p:childTnLst>
+                        <p:par>
+                          <p:cTn id="14" fill="hold">
+                            <p:stCondLst>
+                              <p:cond delay="0"/>
+                            </p:stCondLst>
+                            <p:childTnLst>
+                              <p:par>
+                                <p:cTn id="15" presetID="10" presetClass="entr" presetSubtype="0" fill="hold" grpId="0" nodeType="clickEffect">
+                                  <p:stCondLst>
+                                    <p:cond delay="0"/>
+                                  </p:stCondLst>
+                                  <p:childTnLst>
+                                    <p:set>
+                                      <p:cBhvr>
+                                        <p:cTn id="16" dur="1" fill="hold">
+                                          <p:stCondLst>
+                                            <p:cond delay="0"/>
+                                          </p:stCondLst>
+                                        </p:cTn>
+                                        <p:tgtEl>
+                                          <p:spTgt spid="3">
+                                            <p:txEl>
+                                              <p:pRg st="2" end="2"/>
+                                            </p:txEl>
+                                          </p:spTgt>
+                                        </p:tgtEl>
+                                        <p:attrNameLst>
+                                          <p:attrName>style.visibility</p:attrName>
+                                        </p:attrNameLst>
+                                      </p:cBhvr>
+                                      <p:to>
+                                        <p:strVal val="visible"/>
+                                      </p:to>
+                                    </p:set>
+                                    <p:animEffect transition="in" filter="fade">
+                                      <p:cBhvr>
+                                        <p:cTn id="17" dur="500"/>
+                                        <p:tgtEl>
+                                          <p:spTgt spid="3">
+                                            <p:txEl>
+                                              <p:pRg st="2" end="2"/>
+                                            </p:txEl>
+                                          </p:spTgt>
+                                        </p:tgtEl>
+                                      </p:cBhvr>
+                                    </p:animEffect>
+                                  </p:childTnLst>
+                                </p:cTn>
+                              </p:par>
+                            </p:childTnLst>
+                          </p:cTn>
+                        </p:par>
+                      </p:childTnLst>
+                    </p:cTn>
+                  </p:par>
+                </p:childTnLst>
+              </p:cTn>
+              <p:prevCondLst>
+                <p:cond evt="onPrev" delay="0">
+                  <p:tgtEl>
+                    <p:sldTgt/>
+                  </p:tgtEl>
+                </p:cond>
+              </p:prevCondLst>
+              <p:nextCondLst>
+                <p:cond evt="onNext" delay="0">
+                  <p:tgtEl>
+                    <p:sldTgt/>
+                  </p:tgtEl>
+                </p:cond>
+              </p:nextCondLst>
+            </p:seq>
+          </p:childTnLst>
+        </p:cTn>
       </p:par>
     </p:tnLst>
+    <p:bldLst>
+      <p:bldP spid="3" grpId="0" build="p"/>
+    </p:bldLst>
   </p:timing>
 </p:sld>
 </file>

--- a/wiki_data/プロジェクト実験.pptx
+++ b/wiki_data/プロジェクト実験.pptx
@@ -118,6 +118,10 @@
     </p:ext>
   </p:extLst>
 </p:presentation>
+</file>
+
+<file path=ppt/revisionInfo.xml><?xml version="1.0" encoding="utf-8"?>
+<p1510:revInfo xmlns:a="http://schemas.openxmlformats.org/drawingml/2006/main" xmlns:r="http://schemas.openxmlformats.org/officeDocument/2006/relationships" xmlns:p1510="http://schemas.microsoft.com/office/powerpoint/2015/10/main"/>
 </file>
 
 <file path=ppt/slideLayouts/slideLayout1.xml><?xml version="1.0" encoding="utf-8"?>
@@ -698,7 +702,7 @@
           </a:lstStyle>
           <a:p>
             <a:r>
-              <a:rPr lang="ja-JP" altLang="en-US" smtClean="0"/>
+              <a:rPr lang="ja-JP" altLang="en-US"/>
               <a:t>マスター タイトルの書式設定</a:t>
             </a:r>
             <a:endParaRPr lang="en-US" dirty="0"/>
@@ -818,7 +822,7 @@
           </a:lstStyle>
           <a:p>
             <a:r>
-              <a:rPr lang="ja-JP" altLang="en-US" smtClean="0"/>
+              <a:rPr lang="ja-JP" altLang="en-US"/>
               <a:t>マスター サブタイトルの書式設定</a:t>
             </a:r>
             <a:endParaRPr lang="en-US" dirty="0"/>
@@ -842,7 +846,7 @@
           <a:p>
             <a:fld id="{F19F37F8-6AD8-4731-A522-42DA3A18CADE}" type="datetimeFigureOut">
               <a:rPr kumimoji="1" lang="ja-JP" altLang="en-US" smtClean="0"/>
-              <a:t>2017/11/23</a:t>
+              <a:t>2017/11/28</a:t>
             </a:fld>
             <a:endParaRPr kumimoji="1" lang="ja-JP" altLang="en-US"/>
           </a:p>
@@ -947,7 +951,7 @@
           </a:lstStyle>
           <a:p>
             <a:r>
-              <a:rPr lang="ja-JP" altLang="en-US" smtClean="0"/>
+              <a:rPr lang="ja-JP" altLang="en-US"/>
               <a:t>マスター タイトルの書式設定</a:t>
             </a:r>
             <a:endParaRPr lang="en-US" dirty="0"/>
@@ -1070,7 +1074,7 @@
           <a:p>
             <a:pPr lvl="0"/>
             <a:r>
-              <a:rPr lang="ja-JP" altLang="en-US" smtClean="0"/>
+              <a:rPr lang="ja-JP" altLang="en-US"/>
               <a:t>マスター テキストの書式設定</a:t>
             </a:r>
           </a:p>
@@ -1093,7 +1097,7 @@
           <a:p>
             <a:fld id="{F19F37F8-6AD8-4731-A522-42DA3A18CADE}" type="datetimeFigureOut">
               <a:rPr kumimoji="1" lang="ja-JP" altLang="en-US" smtClean="0"/>
-              <a:t>2017/11/23</a:t>
+              <a:t>2017/11/28</a:t>
             </a:fld>
             <a:endParaRPr kumimoji="1" lang="ja-JP" altLang="en-US"/>
           </a:p>
@@ -1198,7 +1202,7 @@
           </a:lstStyle>
           <a:p>
             <a:r>
-              <a:rPr lang="ja-JP" altLang="en-US" smtClean="0"/>
+              <a:rPr lang="ja-JP" altLang="en-US"/>
               <a:t>マスター タイトルの書式設定</a:t>
             </a:r>
             <a:endParaRPr lang="en-US" dirty="0"/>
@@ -1262,7 +1266,7 @@
           <a:p>
             <a:pPr lvl="0"/>
             <a:r>
-              <a:rPr lang="ja-JP" altLang="en-US" smtClean="0"/>
+              <a:rPr lang="ja-JP" altLang="en-US"/>
               <a:t>マスター テキストの書式設定</a:t>
             </a:r>
           </a:p>
@@ -1384,7 +1388,7 @@
           <a:p>
             <a:pPr lvl="0"/>
             <a:r>
-              <a:rPr lang="ja-JP" altLang="en-US" smtClean="0"/>
+              <a:rPr lang="ja-JP" altLang="en-US"/>
               <a:t>マスター テキストの書式設定</a:t>
             </a:r>
           </a:p>
@@ -1407,7 +1411,7 @@
           <a:p>
             <a:fld id="{F19F37F8-6AD8-4731-A522-42DA3A18CADE}" type="datetimeFigureOut">
               <a:rPr kumimoji="1" lang="ja-JP" altLang="en-US" smtClean="0"/>
-              <a:t>2017/11/23</a:t>
+              <a:t>2017/11/28</a:t>
             </a:fld>
             <a:endParaRPr kumimoji="1" lang="ja-JP" altLang="en-US"/>
           </a:p>
@@ -1602,7 +1606,7 @@
           </a:lstStyle>
           <a:p>
             <a:r>
-              <a:rPr lang="ja-JP" altLang="en-US" smtClean="0"/>
+              <a:rPr lang="ja-JP" altLang="en-US"/>
               <a:t>マスター タイトルの書式設定</a:t>
             </a:r>
             <a:endParaRPr lang="en-US" dirty="0"/>
@@ -1725,7 +1729,7 @@
           <a:p>
             <a:pPr lvl="0"/>
             <a:r>
-              <a:rPr lang="ja-JP" altLang="en-US" smtClean="0"/>
+              <a:rPr lang="ja-JP" altLang="en-US"/>
               <a:t>マスター テキストの書式設定</a:t>
             </a:r>
           </a:p>
@@ -1748,7 +1752,7 @@
           <a:p>
             <a:fld id="{F19F37F8-6AD8-4731-A522-42DA3A18CADE}" type="datetimeFigureOut">
               <a:rPr kumimoji="1" lang="ja-JP" altLang="en-US" smtClean="0"/>
-              <a:t>2017/11/23</a:t>
+              <a:t>2017/11/28</a:t>
             </a:fld>
             <a:endParaRPr kumimoji="1" lang="ja-JP" altLang="en-US"/>
           </a:p>
@@ -1853,7 +1857,7 @@
           </a:lstStyle>
           <a:p>
             <a:r>
-              <a:rPr lang="ja-JP" altLang="en-US" smtClean="0"/>
+              <a:rPr lang="ja-JP" altLang="en-US"/>
               <a:t>マスター タイトルの書式設定</a:t>
             </a:r>
             <a:endParaRPr lang="en-US" dirty="0"/>
@@ -1917,7 +1921,7 @@
           <a:p>
             <a:pPr lvl="0"/>
             <a:r>
-              <a:rPr lang="ja-JP" altLang="en-US" smtClean="0"/>
+              <a:rPr lang="ja-JP" altLang="en-US"/>
               <a:t>マスター テキストの書式設定</a:t>
             </a:r>
           </a:p>
@@ -2039,7 +2043,7 @@
           <a:p>
             <a:pPr lvl="0"/>
             <a:r>
-              <a:rPr lang="ja-JP" altLang="en-US" smtClean="0"/>
+              <a:rPr lang="ja-JP" altLang="en-US"/>
               <a:t>マスター テキストの書式設定</a:t>
             </a:r>
           </a:p>
@@ -2062,7 +2066,7 @@
           <a:p>
             <a:fld id="{F19F37F8-6AD8-4731-A522-42DA3A18CADE}" type="datetimeFigureOut">
               <a:rPr kumimoji="1" lang="ja-JP" altLang="en-US" smtClean="0"/>
-              <a:t>2017/11/23</a:t>
+              <a:t>2017/11/28</a:t>
             </a:fld>
             <a:endParaRPr kumimoji="1" lang="ja-JP" altLang="en-US"/>
           </a:p>
@@ -2249,7 +2253,7 @@
           </a:lstStyle>
           <a:p>
             <a:r>
-              <a:rPr lang="ja-JP" altLang="en-US" smtClean="0"/>
+              <a:rPr lang="ja-JP" altLang="en-US"/>
               <a:t>マスター タイトルの書式設定</a:t>
             </a:r>
             <a:endParaRPr lang="en-US" dirty="0"/>
@@ -2310,7 +2314,7 @@
           <a:p>
             <a:pPr lvl="0"/>
             <a:r>
-              <a:rPr lang="ja-JP" altLang="en-US" smtClean="0"/>
+              <a:rPr lang="ja-JP" altLang="en-US"/>
               <a:t>マスター テキストの書式設定</a:t>
             </a:r>
           </a:p>
@@ -2432,7 +2436,7 @@
           <a:p>
             <a:pPr lvl="0"/>
             <a:r>
-              <a:rPr lang="ja-JP" altLang="en-US" smtClean="0"/>
+              <a:rPr lang="ja-JP" altLang="en-US"/>
               <a:t>マスター テキストの書式設定</a:t>
             </a:r>
           </a:p>
@@ -2455,7 +2459,7 @@
           <a:p>
             <a:fld id="{F19F37F8-6AD8-4731-A522-42DA3A18CADE}" type="datetimeFigureOut">
               <a:rPr kumimoji="1" lang="ja-JP" altLang="en-US" smtClean="0"/>
-              <a:t>2017/11/23</a:t>
+              <a:t>2017/11/28</a:t>
             </a:fld>
             <a:endParaRPr kumimoji="1" lang="ja-JP" altLang="en-US"/>
           </a:p>
@@ -2549,7 +2553,7 @@
           <a:lstStyle/>
           <a:p>
             <a:r>
-              <a:rPr lang="ja-JP" altLang="en-US" smtClean="0"/>
+              <a:rPr lang="ja-JP" altLang="en-US"/>
               <a:t>マスター タイトルの書式設定</a:t>
             </a:r>
             <a:endParaRPr lang="en-US" dirty="0"/>
@@ -2573,67 +2577,67 @@
           <a:p>
             <a:pPr lvl="0"/>
             <a:r>
-              <a:rPr lang="ja-JP" altLang="en-US" smtClean="0"/>
+              <a:rPr lang="ja-JP" altLang="en-US"/>
               <a:t>マスター テキストの書式設定</a:t>
             </a:r>
           </a:p>
           <a:p>
             <a:pPr lvl="1"/>
             <a:r>
-              <a:rPr lang="ja-JP" altLang="en-US" smtClean="0"/>
+              <a:rPr lang="ja-JP" altLang="en-US"/>
               <a:t>第 </a:t>
             </a:r>
             <a:r>
-              <a:rPr lang="en-US" altLang="ja-JP" smtClean="0"/>
+              <a:rPr lang="en-US" altLang="ja-JP"/>
               <a:t>2 </a:t>
             </a:r>
             <a:r>
-              <a:rPr lang="ja-JP" altLang="en-US" smtClean="0"/>
+              <a:rPr lang="ja-JP" altLang="en-US"/>
               <a:t>レベル</a:t>
             </a:r>
           </a:p>
           <a:p>
             <a:pPr lvl="2"/>
             <a:r>
-              <a:rPr lang="ja-JP" altLang="en-US" smtClean="0"/>
+              <a:rPr lang="ja-JP" altLang="en-US"/>
               <a:t>第 </a:t>
             </a:r>
             <a:r>
-              <a:rPr lang="en-US" altLang="ja-JP" smtClean="0"/>
+              <a:rPr lang="en-US" altLang="ja-JP"/>
               <a:t>3 </a:t>
             </a:r>
             <a:r>
-              <a:rPr lang="ja-JP" altLang="en-US" smtClean="0"/>
+              <a:rPr lang="ja-JP" altLang="en-US"/>
               <a:t>レベル</a:t>
             </a:r>
           </a:p>
           <a:p>
             <a:pPr lvl="3"/>
             <a:r>
-              <a:rPr lang="ja-JP" altLang="en-US" smtClean="0"/>
+              <a:rPr lang="ja-JP" altLang="en-US"/>
               <a:t>第 </a:t>
             </a:r>
             <a:r>
-              <a:rPr lang="en-US" altLang="ja-JP" smtClean="0"/>
+              <a:rPr lang="en-US" altLang="ja-JP"/>
               <a:t>4 </a:t>
             </a:r>
             <a:r>
-              <a:rPr lang="ja-JP" altLang="en-US" smtClean="0"/>
+              <a:rPr lang="ja-JP" altLang="en-US"/>
               <a:t>レベル</a:t>
             </a:r>
           </a:p>
           <a:p>
             <a:pPr lvl="4"/>
             <a:r>
-              <a:rPr lang="ja-JP" altLang="en-US" smtClean="0"/>
+              <a:rPr lang="ja-JP" altLang="en-US"/>
               <a:t>第 </a:t>
             </a:r>
             <a:r>
-              <a:rPr lang="en-US" altLang="ja-JP" smtClean="0"/>
+              <a:rPr lang="en-US" altLang="ja-JP"/>
               <a:t>5 </a:t>
             </a:r>
             <a:r>
-              <a:rPr lang="ja-JP" altLang="en-US" smtClean="0"/>
+              <a:rPr lang="ja-JP" altLang="en-US"/>
               <a:t>レベル</a:t>
             </a:r>
             <a:endParaRPr lang="en-US" dirty="0"/>
@@ -2657,7 +2661,7 @@
           <a:p>
             <a:fld id="{F19F37F8-6AD8-4731-A522-42DA3A18CADE}" type="datetimeFigureOut">
               <a:rPr kumimoji="1" lang="ja-JP" altLang="en-US" smtClean="0"/>
-              <a:t>2017/11/23</a:t>
+              <a:t>2017/11/28</a:t>
             </a:fld>
             <a:endParaRPr kumimoji="1" lang="ja-JP" altLang="en-US"/>
           </a:p>
@@ -2756,7 +2760,7 @@
           <a:lstStyle/>
           <a:p>
             <a:r>
-              <a:rPr lang="ja-JP" altLang="en-US" smtClean="0"/>
+              <a:rPr lang="ja-JP" altLang="en-US"/>
               <a:t>マスター タイトルの書式設定</a:t>
             </a:r>
             <a:endParaRPr lang="en-US" dirty="0"/>
@@ -2785,67 +2789,67 @@
           <a:p>
             <a:pPr lvl="0"/>
             <a:r>
-              <a:rPr lang="ja-JP" altLang="en-US" smtClean="0"/>
+              <a:rPr lang="ja-JP" altLang="en-US"/>
               <a:t>マスター テキストの書式設定</a:t>
             </a:r>
           </a:p>
           <a:p>
             <a:pPr lvl="1"/>
             <a:r>
-              <a:rPr lang="ja-JP" altLang="en-US" smtClean="0"/>
+              <a:rPr lang="ja-JP" altLang="en-US"/>
               <a:t>第 </a:t>
             </a:r>
             <a:r>
-              <a:rPr lang="en-US" altLang="ja-JP" smtClean="0"/>
+              <a:rPr lang="en-US" altLang="ja-JP"/>
               <a:t>2 </a:t>
             </a:r>
             <a:r>
-              <a:rPr lang="ja-JP" altLang="en-US" smtClean="0"/>
+              <a:rPr lang="ja-JP" altLang="en-US"/>
               <a:t>レベル</a:t>
             </a:r>
           </a:p>
           <a:p>
             <a:pPr lvl="2"/>
             <a:r>
-              <a:rPr lang="ja-JP" altLang="en-US" smtClean="0"/>
+              <a:rPr lang="ja-JP" altLang="en-US"/>
               <a:t>第 </a:t>
             </a:r>
             <a:r>
-              <a:rPr lang="en-US" altLang="ja-JP" smtClean="0"/>
+              <a:rPr lang="en-US" altLang="ja-JP"/>
               <a:t>3 </a:t>
             </a:r>
             <a:r>
-              <a:rPr lang="ja-JP" altLang="en-US" smtClean="0"/>
+              <a:rPr lang="ja-JP" altLang="en-US"/>
               <a:t>レベル</a:t>
             </a:r>
           </a:p>
           <a:p>
             <a:pPr lvl="3"/>
             <a:r>
-              <a:rPr lang="ja-JP" altLang="en-US" smtClean="0"/>
+              <a:rPr lang="ja-JP" altLang="en-US"/>
               <a:t>第 </a:t>
             </a:r>
             <a:r>
-              <a:rPr lang="en-US" altLang="ja-JP" smtClean="0"/>
+              <a:rPr lang="en-US" altLang="ja-JP"/>
               <a:t>4 </a:t>
             </a:r>
             <a:r>
-              <a:rPr lang="ja-JP" altLang="en-US" smtClean="0"/>
+              <a:rPr lang="ja-JP" altLang="en-US"/>
               <a:t>レベル</a:t>
             </a:r>
           </a:p>
           <a:p>
             <a:pPr lvl="4"/>
             <a:r>
-              <a:rPr lang="ja-JP" altLang="en-US" smtClean="0"/>
+              <a:rPr lang="ja-JP" altLang="en-US"/>
               <a:t>第 </a:t>
             </a:r>
             <a:r>
-              <a:rPr lang="en-US" altLang="ja-JP" smtClean="0"/>
+              <a:rPr lang="en-US" altLang="ja-JP"/>
               <a:t>5 </a:t>
             </a:r>
             <a:r>
-              <a:rPr lang="ja-JP" altLang="en-US" smtClean="0"/>
+              <a:rPr lang="ja-JP" altLang="en-US"/>
               <a:t>レベル</a:t>
             </a:r>
             <a:endParaRPr lang="en-US" dirty="0"/>
@@ -2869,7 +2873,7 @@
           <a:p>
             <a:fld id="{F19F37F8-6AD8-4731-A522-42DA3A18CADE}" type="datetimeFigureOut">
               <a:rPr kumimoji="1" lang="ja-JP" altLang="en-US" smtClean="0"/>
-              <a:t>2017/11/23</a:t>
+              <a:t>2017/11/28</a:t>
             </a:fld>
             <a:endParaRPr kumimoji="1" lang="ja-JP" altLang="en-US"/>
           </a:p>
@@ -2969,7 +2973,7 @@
           </a:lstStyle>
           <a:p>
             <a:r>
-              <a:rPr lang="ja-JP" altLang="en-US" smtClean="0"/>
+              <a:rPr lang="ja-JP" altLang="en-US"/>
               <a:t>マスター タイトルの書式設定</a:t>
             </a:r>
             <a:endParaRPr lang="en-US" dirty="0"/>
@@ -2993,67 +2997,67 @@
           <a:p>
             <a:pPr lvl="0"/>
             <a:r>
-              <a:rPr lang="ja-JP" altLang="en-US" smtClean="0"/>
+              <a:rPr lang="ja-JP" altLang="en-US"/>
               <a:t>マスター テキストの書式設定</a:t>
             </a:r>
           </a:p>
           <a:p>
             <a:pPr lvl="1"/>
             <a:r>
-              <a:rPr lang="ja-JP" altLang="en-US" smtClean="0"/>
+              <a:rPr lang="ja-JP" altLang="en-US"/>
               <a:t>第 </a:t>
             </a:r>
             <a:r>
-              <a:rPr lang="en-US" altLang="ja-JP" smtClean="0"/>
+              <a:rPr lang="en-US" altLang="ja-JP"/>
               <a:t>2 </a:t>
             </a:r>
             <a:r>
-              <a:rPr lang="ja-JP" altLang="en-US" smtClean="0"/>
+              <a:rPr lang="ja-JP" altLang="en-US"/>
               <a:t>レベル</a:t>
             </a:r>
           </a:p>
           <a:p>
             <a:pPr lvl="2"/>
             <a:r>
-              <a:rPr lang="ja-JP" altLang="en-US" smtClean="0"/>
+              <a:rPr lang="ja-JP" altLang="en-US"/>
               <a:t>第 </a:t>
             </a:r>
             <a:r>
-              <a:rPr lang="en-US" altLang="ja-JP" smtClean="0"/>
+              <a:rPr lang="en-US" altLang="ja-JP"/>
               <a:t>3 </a:t>
             </a:r>
             <a:r>
-              <a:rPr lang="ja-JP" altLang="en-US" smtClean="0"/>
+              <a:rPr lang="ja-JP" altLang="en-US"/>
               <a:t>レベル</a:t>
             </a:r>
           </a:p>
           <a:p>
             <a:pPr lvl="3"/>
             <a:r>
-              <a:rPr lang="ja-JP" altLang="en-US" smtClean="0"/>
+              <a:rPr lang="ja-JP" altLang="en-US"/>
               <a:t>第 </a:t>
             </a:r>
             <a:r>
-              <a:rPr lang="en-US" altLang="ja-JP" smtClean="0"/>
+              <a:rPr lang="en-US" altLang="ja-JP"/>
               <a:t>4 </a:t>
             </a:r>
             <a:r>
-              <a:rPr lang="ja-JP" altLang="en-US" smtClean="0"/>
+              <a:rPr lang="ja-JP" altLang="en-US"/>
               <a:t>レベル</a:t>
             </a:r>
           </a:p>
           <a:p>
             <a:pPr lvl="4"/>
             <a:r>
-              <a:rPr lang="ja-JP" altLang="en-US" smtClean="0"/>
+              <a:rPr lang="ja-JP" altLang="en-US"/>
               <a:t>第 </a:t>
             </a:r>
             <a:r>
-              <a:rPr lang="en-US" altLang="ja-JP" smtClean="0"/>
+              <a:rPr lang="en-US" altLang="ja-JP"/>
               <a:t>5 </a:t>
             </a:r>
             <a:r>
-              <a:rPr lang="ja-JP" altLang="en-US" smtClean="0"/>
+              <a:rPr lang="ja-JP" altLang="en-US"/>
               <a:t>レベル</a:t>
             </a:r>
             <a:endParaRPr lang="en-US" dirty="0"/>
@@ -3077,7 +3081,7 @@
           <a:p>
             <a:fld id="{F19F37F8-6AD8-4731-A522-42DA3A18CADE}" type="datetimeFigureOut">
               <a:rPr kumimoji="1" lang="ja-JP" altLang="en-US" smtClean="0"/>
-              <a:t>2017/11/23</a:t>
+              <a:t>2017/11/28</a:t>
             </a:fld>
             <a:endParaRPr kumimoji="1" lang="ja-JP" altLang="en-US"/>
           </a:p>
@@ -3180,7 +3184,7 @@
           </a:lstStyle>
           <a:p>
             <a:r>
-              <a:rPr lang="ja-JP" altLang="en-US" smtClean="0"/>
+              <a:rPr lang="ja-JP" altLang="en-US"/>
               <a:t>マスター タイトルの書式設定</a:t>
             </a:r>
             <a:endParaRPr lang="en-US" dirty="0"/>
@@ -3301,7 +3305,7 @@
           <a:p>
             <a:pPr lvl="0"/>
             <a:r>
-              <a:rPr lang="ja-JP" altLang="en-US" smtClean="0"/>
+              <a:rPr lang="ja-JP" altLang="en-US"/>
               <a:t>マスター テキストの書式設定</a:t>
             </a:r>
           </a:p>
@@ -3324,7 +3328,7 @@
           <a:p>
             <a:fld id="{F19F37F8-6AD8-4731-A522-42DA3A18CADE}" type="datetimeFigureOut">
               <a:rPr kumimoji="1" lang="ja-JP" altLang="en-US" smtClean="0"/>
-              <a:t>2017/11/23</a:t>
+              <a:t>2017/11/28</a:t>
             </a:fld>
             <a:endParaRPr kumimoji="1" lang="ja-JP" altLang="en-US"/>
           </a:p>
@@ -3418,7 +3422,7 @@
           <a:lstStyle/>
           <a:p>
             <a:r>
-              <a:rPr lang="ja-JP" altLang="en-US" smtClean="0"/>
+              <a:rPr lang="ja-JP" altLang="en-US"/>
               <a:t>マスター タイトルの書式設定</a:t>
             </a:r>
             <a:endParaRPr lang="en-US" dirty="0"/>
@@ -3447,67 +3451,67 @@
           <a:p>
             <a:pPr lvl="0"/>
             <a:r>
-              <a:rPr lang="ja-JP" altLang="en-US" smtClean="0"/>
+              <a:rPr lang="ja-JP" altLang="en-US"/>
               <a:t>マスター テキストの書式設定</a:t>
             </a:r>
           </a:p>
           <a:p>
             <a:pPr lvl="1"/>
             <a:r>
-              <a:rPr lang="ja-JP" altLang="en-US" smtClean="0"/>
+              <a:rPr lang="ja-JP" altLang="en-US"/>
               <a:t>第 </a:t>
             </a:r>
             <a:r>
-              <a:rPr lang="en-US" altLang="ja-JP" smtClean="0"/>
+              <a:rPr lang="en-US" altLang="ja-JP"/>
               <a:t>2 </a:t>
             </a:r>
             <a:r>
-              <a:rPr lang="ja-JP" altLang="en-US" smtClean="0"/>
+              <a:rPr lang="ja-JP" altLang="en-US"/>
               <a:t>レベル</a:t>
             </a:r>
           </a:p>
           <a:p>
             <a:pPr lvl="2"/>
             <a:r>
-              <a:rPr lang="ja-JP" altLang="en-US" smtClean="0"/>
+              <a:rPr lang="ja-JP" altLang="en-US"/>
               <a:t>第 </a:t>
             </a:r>
             <a:r>
-              <a:rPr lang="en-US" altLang="ja-JP" smtClean="0"/>
+              <a:rPr lang="en-US" altLang="ja-JP"/>
               <a:t>3 </a:t>
             </a:r>
             <a:r>
-              <a:rPr lang="ja-JP" altLang="en-US" smtClean="0"/>
+              <a:rPr lang="ja-JP" altLang="en-US"/>
               <a:t>レベル</a:t>
             </a:r>
           </a:p>
           <a:p>
             <a:pPr lvl="3"/>
             <a:r>
-              <a:rPr lang="ja-JP" altLang="en-US" smtClean="0"/>
+              <a:rPr lang="ja-JP" altLang="en-US"/>
               <a:t>第 </a:t>
             </a:r>
             <a:r>
-              <a:rPr lang="en-US" altLang="ja-JP" smtClean="0"/>
+              <a:rPr lang="en-US" altLang="ja-JP"/>
               <a:t>4 </a:t>
             </a:r>
             <a:r>
-              <a:rPr lang="ja-JP" altLang="en-US" smtClean="0"/>
+              <a:rPr lang="ja-JP" altLang="en-US"/>
               <a:t>レベル</a:t>
             </a:r>
           </a:p>
           <a:p>
             <a:pPr lvl="4"/>
             <a:r>
-              <a:rPr lang="ja-JP" altLang="en-US" smtClean="0"/>
+              <a:rPr lang="ja-JP" altLang="en-US"/>
               <a:t>第 </a:t>
             </a:r>
             <a:r>
-              <a:rPr lang="en-US" altLang="ja-JP" smtClean="0"/>
+              <a:rPr lang="en-US" altLang="ja-JP"/>
               <a:t>5 </a:t>
             </a:r>
             <a:r>
-              <a:rPr lang="ja-JP" altLang="en-US" smtClean="0"/>
+              <a:rPr lang="ja-JP" altLang="en-US"/>
               <a:t>レベル</a:t>
             </a:r>
             <a:endParaRPr lang="en-US" dirty="0"/>
@@ -3536,67 +3540,67 @@
           <a:p>
             <a:pPr lvl="0"/>
             <a:r>
-              <a:rPr lang="ja-JP" altLang="en-US" smtClean="0"/>
+              <a:rPr lang="ja-JP" altLang="en-US"/>
               <a:t>マスター テキストの書式設定</a:t>
             </a:r>
           </a:p>
           <a:p>
             <a:pPr lvl="1"/>
             <a:r>
-              <a:rPr lang="ja-JP" altLang="en-US" smtClean="0"/>
+              <a:rPr lang="ja-JP" altLang="en-US"/>
               <a:t>第 </a:t>
             </a:r>
             <a:r>
-              <a:rPr lang="en-US" altLang="ja-JP" smtClean="0"/>
+              <a:rPr lang="en-US" altLang="ja-JP"/>
               <a:t>2 </a:t>
             </a:r>
             <a:r>
-              <a:rPr lang="ja-JP" altLang="en-US" smtClean="0"/>
+              <a:rPr lang="ja-JP" altLang="en-US"/>
               <a:t>レベル</a:t>
             </a:r>
           </a:p>
           <a:p>
             <a:pPr lvl="2"/>
             <a:r>
-              <a:rPr lang="ja-JP" altLang="en-US" smtClean="0"/>
+              <a:rPr lang="ja-JP" altLang="en-US"/>
               <a:t>第 </a:t>
             </a:r>
             <a:r>
-              <a:rPr lang="en-US" altLang="ja-JP" smtClean="0"/>
+              <a:rPr lang="en-US" altLang="ja-JP"/>
               <a:t>3 </a:t>
             </a:r>
             <a:r>
-              <a:rPr lang="ja-JP" altLang="en-US" smtClean="0"/>
+              <a:rPr lang="ja-JP" altLang="en-US"/>
               <a:t>レベル</a:t>
             </a:r>
           </a:p>
           <a:p>
             <a:pPr lvl="3"/>
             <a:r>
-              <a:rPr lang="ja-JP" altLang="en-US" smtClean="0"/>
+              <a:rPr lang="ja-JP" altLang="en-US"/>
               <a:t>第 </a:t>
             </a:r>
             <a:r>
-              <a:rPr lang="en-US" altLang="ja-JP" smtClean="0"/>
+              <a:rPr lang="en-US" altLang="ja-JP"/>
               <a:t>4 </a:t>
             </a:r>
             <a:r>
-              <a:rPr lang="ja-JP" altLang="en-US" smtClean="0"/>
+              <a:rPr lang="ja-JP" altLang="en-US"/>
               <a:t>レベル</a:t>
             </a:r>
           </a:p>
           <a:p>
             <a:pPr lvl="4"/>
             <a:r>
-              <a:rPr lang="ja-JP" altLang="en-US" smtClean="0"/>
+              <a:rPr lang="ja-JP" altLang="en-US"/>
               <a:t>第 </a:t>
             </a:r>
             <a:r>
-              <a:rPr lang="en-US" altLang="ja-JP" smtClean="0"/>
+              <a:rPr lang="en-US" altLang="ja-JP"/>
               <a:t>5 </a:t>
             </a:r>
             <a:r>
-              <a:rPr lang="ja-JP" altLang="en-US" smtClean="0"/>
+              <a:rPr lang="ja-JP" altLang="en-US"/>
               <a:t>レベル</a:t>
             </a:r>
             <a:endParaRPr lang="en-US" dirty="0"/>
@@ -3620,7 +3624,7 @@
           <a:p>
             <a:fld id="{F19F37F8-6AD8-4731-A522-42DA3A18CADE}" type="datetimeFigureOut">
               <a:rPr kumimoji="1" lang="ja-JP" altLang="en-US" smtClean="0"/>
-              <a:t>2017/11/23</a:t>
+              <a:t>2017/11/28</a:t>
             </a:fld>
             <a:endParaRPr kumimoji="1" lang="ja-JP" altLang="en-US"/>
           </a:p>
@@ -3718,7 +3722,7 @@
           </a:lstStyle>
           <a:p>
             <a:r>
-              <a:rPr lang="ja-JP" altLang="en-US" smtClean="0"/>
+              <a:rPr lang="ja-JP" altLang="en-US"/>
               <a:t>マスター タイトルの書式設定</a:t>
             </a:r>
             <a:endParaRPr lang="en-US" dirty="0"/>
@@ -3786,7 +3790,7 @@
           <a:p>
             <a:pPr lvl="0"/>
             <a:r>
-              <a:rPr lang="ja-JP" altLang="en-US" smtClean="0"/>
+              <a:rPr lang="ja-JP" altLang="en-US"/>
               <a:t>マスター テキストの書式設定</a:t>
             </a:r>
           </a:p>
@@ -3816,67 +3820,67 @@
           <a:p>
             <a:pPr lvl="0"/>
             <a:r>
-              <a:rPr lang="ja-JP" altLang="en-US" smtClean="0"/>
+              <a:rPr lang="ja-JP" altLang="en-US"/>
               <a:t>マスター テキストの書式設定</a:t>
             </a:r>
           </a:p>
           <a:p>
             <a:pPr lvl="1"/>
             <a:r>
-              <a:rPr lang="ja-JP" altLang="en-US" smtClean="0"/>
+              <a:rPr lang="ja-JP" altLang="en-US"/>
               <a:t>第 </a:t>
             </a:r>
             <a:r>
-              <a:rPr lang="en-US" altLang="ja-JP" smtClean="0"/>
+              <a:rPr lang="en-US" altLang="ja-JP"/>
               <a:t>2 </a:t>
             </a:r>
             <a:r>
-              <a:rPr lang="ja-JP" altLang="en-US" smtClean="0"/>
+              <a:rPr lang="ja-JP" altLang="en-US"/>
               <a:t>レベル</a:t>
             </a:r>
           </a:p>
           <a:p>
             <a:pPr lvl="2"/>
             <a:r>
-              <a:rPr lang="ja-JP" altLang="en-US" smtClean="0"/>
+              <a:rPr lang="ja-JP" altLang="en-US"/>
               <a:t>第 </a:t>
             </a:r>
             <a:r>
-              <a:rPr lang="en-US" altLang="ja-JP" smtClean="0"/>
+              <a:rPr lang="en-US" altLang="ja-JP"/>
               <a:t>3 </a:t>
             </a:r>
             <a:r>
-              <a:rPr lang="ja-JP" altLang="en-US" smtClean="0"/>
+              <a:rPr lang="ja-JP" altLang="en-US"/>
               <a:t>レベル</a:t>
             </a:r>
           </a:p>
           <a:p>
             <a:pPr lvl="3"/>
             <a:r>
-              <a:rPr lang="ja-JP" altLang="en-US" smtClean="0"/>
+              <a:rPr lang="ja-JP" altLang="en-US"/>
               <a:t>第 </a:t>
             </a:r>
             <a:r>
-              <a:rPr lang="en-US" altLang="ja-JP" smtClean="0"/>
+              <a:rPr lang="en-US" altLang="ja-JP"/>
               <a:t>4 </a:t>
             </a:r>
             <a:r>
-              <a:rPr lang="ja-JP" altLang="en-US" smtClean="0"/>
+              <a:rPr lang="ja-JP" altLang="en-US"/>
               <a:t>レベル</a:t>
             </a:r>
           </a:p>
           <a:p>
             <a:pPr lvl="4"/>
             <a:r>
-              <a:rPr lang="ja-JP" altLang="en-US" smtClean="0"/>
+              <a:rPr lang="ja-JP" altLang="en-US"/>
               <a:t>第 </a:t>
             </a:r>
             <a:r>
-              <a:rPr lang="en-US" altLang="ja-JP" smtClean="0"/>
+              <a:rPr lang="en-US" altLang="ja-JP"/>
               <a:t>5 </a:t>
             </a:r>
             <a:r>
-              <a:rPr lang="ja-JP" altLang="en-US" smtClean="0"/>
+              <a:rPr lang="ja-JP" altLang="en-US"/>
               <a:t>レベル</a:t>
             </a:r>
             <a:endParaRPr lang="en-US" dirty="0"/>
@@ -3944,7 +3948,7 @@
           <a:p>
             <a:pPr lvl="0"/>
             <a:r>
-              <a:rPr lang="ja-JP" altLang="en-US" smtClean="0"/>
+              <a:rPr lang="ja-JP" altLang="en-US"/>
               <a:t>マスター テキストの書式設定</a:t>
             </a:r>
           </a:p>
@@ -3974,67 +3978,67 @@
           <a:p>
             <a:pPr lvl="0"/>
             <a:r>
-              <a:rPr lang="ja-JP" altLang="en-US" smtClean="0"/>
+              <a:rPr lang="ja-JP" altLang="en-US"/>
               <a:t>マスター テキストの書式設定</a:t>
             </a:r>
           </a:p>
           <a:p>
             <a:pPr lvl="1"/>
             <a:r>
-              <a:rPr lang="ja-JP" altLang="en-US" smtClean="0"/>
+              <a:rPr lang="ja-JP" altLang="en-US"/>
               <a:t>第 </a:t>
             </a:r>
             <a:r>
-              <a:rPr lang="en-US" altLang="ja-JP" smtClean="0"/>
+              <a:rPr lang="en-US" altLang="ja-JP"/>
               <a:t>2 </a:t>
             </a:r>
             <a:r>
-              <a:rPr lang="ja-JP" altLang="en-US" smtClean="0"/>
+              <a:rPr lang="ja-JP" altLang="en-US"/>
               <a:t>レベル</a:t>
             </a:r>
           </a:p>
           <a:p>
             <a:pPr lvl="2"/>
             <a:r>
-              <a:rPr lang="ja-JP" altLang="en-US" smtClean="0"/>
+              <a:rPr lang="ja-JP" altLang="en-US"/>
               <a:t>第 </a:t>
             </a:r>
             <a:r>
-              <a:rPr lang="en-US" altLang="ja-JP" smtClean="0"/>
+              <a:rPr lang="en-US" altLang="ja-JP"/>
               <a:t>3 </a:t>
             </a:r>
             <a:r>
-              <a:rPr lang="ja-JP" altLang="en-US" smtClean="0"/>
+              <a:rPr lang="ja-JP" altLang="en-US"/>
               <a:t>レベル</a:t>
             </a:r>
           </a:p>
           <a:p>
             <a:pPr lvl="3"/>
             <a:r>
-              <a:rPr lang="ja-JP" altLang="en-US" smtClean="0"/>
+              <a:rPr lang="ja-JP" altLang="en-US"/>
               <a:t>第 </a:t>
             </a:r>
             <a:r>
-              <a:rPr lang="en-US" altLang="ja-JP" smtClean="0"/>
+              <a:rPr lang="en-US" altLang="ja-JP"/>
               <a:t>4 </a:t>
             </a:r>
             <a:r>
-              <a:rPr lang="ja-JP" altLang="en-US" smtClean="0"/>
+              <a:rPr lang="ja-JP" altLang="en-US"/>
               <a:t>レベル</a:t>
             </a:r>
           </a:p>
           <a:p>
             <a:pPr lvl="4"/>
             <a:r>
-              <a:rPr lang="ja-JP" altLang="en-US" smtClean="0"/>
+              <a:rPr lang="ja-JP" altLang="en-US"/>
               <a:t>第 </a:t>
             </a:r>
             <a:r>
-              <a:rPr lang="en-US" altLang="ja-JP" smtClean="0"/>
+              <a:rPr lang="en-US" altLang="ja-JP"/>
               <a:t>5 </a:t>
             </a:r>
             <a:r>
-              <a:rPr lang="ja-JP" altLang="en-US" smtClean="0"/>
+              <a:rPr lang="ja-JP" altLang="en-US"/>
               <a:t>レベル</a:t>
             </a:r>
             <a:endParaRPr lang="en-US" dirty="0"/>
@@ -4058,7 +4062,7 @@
           <a:p>
             <a:fld id="{F19F37F8-6AD8-4731-A522-42DA3A18CADE}" type="datetimeFigureOut">
               <a:rPr kumimoji="1" lang="ja-JP" altLang="en-US" smtClean="0"/>
-              <a:t>2017/11/23</a:t>
+              <a:t>2017/11/28</a:t>
             </a:fld>
             <a:endParaRPr kumimoji="1" lang="ja-JP" altLang="en-US"/>
           </a:p>
@@ -4157,7 +4161,7 @@
           <a:lstStyle/>
           <a:p>
             <a:r>
-              <a:rPr lang="ja-JP" altLang="en-US" smtClean="0"/>
+              <a:rPr lang="ja-JP" altLang="en-US"/>
               <a:t>マスター タイトルの書式設定</a:t>
             </a:r>
             <a:endParaRPr lang="en-US" dirty="0"/>
@@ -4181,7 +4185,7 @@
           <a:p>
             <a:fld id="{F19F37F8-6AD8-4731-A522-42DA3A18CADE}" type="datetimeFigureOut">
               <a:rPr kumimoji="1" lang="ja-JP" altLang="en-US" smtClean="0"/>
-              <a:t>2017/11/23</a:t>
+              <a:t>2017/11/28</a:t>
             </a:fld>
             <a:endParaRPr kumimoji="1" lang="ja-JP" altLang="en-US"/>
           </a:p>
@@ -4276,7 +4280,7 @@
           <a:p>
             <a:fld id="{F19F37F8-6AD8-4731-A522-42DA3A18CADE}" type="datetimeFigureOut">
               <a:rPr kumimoji="1" lang="ja-JP" altLang="en-US" smtClean="0"/>
-              <a:t>2017/11/23</a:t>
+              <a:t>2017/11/28</a:t>
             </a:fld>
             <a:endParaRPr kumimoji="1" lang="ja-JP" altLang="en-US"/>
           </a:p>
@@ -4381,7 +4385,7 @@
           </a:lstStyle>
           <a:p>
             <a:r>
-              <a:rPr lang="ja-JP" altLang="en-US" smtClean="0"/>
+              <a:rPr lang="ja-JP" altLang="en-US"/>
               <a:t>マスター タイトルの書式設定</a:t>
             </a:r>
             <a:endParaRPr lang="en-US" dirty="0"/>
@@ -4412,67 +4416,67 @@
           <a:p>
             <a:pPr lvl="0"/>
             <a:r>
-              <a:rPr lang="ja-JP" altLang="en-US" smtClean="0"/>
+              <a:rPr lang="ja-JP" altLang="en-US"/>
               <a:t>マスター テキストの書式設定</a:t>
             </a:r>
           </a:p>
           <a:p>
             <a:pPr lvl="1"/>
             <a:r>
-              <a:rPr lang="ja-JP" altLang="en-US" smtClean="0"/>
+              <a:rPr lang="ja-JP" altLang="en-US"/>
               <a:t>第 </a:t>
             </a:r>
             <a:r>
-              <a:rPr lang="en-US" altLang="ja-JP" smtClean="0"/>
+              <a:rPr lang="en-US" altLang="ja-JP"/>
               <a:t>2 </a:t>
             </a:r>
             <a:r>
-              <a:rPr lang="ja-JP" altLang="en-US" smtClean="0"/>
+              <a:rPr lang="ja-JP" altLang="en-US"/>
               <a:t>レベル</a:t>
             </a:r>
           </a:p>
           <a:p>
             <a:pPr lvl="2"/>
             <a:r>
-              <a:rPr lang="ja-JP" altLang="en-US" smtClean="0"/>
+              <a:rPr lang="ja-JP" altLang="en-US"/>
               <a:t>第 </a:t>
             </a:r>
             <a:r>
-              <a:rPr lang="en-US" altLang="ja-JP" smtClean="0"/>
+              <a:rPr lang="en-US" altLang="ja-JP"/>
               <a:t>3 </a:t>
             </a:r>
             <a:r>
-              <a:rPr lang="ja-JP" altLang="en-US" smtClean="0"/>
+              <a:rPr lang="ja-JP" altLang="en-US"/>
               <a:t>レベル</a:t>
             </a:r>
           </a:p>
           <a:p>
             <a:pPr lvl="3"/>
             <a:r>
-              <a:rPr lang="ja-JP" altLang="en-US" smtClean="0"/>
+              <a:rPr lang="ja-JP" altLang="en-US"/>
               <a:t>第 </a:t>
             </a:r>
             <a:r>
-              <a:rPr lang="en-US" altLang="ja-JP" smtClean="0"/>
+              <a:rPr lang="en-US" altLang="ja-JP"/>
               <a:t>4 </a:t>
             </a:r>
             <a:r>
-              <a:rPr lang="ja-JP" altLang="en-US" smtClean="0"/>
+              <a:rPr lang="ja-JP" altLang="en-US"/>
               <a:t>レベル</a:t>
             </a:r>
           </a:p>
           <a:p>
             <a:pPr lvl="4"/>
             <a:r>
-              <a:rPr lang="ja-JP" altLang="en-US" smtClean="0"/>
+              <a:rPr lang="ja-JP" altLang="en-US"/>
               <a:t>第 </a:t>
             </a:r>
             <a:r>
-              <a:rPr lang="en-US" altLang="ja-JP" smtClean="0"/>
+              <a:rPr lang="en-US" altLang="ja-JP"/>
               <a:t>5 </a:t>
             </a:r>
             <a:r>
-              <a:rPr lang="ja-JP" altLang="en-US" smtClean="0"/>
+              <a:rPr lang="ja-JP" altLang="en-US"/>
               <a:t>レベル</a:t>
             </a:r>
             <a:endParaRPr lang="en-US" dirty="0"/>
@@ -4540,7 +4544,7 @@
           <a:p>
             <a:pPr lvl="0"/>
             <a:r>
-              <a:rPr lang="ja-JP" altLang="en-US" smtClean="0"/>
+              <a:rPr lang="ja-JP" altLang="en-US"/>
               <a:t>マスター テキストの書式設定</a:t>
             </a:r>
           </a:p>
@@ -4563,7 +4567,7 @@
           <a:p>
             <a:fld id="{F19F37F8-6AD8-4731-A522-42DA3A18CADE}" type="datetimeFigureOut">
               <a:rPr kumimoji="1" lang="ja-JP" altLang="en-US" smtClean="0"/>
-              <a:t>2017/11/23</a:t>
+              <a:t>2017/11/28</a:t>
             </a:fld>
             <a:endParaRPr kumimoji="1" lang="ja-JP" altLang="en-US"/>
           </a:p>
@@ -4668,7 +4672,7 @@
           </a:lstStyle>
           <a:p>
             <a:r>
-              <a:rPr lang="ja-JP" altLang="en-US" smtClean="0"/>
+              <a:rPr lang="ja-JP" altLang="en-US"/>
               <a:t>マスター タイトルの書式設定</a:t>
             </a:r>
             <a:endParaRPr lang="en-US" dirty="0"/>
@@ -4735,7 +4739,7 @@
           </a:lstStyle>
           <a:p>
             <a:r>
-              <a:rPr lang="ja-JP" altLang="en-US" smtClean="0"/>
+              <a:rPr lang="ja-JP" altLang="en-US"/>
               <a:t>図を追加</a:t>
             </a:r>
             <a:endParaRPr lang="en-US" dirty="0"/>
@@ -4803,7 +4807,7 @@
           <a:p>
             <a:pPr lvl="0"/>
             <a:r>
-              <a:rPr lang="ja-JP" altLang="en-US" smtClean="0"/>
+              <a:rPr lang="ja-JP" altLang="en-US"/>
               <a:t>マスター テキストの書式設定</a:t>
             </a:r>
           </a:p>
@@ -4826,7 +4830,7 @@
           <a:p>
             <a:fld id="{F19F37F8-6AD8-4731-A522-42DA3A18CADE}" type="datetimeFigureOut">
               <a:rPr kumimoji="1" lang="ja-JP" altLang="en-US" smtClean="0"/>
-              <a:t>2017/11/23</a:t>
+              <a:t>2017/11/28</a:t>
             </a:fld>
             <a:endParaRPr kumimoji="1" lang="ja-JP" altLang="en-US"/>
           </a:p>
@@ -5465,7 +5469,7 @@
           <a:lstStyle/>
           <a:p>
             <a:r>
-              <a:rPr lang="ja-JP" altLang="en-US" smtClean="0"/>
+              <a:rPr lang="ja-JP" altLang="en-US"/>
               <a:t>マスター タイトルの書式設定</a:t>
             </a:r>
             <a:endParaRPr lang="en-US" dirty="0"/>
@@ -5499,67 +5503,67 @@
           <a:p>
             <a:pPr lvl="0"/>
             <a:r>
-              <a:rPr lang="ja-JP" altLang="en-US" smtClean="0"/>
+              <a:rPr lang="ja-JP" altLang="en-US"/>
               <a:t>マスター テキストの書式設定</a:t>
             </a:r>
           </a:p>
           <a:p>
             <a:pPr lvl="1"/>
             <a:r>
-              <a:rPr lang="ja-JP" altLang="en-US" smtClean="0"/>
+              <a:rPr lang="ja-JP" altLang="en-US"/>
               <a:t>第 </a:t>
             </a:r>
             <a:r>
-              <a:rPr lang="en-US" altLang="ja-JP" smtClean="0"/>
+              <a:rPr lang="en-US" altLang="ja-JP"/>
               <a:t>2 </a:t>
             </a:r>
             <a:r>
-              <a:rPr lang="ja-JP" altLang="en-US" smtClean="0"/>
+              <a:rPr lang="ja-JP" altLang="en-US"/>
               <a:t>レベル</a:t>
             </a:r>
           </a:p>
           <a:p>
             <a:pPr lvl="2"/>
             <a:r>
-              <a:rPr lang="ja-JP" altLang="en-US" smtClean="0"/>
+              <a:rPr lang="ja-JP" altLang="en-US"/>
               <a:t>第 </a:t>
             </a:r>
             <a:r>
-              <a:rPr lang="en-US" altLang="ja-JP" smtClean="0"/>
+              <a:rPr lang="en-US" altLang="ja-JP"/>
               <a:t>3 </a:t>
             </a:r>
             <a:r>
-              <a:rPr lang="ja-JP" altLang="en-US" smtClean="0"/>
+              <a:rPr lang="ja-JP" altLang="en-US"/>
               <a:t>レベル</a:t>
             </a:r>
           </a:p>
           <a:p>
             <a:pPr lvl="3"/>
             <a:r>
-              <a:rPr lang="ja-JP" altLang="en-US" smtClean="0"/>
+              <a:rPr lang="ja-JP" altLang="en-US"/>
               <a:t>第 </a:t>
             </a:r>
             <a:r>
-              <a:rPr lang="en-US" altLang="ja-JP" smtClean="0"/>
+              <a:rPr lang="en-US" altLang="ja-JP"/>
               <a:t>4 </a:t>
             </a:r>
             <a:r>
-              <a:rPr lang="ja-JP" altLang="en-US" smtClean="0"/>
+              <a:rPr lang="ja-JP" altLang="en-US"/>
               <a:t>レベル</a:t>
             </a:r>
           </a:p>
           <a:p>
             <a:pPr lvl="4"/>
             <a:r>
-              <a:rPr lang="ja-JP" altLang="en-US" smtClean="0"/>
+              <a:rPr lang="ja-JP" altLang="en-US"/>
               <a:t>第 </a:t>
             </a:r>
             <a:r>
-              <a:rPr lang="en-US" altLang="ja-JP" smtClean="0"/>
+              <a:rPr lang="en-US" altLang="ja-JP"/>
               <a:t>5 </a:t>
             </a:r>
             <a:r>
-              <a:rPr lang="ja-JP" altLang="en-US" smtClean="0"/>
+              <a:rPr lang="ja-JP" altLang="en-US"/>
               <a:t>レベル</a:t>
             </a:r>
             <a:endParaRPr lang="en-US" dirty="0"/>
@@ -5601,7 +5605,7 @@
           <a:p>
             <a:fld id="{F19F37F8-6AD8-4731-A522-42DA3A18CADE}" type="datetimeFigureOut">
               <a:rPr kumimoji="1" lang="ja-JP" altLang="en-US" smtClean="0"/>
-              <a:t>2017/11/23</a:t>
+              <a:t>2017/11/28</a:t>
             </a:fld>
             <a:endParaRPr kumimoji="1" lang="ja-JP" altLang="en-US"/>
           </a:p>
@@ -6146,14 +6150,13 @@
           <a:lstStyle/>
           <a:p>
             <a:r>
-              <a:rPr kumimoji="1" lang="en-US" altLang="ja-JP" dirty="0" smtClean="0"/>
+              <a:rPr kumimoji="1" lang="en-US" altLang="ja-JP" dirty="0"/>
               <a:t>VHDL</a:t>
             </a:r>
             <a:r>
-              <a:rPr kumimoji="1" lang="ja-JP" altLang="en-US" dirty="0" smtClean="0"/>
+              <a:rPr kumimoji="1" lang="ja-JP" altLang="en-US" dirty="0"/>
               <a:t>による平方根の計算</a:t>
             </a:r>
-            <a:endParaRPr kumimoji="1" lang="ja-JP" altLang="en-US" dirty="0"/>
           </a:p>
         </p:txBody>
       </p:sp>
@@ -6180,63 +6183,62 @@
           <a:lstStyle/>
           <a:p>
             <a:r>
-              <a:rPr kumimoji="1" lang="en-US" altLang="ja-JP" dirty="0" smtClean="0"/>
+              <a:rPr kumimoji="1" lang="en-US" altLang="ja-JP" dirty="0"/>
               <a:t>    A-2</a:t>
             </a:r>
             <a:r>
-              <a:rPr kumimoji="1" lang="ja-JP" altLang="en-US" dirty="0" smtClean="0"/>
+              <a:rPr kumimoji="1" lang="ja-JP" altLang="en-US" dirty="0"/>
               <a:t>班  </a:t>
             </a:r>
             <a:r>
-              <a:rPr kumimoji="1" lang="en-US" altLang="ja-JP" dirty="0" smtClean="0"/>
+              <a:rPr kumimoji="1" lang="en-US" altLang="ja-JP" dirty="0"/>
               <a:t>15173009</a:t>
             </a:r>
             <a:r>
-              <a:rPr lang="ja-JP" altLang="en-US" dirty="0" smtClean="0"/>
+              <a:rPr lang="ja-JP" altLang="en-US" dirty="0"/>
               <a:t> 　</a:t>
             </a:r>
             <a:r>
-              <a:rPr kumimoji="1" lang="ja-JP" altLang="en-US" dirty="0" smtClean="0"/>
+              <a:rPr kumimoji="1" lang="ja-JP" altLang="en-US" dirty="0"/>
               <a:t>加藤 大登　</a:t>
             </a:r>
-            <a:endParaRPr kumimoji="1" lang="en-US" altLang="ja-JP" dirty="0" smtClean="0"/>
-          </a:p>
-          <a:p>
-            <a:r>
-              <a:rPr kumimoji="1" lang="ja-JP" altLang="en-US" dirty="0" smtClean="0"/>
+            <a:endParaRPr kumimoji="1" lang="en-US" altLang="ja-JP" dirty="0"/>
+          </a:p>
+          <a:p>
+            <a:r>
+              <a:rPr kumimoji="1" lang="ja-JP" altLang="en-US" dirty="0"/>
               <a:t>　　　　</a:t>
             </a:r>
             <a:r>
-              <a:rPr kumimoji="1" lang="en-US" altLang="ja-JP" dirty="0" smtClean="0"/>
+              <a:rPr kumimoji="1" lang="en-US" altLang="ja-JP" dirty="0"/>
               <a:t>15173046 </a:t>
             </a:r>
             <a:r>
-              <a:rPr kumimoji="1" lang="ja-JP" altLang="en-US" dirty="0" smtClean="0"/>
+              <a:rPr kumimoji="1" lang="ja-JP" altLang="en-US" dirty="0"/>
               <a:t>久朗津 宏樹</a:t>
             </a:r>
-            <a:endParaRPr kumimoji="1" lang="en-US" altLang="ja-JP" dirty="0" smtClean="0"/>
-          </a:p>
-          <a:p>
-            <a:r>
-              <a:rPr lang="en-US" altLang="ja-JP" dirty="0" smtClean="0"/>
+            <a:endParaRPr kumimoji="1" lang="en-US" altLang="ja-JP" dirty="0"/>
+          </a:p>
+          <a:p>
+            <a:r>
+              <a:rPr lang="en-US" altLang="ja-JP" dirty="0"/>
               <a:t>15173088 </a:t>
             </a:r>
             <a:r>
-              <a:rPr lang="ja-JP" altLang="en-US" dirty="0" smtClean="0"/>
+              <a:rPr lang="ja-JP" altLang="en-US" dirty="0"/>
               <a:t>　佐藤 竜郎 </a:t>
             </a:r>
-            <a:endParaRPr lang="en-US" altLang="ja-JP" dirty="0" smtClean="0"/>
-          </a:p>
-          <a:p>
-            <a:r>
-              <a:rPr kumimoji="1" lang="en-US" altLang="ja-JP" dirty="0" smtClean="0"/>
+            <a:endParaRPr lang="en-US" altLang="ja-JP" dirty="0"/>
+          </a:p>
+          <a:p>
+            <a:r>
+              <a:rPr kumimoji="1" lang="en-US" altLang="ja-JP" dirty="0"/>
               <a:t>15173091 </a:t>
             </a:r>
             <a:r>
-              <a:rPr kumimoji="1" lang="ja-JP" altLang="en-US" dirty="0" smtClean="0"/>
+              <a:rPr kumimoji="1" lang="ja-JP" altLang="en-US" dirty="0"/>
               <a:t>　髙田 大樹</a:t>
             </a:r>
-            <a:endParaRPr kumimoji="1" lang="ja-JP" altLang="en-US" dirty="0"/>
           </a:p>
         </p:txBody>
       </p:sp>
@@ -6250,13 +6252,6 @@
   <p:clrMapOvr>
     <a:masterClrMapping/>
   </p:clrMapOvr>
-  <p:timing>
-    <p:tnLst>
-      <p:par>
-        <p:cTn id="1" dur="indefinite" restart="never" nodeType="tmRoot"/>
-      </p:par>
-    </p:tnLst>
-  </p:timing>
 </p:sld>
 </file>
 
@@ -6294,10 +6289,9 @@
           <a:p>
             <a:pPr algn="ctr"/>
             <a:r>
-              <a:rPr kumimoji="1" lang="ja-JP" altLang="en-US" b="1" dirty="0" smtClean="0"/>
+              <a:rPr kumimoji="1" lang="ja-JP" altLang="en-US" b="1" dirty="0"/>
               <a:t>最終目標</a:t>
             </a:r>
-            <a:endParaRPr kumimoji="1" lang="ja-JP" altLang="en-US" b="1" dirty="0"/>
           </a:p>
         </p:txBody>
       </p:sp>
@@ -6313,7 +6307,7 @@
         </p:nvSpPr>
         <p:spPr>
           <a:xfrm>
-            <a:off x="677334" y="2160589"/>
+            <a:off x="75585" y="1747839"/>
             <a:ext cx="9800166" cy="3880773"/>
           </a:xfrm>
         </p:spPr>
@@ -6327,48 +6321,13 @@
               <a:buNone/>
             </a:pPr>
             <a:r>
-              <a:rPr lang="ja-JP" altLang="en-US" sz="3600" dirty="0" smtClean="0"/>
+              <a:rPr lang="ja-JP" altLang="en-US" sz="3600" dirty="0"/>
               <a:t>平方根の計算</a:t>
             </a:r>
-            <a:endParaRPr lang="en-US" altLang="ja-JP" sz="3600" dirty="0" smtClean="0"/>
+            <a:endParaRPr lang="en-US" altLang="ja-JP" sz="3600" dirty="0"/>
           </a:p>
           <a:p>
             <a:pPr marL="0" indent="0" algn="ctr">
-              <a:buNone/>
-            </a:pPr>
-            <a:endParaRPr lang="en-US" altLang="ja-JP" sz="3600" dirty="0" smtClean="0"/>
-          </a:p>
-          <a:p>
-            <a:pPr marL="0" indent="0">
-              <a:buNone/>
-            </a:pPr>
-            <a:r>
-              <a:rPr lang="ja-JP" altLang="en-US" sz="3600" dirty="0" smtClean="0"/>
-              <a:t>入力</a:t>
-            </a:r>
-            <a:r>
-              <a:rPr lang="en-US" altLang="ja-JP" sz="3600" dirty="0" smtClean="0"/>
-              <a:t>	…	</a:t>
-            </a:r>
-            <a:r>
-              <a:rPr lang="en-US" altLang="ja-JP" sz="3600" dirty="0"/>
-              <a:t>	</a:t>
-            </a:r>
-            <a:r>
-              <a:rPr lang="en-US" altLang="ja-JP" sz="3600" dirty="0" smtClean="0"/>
-              <a:t>16bit</a:t>
-            </a:r>
-            <a:r>
-              <a:rPr lang="ja-JP" altLang="en-US" sz="3600" dirty="0" smtClean="0"/>
-              <a:t>の整数 </a:t>
-            </a:r>
-            <a:r>
-              <a:rPr lang="en-US" altLang="ja-JP" sz="3600" dirty="0" smtClean="0"/>
-              <a:t>(0~65535)</a:t>
-            </a:r>
-          </a:p>
-          <a:p>
-            <a:pPr marL="0" indent="0">
               <a:buNone/>
             </a:pPr>
             <a:endParaRPr lang="en-US" altLang="ja-JP" sz="3600" dirty="0"/>
@@ -6378,31 +6337,58 @@
               <a:buNone/>
             </a:pPr>
             <a:r>
-              <a:rPr lang="ja-JP" altLang="en-US" sz="3600" dirty="0" smtClean="0"/>
-              <a:t>出力</a:t>
-            </a:r>
-            <a:r>
-              <a:rPr lang="en-US" altLang="ja-JP" sz="3600" dirty="0" smtClean="0"/>
+              <a:rPr lang="ja-JP" altLang="en-US" sz="3600" dirty="0"/>
+              <a:t>　入力</a:t>
+            </a:r>
+            <a:r>
+              <a:rPr lang="en-US" altLang="ja-JP" sz="3600" dirty="0"/>
+              <a:t>	…		16bit</a:t>
+            </a:r>
+            <a:r>
+              <a:rPr lang="ja-JP" altLang="en-US" sz="3600" dirty="0"/>
+              <a:t>の整数 </a:t>
+            </a:r>
+            <a:r>
+              <a:rPr lang="en-US" altLang="ja-JP" sz="3600" dirty="0"/>
+              <a:t>(0~65535)</a:t>
+            </a:r>
+          </a:p>
+          <a:p>
+            <a:pPr marL="0" indent="0">
+              <a:buNone/>
+            </a:pPr>
+            <a:endParaRPr lang="en-US" altLang="ja-JP" sz="3600" dirty="0"/>
+          </a:p>
+          <a:p>
+            <a:pPr marL="0" indent="0">
+              <a:buNone/>
+            </a:pPr>
+            <a:r>
+              <a:rPr lang="ja-JP" altLang="en-US" sz="3600" dirty="0"/>
+              <a:t>　出力</a:t>
+            </a:r>
+            <a:r>
+              <a:rPr lang="en-US" altLang="ja-JP" sz="3600" dirty="0"/>
               <a:t>	…		</a:t>
             </a:r>
             <a:r>
-              <a:rPr lang="ja-JP" altLang="en-US" sz="3600" dirty="0" smtClean="0"/>
+              <a:rPr lang="ja-JP" altLang="en-US" sz="3600" dirty="0"/>
               <a:t>整数部分</a:t>
             </a:r>
             <a:r>
-              <a:rPr lang="en-US" altLang="ja-JP" sz="3600" dirty="0" smtClean="0"/>
+              <a:rPr lang="en-US" altLang="ja-JP" sz="3600" dirty="0"/>
               <a:t>8bit,</a:t>
             </a:r>
             <a:r>
-              <a:rPr lang="ja-JP" altLang="en-US" sz="3600" dirty="0" smtClean="0"/>
+              <a:rPr lang="ja-JP" altLang="en-US" sz="3600" dirty="0"/>
               <a:t>小数部分</a:t>
             </a:r>
             <a:r>
-              <a:rPr lang="en-US" altLang="ja-JP" sz="3600" dirty="0" smtClean="0"/>
+              <a:rPr lang="en-US" altLang="ja-JP" sz="3600" dirty="0"/>
               <a:t>8bit</a:t>
             </a:r>
             <a:r>
-              <a:rPr lang="ja-JP" altLang="en-US" sz="3600" dirty="0" smtClean="0"/>
+              <a:rPr lang="ja-JP" altLang="en-US" sz="3600" dirty="0"/>
               <a:t>の数</a:t>
             </a:r>
             <a:endParaRPr lang="en-US" altLang="ja-JP" sz="3600" dirty="0"/>
@@ -6417,15 +6403,15 @@
         </p:nvSpPr>
         <p:spPr>
           <a:xfrm>
-            <a:off x="8394700" y="5628612"/>
+            <a:off x="7562677" y="5292946"/>
             <a:ext cx="3422650" cy="1054100"/>
           </a:xfrm>
           <a:prstGeom prst="borderCallout1">
             <a:avLst>
-              <a:gd name="adj1" fmla="val 91040"/>
-              <a:gd name="adj2" fmla="val -7543"/>
-              <a:gd name="adj3" fmla="val -5573"/>
-              <a:gd name="adj4" fmla="val -102761"/>
+              <a:gd name="adj1" fmla="val 72038"/>
+              <a:gd name="adj2" fmla="val 90"/>
+              <a:gd name="adj3" fmla="val -26436"/>
+              <a:gd name="adj4" fmla="val -77736"/>
             </a:avLst>
           </a:prstGeom>
           <a:solidFill>
@@ -6454,15 +6440,31 @@
           <a:p>
             <a:pPr algn="ctr"/>
             <a:r>
-              <a:rPr lang="ja-JP" altLang="en-US" dirty="0" smtClean="0">
+              <a:rPr lang="ja-JP" altLang="en-US" sz="2400" dirty="0">
                 <a:solidFill>
                   <a:schemeClr val="tx1"/>
                 </a:solidFill>
               </a:rPr>
-              <a:t>平方なため半分の</a:t>
-            </a:r>
-            <a:r>
-              <a:rPr lang="en-US" altLang="ja-JP" dirty="0" smtClean="0">
+              <a:t>平方なため</a:t>
+            </a:r>
+            <a:endParaRPr lang="en-US" altLang="ja-JP" sz="2400" dirty="0">
+              <a:solidFill>
+                <a:schemeClr val="tx1"/>
+              </a:solidFill>
+            </a:endParaRPr>
+          </a:p>
+          <a:p>
+            <a:pPr algn="ctr"/>
+            <a:r>
+              <a:rPr lang="ja-JP" altLang="en-US" sz="2400" dirty="0">
+                <a:solidFill>
+                  <a:schemeClr val="tx1"/>
+                </a:solidFill>
+              </a:rPr>
+              <a:t>半分の</a:t>
+            </a:r>
+            <a:r>
+              <a:rPr lang="en-US" altLang="ja-JP" sz="2400" dirty="0">
                 <a:solidFill>
                   <a:schemeClr val="tx1"/>
                 </a:solidFill>
@@ -6470,14 +6472,14 @@
               <a:t>8bit</a:t>
             </a:r>
             <a:r>
-              <a:rPr lang="ja-JP" altLang="en-US" dirty="0" smtClean="0">
+              <a:rPr lang="ja-JP" altLang="en-US" sz="2400" dirty="0">
                 <a:solidFill>
                   <a:schemeClr val="tx1"/>
                 </a:solidFill>
               </a:rPr>
               <a:t>で足りる</a:t>
             </a:r>
-            <a:endParaRPr lang="en-US" altLang="ja-JP" dirty="0" smtClean="0">
+            <a:endParaRPr lang="en-US" altLang="ja-JP" sz="2400" dirty="0">
               <a:solidFill>
                 <a:schemeClr val="tx1"/>
               </a:solidFill>
@@ -6740,10 +6742,9 @@
           <a:p>
             <a:pPr algn="ctr"/>
             <a:r>
-              <a:rPr kumimoji="1" lang="ja-JP" altLang="en-US" b="1" dirty="0" smtClean="0"/>
+              <a:rPr kumimoji="1" lang="ja-JP" altLang="en-US" b="1" dirty="0"/>
               <a:t>計算例</a:t>
             </a:r>
-            <a:endParaRPr kumimoji="1" lang="ja-JP" altLang="en-US" b="1" dirty="0"/>
           </a:p>
         </p:txBody>
       </p:sp>
@@ -6759,138 +6760,375 @@
         </p:nvSpPr>
         <p:spPr>
           <a:xfrm>
-            <a:off x="677334" y="2160589"/>
-            <a:ext cx="9736666" cy="3880773"/>
+            <a:off x="515289" y="2160589"/>
+            <a:ext cx="4334504" cy="2767012"/>
           </a:xfrm>
         </p:spPr>
         <p:txBody>
           <a:bodyPr>
-            <a:normAutofit fontScale="92500" lnSpcReduction="10000"/>
+            <a:normAutofit/>
           </a:bodyPr>
           <a:lstStyle/>
           <a:p>
-            <a:pPr marL="0" indent="0">
+            <a:pPr marL="0" indent="0" algn="ctr">
               <a:buNone/>
             </a:pPr>
             <a:r>
-              <a:rPr kumimoji="1" lang="en-US" altLang="ja-JP" sz="3200" dirty="0" smtClean="0"/>
-              <a:t>		</a:t>
-            </a:r>
-            <a:r>
-              <a:rPr kumimoji="1" lang="ja-JP" altLang="en-US" sz="3200" dirty="0" smtClean="0"/>
-              <a:t>　入力</a:t>
-            </a:r>
-            <a:r>
-              <a:rPr kumimoji="1" lang="en-US" altLang="ja-JP" sz="3200" dirty="0" smtClean="0"/>
-              <a:t>					</a:t>
-            </a:r>
-            <a:r>
-              <a:rPr kumimoji="1" lang="ja-JP" altLang="en-US" sz="3200" dirty="0" smtClean="0"/>
-              <a:t>　　　出力</a:t>
-            </a:r>
-            <a:endParaRPr kumimoji="1" lang="en-US" altLang="ja-JP" sz="3200" dirty="0" smtClean="0"/>
-          </a:p>
-          <a:p>
-            <a:pPr marL="0" indent="0">
+              <a:rPr kumimoji="1" lang="ja-JP" altLang="en-US" sz="3200" dirty="0"/>
+              <a:t>入力</a:t>
+            </a:r>
+            <a:endParaRPr kumimoji="1" lang="en-US" altLang="ja-JP" sz="3200" dirty="0"/>
+          </a:p>
+          <a:p>
+            <a:pPr marL="0" indent="0" algn="just">
               <a:buNone/>
             </a:pPr>
-            <a:r>
-              <a:rPr lang="en-US" altLang="ja-JP" sz="3200" dirty="0"/>
-              <a:t>	</a:t>
-            </a:r>
-            <a:r>
-              <a:rPr lang="en-US" altLang="ja-JP" sz="3200" dirty="0" smtClean="0"/>
-              <a:t>	</a:t>
-            </a:r>
-          </a:p>
-          <a:p>
-            <a:pPr marL="0" indent="0">
+            <a:endParaRPr lang="en-US" altLang="ja-JP" sz="2400" dirty="0"/>
+          </a:p>
+          <a:p>
+            <a:pPr marL="0" indent="0" algn="just">
               <a:buNone/>
             </a:pPr>
             <a:r>
-              <a:rPr lang="en-US" altLang="ja-JP" sz="3200" dirty="0" smtClean="0"/>
-              <a:t>	</a:t>
-            </a:r>
-            <a:r>
-              <a:rPr lang="en-US" altLang="ja-JP" sz="2400" dirty="0" smtClean="0"/>
-              <a:t>0000 0000 0000 0100 (4)</a:t>
-            </a:r>
-            <a:r>
               <a:rPr lang="en-US" altLang="ja-JP" sz="2400" dirty="0"/>
-              <a:t>	</a:t>
-            </a:r>
-            <a:r>
-              <a:rPr lang="ja-JP" altLang="en-US" sz="2400" dirty="0" smtClean="0"/>
-              <a:t>⇒</a:t>
-            </a:r>
-            <a:r>
-              <a:rPr lang="en-US" altLang="ja-JP" sz="2400" dirty="0" smtClean="0"/>
-              <a:t>	0000 0010 0000 0000 (2)</a:t>
-            </a:r>
-          </a:p>
-          <a:p>
-            <a:pPr marL="0" indent="0">
+              <a:t>0000 0000 0000 0100  (4)</a:t>
+            </a:r>
+          </a:p>
+          <a:p>
+            <a:pPr marL="0" indent="0" algn="just">
               <a:buNone/>
             </a:pPr>
-            <a:endParaRPr lang="en-US" altLang="ja-JP" sz="2400" dirty="0" smtClean="0"/>
-          </a:p>
-          <a:p>
-            <a:pPr marL="0" indent="0">
+            <a:r>
+              <a:rPr kumimoji="1" lang="en-US" altLang="ja-JP" sz="2400" dirty="0"/>
+              <a:t>00</a:t>
+            </a:r>
+            <a:r>
+              <a:rPr lang="en-US" altLang="ja-JP" sz="2400" dirty="0"/>
+              <a:t>10 0111 0001 0000  (10000)</a:t>
+            </a:r>
+          </a:p>
+          <a:p>
+            <a:pPr marL="0" indent="0" algn="just">
               <a:buNone/>
             </a:pPr>
             <a:r>
-              <a:rPr lang="en-US" altLang="ja-JP" sz="2400" dirty="0" smtClean="0"/>
-              <a:t>    </a:t>
-            </a:r>
-            <a:r>
-              <a:rPr kumimoji="1" lang="en-US" altLang="ja-JP" sz="2400" dirty="0" smtClean="0"/>
-              <a:t>00</a:t>
-            </a:r>
-            <a:r>
-              <a:rPr lang="en-US" altLang="ja-JP" sz="2400" dirty="0" smtClean="0"/>
-              <a:t>10 0111 0001 0000 (10000)	</a:t>
-            </a:r>
-            <a:r>
-              <a:rPr lang="ja-JP" altLang="en-US" sz="2400" dirty="0" smtClean="0"/>
-              <a:t>⇒</a:t>
-            </a:r>
-            <a:r>
-              <a:rPr lang="en-US" altLang="ja-JP" sz="2400" dirty="0" smtClean="0"/>
-              <a:t>	0110 0100 0000 0000 (100)</a:t>
-            </a:r>
-          </a:p>
-          <a:p>
-            <a:pPr marL="0" indent="0">
+              <a:rPr lang="en-US" altLang="ja-JP" sz="2400" dirty="0"/>
+              <a:t>0000 0011 1110 1000  (1000)</a:t>
+            </a:r>
+          </a:p>
+        </p:txBody>
+      </p:sp>
+      <p:sp>
+        <p:nvSpPr>
+          <p:cNvPr id="4" name="コンテンツ プレースホルダー 2">
+            <a:extLst>
+              <a:ext uri="{FF2B5EF4-FFF2-40B4-BE49-F238E27FC236}">
+                <a16:creationId xmlns:a16="http://schemas.microsoft.com/office/drawing/2014/main" id="{47062C87-3AD7-431B-BC1D-B7B578A1564B}"/>
+              </a:ext>
+            </a:extLst>
+          </p:cNvPr>
+          <p:cNvSpPr txBox="1">
+            <a:spLocks/>
+          </p:cNvSpPr>
+          <p:nvPr/>
+        </p:nvSpPr>
+        <p:spPr>
+          <a:xfrm>
+            <a:off x="4975668" y="2168287"/>
+            <a:ext cx="5960962" cy="3327117"/>
+          </a:xfrm>
+          <a:prstGeom prst="rect">
+            <a:avLst/>
+          </a:prstGeom>
+        </p:spPr>
+        <p:txBody>
+          <a:bodyPr vert="horz" lIns="91440" tIns="45720" rIns="91440" bIns="45720" rtlCol="0">
+            <a:normAutofit/>
+          </a:bodyPr>
+          <a:lstStyle>
+            <a:lvl1pPr marL="342900" indent="-342900" algn="l" defTabSz="457200" rtl="0" eaLnBrk="1" latinLnBrk="0" hangingPunct="1">
+              <a:spcBef>
+                <a:spcPts val="1000"/>
+              </a:spcBef>
+              <a:spcAft>
+                <a:spcPts val="0"/>
+              </a:spcAft>
+              <a:buClr>
+                <a:schemeClr val="accent1"/>
+              </a:buClr>
+              <a:buSzPct val="80000"/>
+              <a:buFont typeface="Wingdings 3" charset="2"/>
+              <a:buChar char=""/>
+              <a:defRPr kumimoji="1" sz="1800" kern="1200">
+                <a:solidFill>
+                  <a:schemeClr val="tx1">
+                    <a:lumMod val="75000"/>
+                    <a:lumOff val="25000"/>
+                  </a:schemeClr>
+                </a:solidFill>
+                <a:latin typeface="+mn-lt"/>
+                <a:ea typeface="+mn-ea"/>
+                <a:cs typeface="+mn-cs"/>
+              </a:defRPr>
+            </a:lvl1pPr>
+            <a:lvl2pPr marL="742950" indent="-285750" algn="l" defTabSz="457200" rtl="0" eaLnBrk="1" latinLnBrk="0" hangingPunct="1">
+              <a:spcBef>
+                <a:spcPts val="1000"/>
+              </a:spcBef>
+              <a:spcAft>
+                <a:spcPts val="0"/>
+              </a:spcAft>
+              <a:buClr>
+                <a:schemeClr val="accent1"/>
+              </a:buClr>
+              <a:buSzPct val="80000"/>
+              <a:buFont typeface="Wingdings 3" charset="2"/>
+              <a:buChar char=""/>
+              <a:defRPr kumimoji="1" sz="1600" kern="1200">
+                <a:solidFill>
+                  <a:schemeClr val="tx1">
+                    <a:lumMod val="75000"/>
+                    <a:lumOff val="25000"/>
+                  </a:schemeClr>
+                </a:solidFill>
+                <a:latin typeface="+mn-lt"/>
+                <a:ea typeface="+mn-ea"/>
+                <a:cs typeface="+mn-cs"/>
+              </a:defRPr>
+            </a:lvl2pPr>
+            <a:lvl3pPr marL="1143000" indent="-228600" algn="l" defTabSz="457200" rtl="0" eaLnBrk="1" latinLnBrk="0" hangingPunct="1">
+              <a:spcBef>
+                <a:spcPts val="1000"/>
+              </a:spcBef>
+              <a:spcAft>
+                <a:spcPts val="0"/>
+              </a:spcAft>
+              <a:buClr>
+                <a:schemeClr val="accent1"/>
+              </a:buClr>
+              <a:buSzPct val="80000"/>
+              <a:buFont typeface="Wingdings 3" charset="2"/>
+              <a:buChar char=""/>
+              <a:defRPr kumimoji="1" sz="1400" kern="1200">
+                <a:solidFill>
+                  <a:schemeClr val="tx1">
+                    <a:lumMod val="75000"/>
+                    <a:lumOff val="25000"/>
+                  </a:schemeClr>
+                </a:solidFill>
+                <a:latin typeface="+mn-lt"/>
+                <a:ea typeface="+mn-ea"/>
+                <a:cs typeface="+mn-cs"/>
+              </a:defRPr>
+            </a:lvl3pPr>
+            <a:lvl4pPr marL="1600200" indent="-228600" algn="l" defTabSz="457200" rtl="0" eaLnBrk="1" latinLnBrk="0" hangingPunct="1">
+              <a:spcBef>
+                <a:spcPts val="1000"/>
+              </a:spcBef>
+              <a:spcAft>
+                <a:spcPts val="0"/>
+              </a:spcAft>
+              <a:buClr>
+                <a:schemeClr val="accent1"/>
+              </a:buClr>
+              <a:buSzPct val="80000"/>
+              <a:buFont typeface="Wingdings 3" charset="2"/>
+              <a:buChar char=""/>
+              <a:defRPr kumimoji="1" sz="1200" kern="1200">
+                <a:solidFill>
+                  <a:schemeClr val="tx1">
+                    <a:lumMod val="75000"/>
+                    <a:lumOff val="25000"/>
+                  </a:schemeClr>
+                </a:solidFill>
+                <a:latin typeface="+mn-lt"/>
+                <a:ea typeface="+mn-ea"/>
+                <a:cs typeface="+mn-cs"/>
+              </a:defRPr>
+            </a:lvl4pPr>
+            <a:lvl5pPr marL="2057400" indent="-228600" algn="l" defTabSz="457200" rtl="0" eaLnBrk="1" latinLnBrk="0" hangingPunct="1">
+              <a:spcBef>
+                <a:spcPts val="1000"/>
+              </a:spcBef>
+              <a:spcAft>
+                <a:spcPts val="0"/>
+              </a:spcAft>
+              <a:buClr>
+                <a:schemeClr val="accent1"/>
+              </a:buClr>
+              <a:buSzPct val="80000"/>
+              <a:buFont typeface="Wingdings 3" charset="2"/>
+              <a:buChar char=""/>
+              <a:defRPr kumimoji="1" sz="1200" kern="1200">
+                <a:solidFill>
+                  <a:schemeClr val="tx1">
+                    <a:lumMod val="75000"/>
+                    <a:lumOff val="25000"/>
+                  </a:schemeClr>
+                </a:solidFill>
+                <a:latin typeface="+mn-lt"/>
+                <a:ea typeface="+mn-ea"/>
+                <a:cs typeface="+mn-cs"/>
+              </a:defRPr>
+            </a:lvl5pPr>
+            <a:lvl6pPr marL="2514600" indent="-228600" algn="l" defTabSz="457200" rtl="0" eaLnBrk="1" latinLnBrk="0" hangingPunct="1">
+              <a:spcBef>
+                <a:spcPts val="1000"/>
+              </a:spcBef>
+              <a:spcAft>
+                <a:spcPts val="0"/>
+              </a:spcAft>
+              <a:buClr>
+                <a:schemeClr val="accent1"/>
+              </a:buClr>
+              <a:buSzPct val="80000"/>
+              <a:buFont typeface="Wingdings 3" charset="2"/>
+              <a:buChar char=""/>
+              <a:defRPr kumimoji="1" sz="1200" kern="1200">
+                <a:solidFill>
+                  <a:schemeClr val="tx1">
+                    <a:lumMod val="75000"/>
+                    <a:lumOff val="25000"/>
+                  </a:schemeClr>
+                </a:solidFill>
+                <a:latin typeface="+mn-lt"/>
+                <a:ea typeface="+mn-ea"/>
+                <a:cs typeface="+mn-cs"/>
+              </a:defRPr>
+            </a:lvl6pPr>
+            <a:lvl7pPr marL="2971800" indent="-228600" algn="l" defTabSz="457200" rtl="0" eaLnBrk="1" latinLnBrk="0" hangingPunct="1">
+              <a:spcBef>
+                <a:spcPts val="1000"/>
+              </a:spcBef>
+              <a:spcAft>
+                <a:spcPts val="0"/>
+              </a:spcAft>
+              <a:buClr>
+                <a:schemeClr val="accent1"/>
+              </a:buClr>
+              <a:buSzPct val="80000"/>
+              <a:buFont typeface="Wingdings 3" charset="2"/>
+              <a:buChar char=""/>
+              <a:defRPr kumimoji="1" sz="1200" kern="1200">
+                <a:solidFill>
+                  <a:schemeClr val="tx1">
+                    <a:lumMod val="75000"/>
+                    <a:lumOff val="25000"/>
+                  </a:schemeClr>
+                </a:solidFill>
+                <a:latin typeface="+mn-lt"/>
+                <a:ea typeface="+mn-ea"/>
+                <a:cs typeface="+mn-cs"/>
+              </a:defRPr>
+            </a:lvl7pPr>
+            <a:lvl8pPr marL="3429000" indent="-228600" algn="l" defTabSz="457200" rtl="0" eaLnBrk="1" latinLnBrk="0" hangingPunct="1">
+              <a:spcBef>
+                <a:spcPts val="1000"/>
+              </a:spcBef>
+              <a:spcAft>
+                <a:spcPts val="0"/>
+              </a:spcAft>
+              <a:buClr>
+                <a:schemeClr val="accent1"/>
+              </a:buClr>
+              <a:buSzPct val="80000"/>
+              <a:buFont typeface="Wingdings 3" charset="2"/>
+              <a:buChar char=""/>
+              <a:defRPr kumimoji="1" sz="1200" kern="1200">
+                <a:solidFill>
+                  <a:schemeClr val="tx1">
+                    <a:lumMod val="75000"/>
+                    <a:lumOff val="25000"/>
+                  </a:schemeClr>
+                </a:solidFill>
+                <a:latin typeface="+mn-lt"/>
+                <a:ea typeface="+mn-ea"/>
+                <a:cs typeface="+mn-cs"/>
+              </a:defRPr>
+            </a:lvl8pPr>
+            <a:lvl9pPr marL="3886200" indent="-228600" algn="l" defTabSz="457200" rtl="0" eaLnBrk="1" latinLnBrk="0" hangingPunct="1">
+              <a:spcBef>
+                <a:spcPts val="1000"/>
+              </a:spcBef>
+              <a:spcAft>
+                <a:spcPts val="0"/>
+              </a:spcAft>
+              <a:buClr>
+                <a:schemeClr val="accent1"/>
+              </a:buClr>
+              <a:buSzPct val="80000"/>
+              <a:buFont typeface="Wingdings 3" charset="2"/>
+              <a:buChar char=""/>
+              <a:defRPr kumimoji="1" sz="1200" kern="1200">
+                <a:solidFill>
+                  <a:schemeClr val="tx1">
+                    <a:lumMod val="75000"/>
+                    <a:lumOff val="25000"/>
+                  </a:schemeClr>
+                </a:solidFill>
+                <a:latin typeface="+mn-lt"/>
+                <a:ea typeface="+mn-ea"/>
+                <a:cs typeface="+mn-cs"/>
+              </a:defRPr>
+            </a:lvl9pPr>
+          </a:lstStyle>
+          <a:p>
+            <a:pPr marL="0" indent="0" algn="ctr">
+              <a:buFont typeface="Wingdings 3" charset="2"/>
               <a:buNone/>
             </a:pPr>
-            <a:endParaRPr lang="en-US" altLang="ja-JP" sz="2400" dirty="0" smtClean="0"/>
-          </a:p>
-          <a:p>
-            <a:pPr marL="0" indent="0">
+            <a:r>
+              <a:rPr lang="ja-JP" altLang="en-US" sz="3200" dirty="0"/>
+              <a:t>出力</a:t>
+            </a:r>
+            <a:endParaRPr lang="en-US" altLang="ja-JP" sz="3200" dirty="0"/>
+          </a:p>
+          <a:p>
+            <a:pPr marL="0" indent="0" algn="just">
+              <a:buFont typeface="Wingdings 3" charset="2"/>
               <a:buNone/>
             </a:pPr>
-            <a:r>
-              <a:rPr lang="en-US" altLang="ja-JP" sz="2400" dirty="0" smtClean="0"/>
-              <a:t>     0000 0011 1110 1000 (1000)	</a:t>
-            </a:r>
-            <a:r>
-              <a:rPr lang="ja-JP" altLang="en-US" sz="2400" dirty="0" smtClean="0"/>
-              <a:t>⇒</a:t>
-            </a:r>
-            <a:r>
-              <a:rPr lang="en-US" altLang="ja-JP" sz="2400" dirty="0" smtClean="0"/>
-              <a:t>	0001 1111 1001 1111 (31.622...)</a:t>
-            </a:r>
-          </a:p>
-          <a:p>
-            <a:pPr marL="0" indent="0">
+            <a:endParaRPr lang="en-US" altLang="ja-JP" sz="2400" dirty="0"/>
+          </a:p>
+          <a:p>
+            <a:pPr marL="0" indent="0" algn="just">
+              <a:buFont typeface="Wingdings 3" charset="2"/>
               <a:buNone/>
             </a:pPr>
             <a:r>
-              <a:rPr kumimoji="1" lang="en-US" altLang="ja-JP" sz="2400" dirty="0" smtClean="0"/>
-              <a:t>	</a:t>
-            </a:r>
-            <a:endParaRPr kumimoji="1" lang="ja-JP" altLang="en-US" sz="2400" dirty="0"/>
+              <a:rPr lang="ja-JP" altLang="en-US" sz="2400" dirty="0"/>
+              <a:t>⇒     </a:t>
+            </a:r>
+            <a:r>
+              <a:rPr lang="en-US" altLang="ja-JP" sz="2400" dirty="0"/>
+              <a:t>0000 0010 0000 0000  (2)</a:t>
+            </a:r>
+          </a:p>
+          <a:p>
+            <a:pPr marL="0" indent="0" algn="just">
+              <a:buNone/>
+            </a:pPr>
+            <a:r>
+              <a:rPr lang="ja-JP" altLang="en-US" sz="2400" dirty="0"/>
+              <a:t>⇒     </a:t>
+            </a:r>
+            <a:r>
+              <a:rPr lang="en-US" altLang="ja-JP" sz="2400" dirty="0"/>
+              <a:t>0110 0100 0000 0000  (100)</a:t>
+            </a:r>
+          </a:p>
+          <a:p>
+            <a:pPr marL="0" indent="0" algn="just">
+              <a:buNone/>
+            </a:pPr>
+            <a:r>
+              <a:rPr lang="ja-JP" altLang="en-US" sz="2400" dirty="0"/>
+              <a:t>⇒     </a:t>
+            </a:r>
+            <a:r>
+              <a:rPr lang="en-US" altLang="ja-JP" sz="2400" dirty="0"/>
+              <a:t>0001 1111 1001 1111  (31.622...)</a:t>
+            </a:r>
           </a:p>
         </p:txBody>
       </p:sp>
@@ -6904,13 +7142,6 @@
   <p:clrMapOvr>
     <a:masterClrMapping/>
   </p:clrMapOvr>
-  <p:timing>
-    <p:tnLst>
-      <p:par>
-        <p:cTn id="1" dur="indefinite" restart="never" nodeType="tmRoot"/>
-      </p:par>
-    </p:tnLst>
-  </p:timing>
 </p:sld>
 </file>
 
@@ -6931,25 +7162,6 @@
           <a:chExt cx="0" cy="0"/>
         </a:xfrm>
       </p:grpSpPr>
-      <p:sp>
-        <p:nvSpPr>
-          <p:cNvPr id="2" name="タイトル 1"/>
-          <p:cNvSpPr>
-            <a:spLocks noGrp="1"/>
-          </p:cNvSpPr>
-          <p:nvPr>
-            <p:ph type="title"/>
-          </p:nvPr>
-        </p:nvSpPr>
-        <p:spPr/>
-        <p:txBody>
-          <a:bodyPr/>
-          <a:lstStyle/>
-          <a:p>
-            <a:endParaRPr kumimoji="1" lang="ja-JP" altLang="en-US"/>
-          </a:p>
-        </p:txBody>
-      </p:sp>
       <p:pic>
         <p:nvPicPr>
           <p:cNvPr id="4" name="コンテンツ プレースホルダー 3"/>
@@ -6974,8 +7186,8 @@
         </p:blipFill>
         <p:spPr>
           <a:xfrm>
-            <a:off x="0" y="0"/>
-            <a:ext cx="12192000" cy="6858000"/>
+            <a:off x="893150" y="0"/>
+            <a:ext cx="10570500" cy="6858000"/>
           </a:xfrm>
         </p:spPr>
       </p:pic>
@@ -7023,22 +7235,14 @@
           <a:p>
             <a:pPr algn="ctr"/>
             <a:r>
-              <a:rPr kumimoji="1" lang="ja-JP" altLang="en-US" dirty="0" smtClean="0">
+              <a:rPr kumimoji="1" lang="ja-JP" altLang="en-US" dirty="0">
                 <a:solidFill>
                   <a:schemeClr val="tx1"/>
                 </a:solidFill>
               </a:rPr>
-              <a:t>作成した</a:t>
-            </a:r>
-            <a:r>
-              <a:rPr kumimoji="1" lang="ja-JP" altLang="en-US" dirty="0" smtClean="0">
-                <a:solidFill>
-                  <a:schemeClr val="tx1"/>
-                </a:solidFill>
-              </a:rPr>
-              <a:t>模式図</a:t>
-            </a:r>
-            <a:endParaRPr kumimoji="1" lang="en-US" altLang="ja-JP" dirty="0" smtClean="0">
+              <a:t>作成した模式図</a:t>
+            </a:r>
+            <a:endParaRPr kumimoji="1" lang="en-US" altLang="ja-JP" dirty="0">
               <a:solidFill>
                 <a:schemeClr val="tx1"/>
               </a:solidFill>
@@ -7052,17 +7256,9 @@
                   <a:schemeClr val="tx1"/>
                 </a:solidFill>
               </a:rPr>
-              <a:t>作成</a:t>
-            </a:r>
-            <a:r>
-              <a:rPr lang="ja-JP" altLang="en-US" dirty="0" smtClean="0">
-                <a:solidFill>
-                  <a:schemeClr val="tx1"/>
-                </a:solidFill>
-              </a:rPr>
-              <a:t>するコンポーネント</a:t>
-            </a:r>
-            <a:endParaRPr kumimoji="1" lang="en-US" altLang="ja-JP" dirty="0" smtClean="0">
+              <a:t>作成するコンポーネント</a:t>
+            </a:r>
+            <a:endParaRPr kumimoji="1" lang="en-US" altLang="ja-JP" dirty="0">
               <a:solidFill>
                 <a:schemeClr val="tx1"/>
               </a:solidFill>
@@ -7071,22 +7267,14 @@
           <a:p>
             <a:pPr algn="ctr"/>
             <a:r>
-              <a:rPr lang="ja-JP" altLang="en-US" dirty="0" smtClean="0">
+              <a:rPr lang="ja-JP" altLang="en-US" dirty="0">
                 <a:solidFill>
                   <a:schemeClr val="tx1"/>
                 </a:solidFill>
               </a:rPr>
-              <a:t>信号線・入出力の関係を</a:t>
-            </a:r>
-            <a:r>
-              <a:rPr lang="ja-JP" altLang="en-US" dirty="0" smtClean="0">
-                <a:solidFill>
-                  <a:schemeClr val="tx1"/>
-                </a:solidFill>
-              </a:rPr>
-              <a:t>表記</a:t>
-            </a:r>
-            <a:endParaRPr lang="en-US" altLang="ja-JP" dirty="0" smtClean="0">
+              <a:t>信号線・入出力の関係を表記</a:t>
+            </a:r>
+            <a:endParaRPr lang="en-US" altLang="ja-JP" dirty="0">
               <a:solidFill>
                 <a:schemeClr val="tx1"/>
               </a:solidFill>
@@ -7222,8 +7410,8 @@
         </p:nvSpPr>
         <p:spPr>
           <a:xfrm>
-            <a:off x="474128" y="546100"/>
-            <a:ext cx="10295472" cy="6858000"/>
+            <a:off x="312082" y="1205858"/>
+            <a:ext cx="4456688" cy="3609211"/>
           </a:xfrm>
         </p:spPr>
         <p:txBody>
@@ -7237,22 +7425,18 @@
             </a:pPr>
             <a:r>
               <a:rPr lang="ja-JP" altLang="en-US" sz="4000" dirty="0"/>
-              <a:t>◎命令の</a:t>
-            </a:r>
-            <a:r>
-              <a:rPr lang="ja-JP" altLang="en-US" sz="4000" dirty="0" smtClean="0"/>
-              <a:t>仕様</a:t>
-            </a:r>
-            <a:r>
-              <a:rPr lang="en-US" altLang="ja-JP" sz="1600" dirty="0" smtClean="0"/>
+              <a:t>◎命令の仕様</a:t>
+            </a:r>
+            <a:r>
+              <a:rPr lang="en-US" altLang="ja-JP" sz="1600" dirty="0"/>
               <a:t>(</a:t>
             </a:r>
             <a:r>
-              <a:rPr lang="ja-JP" altLang="en-US" sz="2000" dirty="0" smtClean="0"/>
+              <a:rPr lang="ja-JP" altLang="en-US" sz="2000" dirty="0"/>
               <a:t>一部</a:t>
             </a:r>
             <a:r>
-              <a:rPr lang="en-US" altLang="ja-JP" sz="1600" dirty="0" smtClean="0"/>
+              <a:rPr lang="en-US" altLang="ja-JP" sz="1600" dirty="0"/>
               <a:t>)</a:t>
             </a:r>
             <a:endParaRPr lang="ja-JP" altLang="en-US" sz="4000" dirty="0"/>
@@ -7266,18 +7450,7 @@
               <a:rPr lang="en-US" altLang="ja-JP" sz="2000" dirty="0"/>
               <a:t>HALT</a:t>
             </a:r>
-            <a:r>
-              <a:rPr lang="ja-JP" altLang="en-US" sz="2000" dirty="0"/>
-              <a:t>：</a:t>
-            </a:r>
-            <a:r>
-              <a:rPr lang="en-US" altLang="ja-JP" sz="2000" dirty="0"/>
-              <a:t>0000 </a:t>
-            </a:r>
-            <a:r>
-              <a:rPr lang="ja-JP" altLang="en-US" sz="2000" dirty="0"/>
-              <a:t>（なし）  　　　　  　　　終了</a:t>
-            </a:r>
+            <a:endParaRPr lang="ja-JP" altLang="en-US" sz="2000" dirty="0"/>
           </a:p>
           <a:p>
             <a:r>
@@ -7286,35 +7459,410 @@
             </a:r>
             <a:r>
               <a:rPr lang="en-US" altLang="ja-JP" sz="2000" dirty="0"/>
-              <a:t>LD① </a:t>
-            </a:r>
+              <a:t>LD①</a:t>
+            </a:r>
+          </a:p>
+          <a:p>
             <a:r>
               <a:rPr lang="ja-JP" altLang="en-US" sz="2000" dirty="0"/>
-              <a:t>：</a:t>
+              <a:t>　</a:t>
             </a:r>
             <a:r>
               <a:rPr lang="en-US" altLang="ja-JP" sz="2000" dirty="0"/>
-              <a:t>0001 </a:t>
-            </a:r>
+              <a:t>LD②</a:t>
+            </a:r>
+            <a:endParaRPr lang="ja-JP" altLang="en-US" sz="2000" dirty="0"/>
+          </a:p>
+          <a:p>
+            <a:r>
+              <a:rPr lang="ja-JP" altLang="en-US" sz="2000" dirty="0"/>
+              <a:t>　</a:t>
+            </a:r>
+            <a:r>
+              <a:rPr lang="en-US" altLang="ja-JP" sz="2000" dirty="0"/>
+              <a:t>LAD</a:t>
+            </a:r>
+            <a:endParaRPr lang="ja-JP" altLang="en-US" sz="2000" dirty="0"/>
+          </a:p>
+          <a:p>
+            <a:r>
+              <a:rPr lang="ja-JP" altLang="en-US" sz="2000" dirty="0"/>
+              <a:t>　</a:t>
+            </a:r>
+            <a:r>
+              <a:rPr lang="en-US" altLang="ja-JP" sz="2000" dirty="0"/>
+              <a:t>STR </a:t>
+            </a:r>
+          </a:p>
+          <a:p>
+            <a:r>
+              <a:rPr lang="ja-JP" altLang="en-US" sz="2000" dirty="0"/>
+              <a:t>　</a:t>
+            </a:r>
+            <a:r>
+              <a:rPr lang="en-US" altLang="ja-JP" sz="2000" dirty="0"/>
+              <a:t>ADD</a:t>
+            </a:r>
+            <a:endParaRPr lang="ja-JP" altLang="en-US" sz="2000" dirty="0"/>
+          </a:p>
+        </p:txBody>
+      </p:sp>
+      <p:sp>
+        <p:nvSpPr>
+          <p:cNvPr id="4" name="コンテンツ プレースホルダー 2">
+            <a:extLst>
+              <a:ext uri="{FF2B5EF4-FFF2-40B4-BE49-F238E27FC236}">
+                <a16:creationId xmlns:a16="http://schemas.microsoft.com/office/drawing/2014/main" id="{7F583B9D-C64D-4404-99FF-AF1B0F62D4D4}"/>
+              </a:ext>
+            </a:extLst>
+          </p:cNvPr>
+          <p:cNvSpPr txBox="1">
+            <a:spLocks/>
+          </p:cNvSpPr>
+          <p:nvPr/>
+        </p:nvSpPr>
+        <p:spPr>
+          <a:xfrm>
+            <a:off x="4957389" y="1932974"/>
+            <a:ext cx="7369649" cy="3229335"/>
+          </a:xfrm>
+          <a:prstGeom prst="rect">
+            <a:avLst/>
+          </a:prstGeom>
+        </p:spPr>
+        <p:txBody>
+          <a:bodyPr vert="horz" lIns="91440" tIns="45720" rIns="91440" bIns="45720" rtlCol="0">
+            <a:normAutofit/>
+          </a:bodyPr>
+          <a:lstStyle>
+            <a:lvl1pPr marL="342900" indent="-342900" algn="l" defTabSz="457200" rtl="0" eaLnBrk="1" latinLnBrk="0" hangingPunct="1">
+              <a:spcBef>
+                <a:spcPts val="1000"/>
+              </a:spcBef>
+              <a:spcAft>
+                <a:spcPts val="0"/>
+              </a:spcAft>
+              <a:buClr>
+                <a:schemeClr val="accent1"/>
+              </a:buClr>
+              <a:buSzPct val="80000"/>
+              <a:buFont typeface="Wingdings 3" charset="2"/>
+              <a:buChar char=""/>
+              <a:defRPr kumimoji="1" sz="1800" kern="1200">
+                <a:solidFill>
+                  <a:schemeClr val="tx1">
+                    <a:lumMod val="75000"/>
+                    <a:lumOff val="25000"/>
+                  </a:schemeClr>
+                </a:solidFill>
+                <a:latin typeface="+mn-lt"/>
+                <a:ea typeface="+mn-ea"/>
+                <a:cs typeface="+mn-cs"/>
+              </a:defRPr>
+            </a:lvl1pPr>
+            <a:lvl2pPr marL="742950" indent="-285750" algn="l" defTabSz="457200" rtl="0" eaLnBrk="1" latinLnBrk="0" hangingPunct="1">
+              <a:spcBef>
+                <a:spcPts val="1000"/>
+              </a:spcBef>
+              <a:spcAft>
+                <a:spcPts val="0"/>
+              </a:spcAft>
+              <a:buClr>
+                <a:schemeClr val="accent1"/>
+              </a:buClr>
+              <a:buSzPct val="80000"/>
+              <a:buFont typeface="Wingdings 3" charset="2"/>
+              <a:buChar char=""/>
+              <a:defRPr kumimoji="1" sz="1600" kern="1200">
+                <a:solidFill>
+                  <a:schemeClr val="tx1">
+                    <a:lumMod val="75000"/>
+                    <a:lumOff val="25000"/>
+                  </a:schemeClr>
+                </a:solidFill>
+                <a:latin typeface="+mn-lt"/>
+                <a:ea typeface="+mn-ea"/>
+                <a:cs typeface="+mn-cs"/>
+              </a:defRPr>
+            </a:lvl2pPr>
+            <a:lvl3pPr marL="1143000" indent="-228600" algn="l" defTabSz="457200" rtl="0" eaLnBrk="1" latinLnBrk="0" hangingPunct="1">
+              <a:spcBef>
+                <a:spcPts val="1000"/>
+              </a:spcBef>
+              <a:spcAft>
+                <a:spcPts val="0"/>
+              </a:spcAft>
+              <a:buClr>
+                <a:schemeClr val="accent1"/>
+              </a:buClr>
+              <a:buSzPct val="80000"/>
+              <a:buFont typeface="Wingdings 3" charset="2"/>
+              <a:buChar char=""/>
+              <a:defRPr kumimoji="1" sz="1400" kern="1200">
+                <a:solidFill>
+                  <a:schemeClr val="tx1">
+                    <a:lumMod val="75000"/>
+                    <a:lumOff val="25000"/>
+                  </a:schemeClr>
+                </a:solidFill>
+                <a:latin typeface="+mn-lt"/>
+                <a:ea typeface="+mn-ea"/>
+                <a:cs typeface="+mn-cs"/>
+              </a:defRPr>
+            </a:lvl3pPr>
+            <a:lvl4pPr marL="1600200" indent="-228600" algn="l" defTabSz="457200" rtl="0" eaLnBrk="1" latinLnBrk="0" hangingPunct="1">
+              <a:spcBef>
+                <a:spcPts val="1000"/>
+              </a:spcBef>
+              <a:spcAft>
+                <a:spcPts val="0"/>
+              </a:spcAft>
+              <a:buClr>
+                <a:schemeClr val="accent1"/>
+              </a:buClr>
+              <a:buSzPct val="80000"/>
+              <a:buFont typeface="Wingdings 3" charset="2"/>
+              <a:buChar char=""/>
+              <a:defRPr kumimoji="1" sz="1200" kern="1200">
+                <a:solidFill>
+                  <a:schemeClr val="tx1">
+                    <a:lumMod val="75000"/>
+                    <a:lumOff val="25000"/>
+                  </a:schemeClr>
+                </a:solidFill>
+                <a:latin typeface="+mn-lt"/>
+                <a:ea typeface="+mn-ea"/>
+                <a:cs typeface="+mn-cs"/>
+              </a:defRPr>
+            </a:lvl4pPr>
+            <a:lvl5pPr marL="2057400" indent="-228600" algn="l" defTabSz="457200" rtl="0" eaLnBrk="1" latinLnBrk="0" hangingPunct="1">
+              <a:spcBef>
+                <a:spcPts val="1000"/>
+              </a:spcBef>
+              <a:spcAft>
+                <a:spcPts val="0"/>
+              </a:spcAft>
+              <a:buClr>
+                <a:schemeClr val="accent1"/>
+              </a:buClr>
+              <a:buSzPct val="80000"/>
+              <a:buFont typeface="Wingdings 3" charset="2"/>
+              <a:buChar char=""/>
+              <a:defRPr kumimoji="1" sz="1200" kern="1200">
+                <a:solidFill>
+                  <a:schemeClr val="tx1">
+                    <a:lumMod val="75000"/>
+                    <a:lumOff val="25000"/>
+                  </a:schemeClr>
+                </a:solidFill>
+                <a:latin typeface="+mn-lt"/>
+                <a:ea typeface="+mn-ea"/>
+                <a:cs typeface="+mn-cs"/>
+              </a:defRPr>
+            </a:lvl5pPr>
+            <a:lvl6pPr marL="2514600" indent="-228600" algn="l" defTabSz="457200" rtl="0" eaLnBrk="1" latinLnBrk="0" hangingPunct="1">
+              <a:spcBef>
+                <a:spcPts val="1000"/>
+              </a:spcBef>
+              <a:spcAft>
+                <a:spcPts val="0"/>
+              </a:spcAft>
+              <a:buClr>
+                <a:schemeClr val="accent1"/>
+              </a:buClr>
+              <a:buSzPct val="80000"/>
+              <a:buFont typeface="Wingdings 3" charset="2"/>
+              <a:buChar char=""/>
+              <a:defRPr kumimoji="1" sz="1200" kern="1200">
+                <a:solidFill>
+                  <a:schemeClr val="tx1">
+                    <a:lumMod val="75000"/>
+                    <a:lumOff val="25000"/>
+                  </a:schemeClr>
+                </a:solidFill>
+                <a:latin typeface="+mn-lt"/>
+                <a:ea typeface="+mn-ea"/>
+                <a:cs typeface="+mn-cs"/>
+              </a:defRPr>
+            </a:lvl6pPr>
+            <a:lvl7pPr marL="2971800" indent="-228600" algn="l" defTabSz="457200" rtl="0" eaLnBrk="1" latinLnBrk="0" hangingPunct="1">
+              <a:spcBef>
+                <a:spcPts val="1000"/>
+              </a:spcBef>
+              <a:spcAft>
+                <a:spcPts val="0"/>
+              </a:spcAft>
+              <a:buClr>
+                <a:schemeClr val="accent1"/>
+              </a:buClr>
+              <a:buSzPct val="80000"/>
+              <a:buFont typeface="Wingdings 3" charset="2"/>
+              <a:buChar char=""/>
+              <a:defRPr kumimoji="1" sz="1200" kern="1200">
+                <a:solidFill>
+                  <a:schemeClr val="tx1">
+                    <a:lumMod val="75000"/>
+                    <a:lumOff val="25000"/>
+                  </a:schemeClr>
+                </a:solidFill>
+                <a:latin typeface="+mn-lt"/>
+                <a:ea typeface="+mn-ea"/>
+                <a:cs typeface="+mn-cs"/>
+              </a:defRPr>
+            </a:lvl7pPr>
+            <a:lvl8pPr marL="3429000" indent="-228600" algn="l" defTabSz="457200" rtl="0" eaLnBrk="1" latinLnBrk="0" hangingPunct="1">
+              <a:spcBef>
+                <a:spcPts val="1000"/>
+              </a:spcBef>
+              <a:spcAft>
+                <a:spcPts val="0"/>
+              </a:spcAft>
+              <a:buClr>
+                <a:schemeClr val="accent1"/>
+              </a:buClr>
+              <a:buSzPct val="80000"/>
+              <a:buFont typeface="Wingdings 3" charset="2"/>
+              <a:buChar char=""/>
+              <a:defRPr kumimoji="1" sz="1200" kern="1200">
+                <a:solidFill>
+                  <a:schemeClr val="tx1">
+                    <a:lumMod val="75000"/>
+                    <a:lumOff val="25000"/>
+                  </a:schemeClr>
+                </a:solidFill>
+                <a:latin typeface="+mn-lt"/>
+                <a:ea typeface="+mn-ea"/>
+                <a:cs typeface="+mn-cs"/>
+              </a:defRPr>
+            </a:lvl8pPr>
+            <a:lvl9pPr marL="3886200" indent="-228600" algn="l" defTabSz="457200" rtl="0" eaLnBrk="1" latinLnBrk="0" hangingPunct="1">
+              <a:spcBef>
+                <a:spcPts val="1000"/>
+              </a:spcBef>
+              <a:spcAft>
+                <a:spcPts val="0"/>
+              </a:spcAft>
+              <a:buClr>
+                <a:schemeClr val="accent1"/>
+              </a:buClr>
+              <a:buSzPct val="80000"/>
+              <a:buFont typeface="Wingdings 3" charset="2"/>
+              <a:buChar char=""/>
+              <a:defRPr kumimoji="1" sz="1200" kern="1200">
+                <a:solidFill>
+                  <a:schemeClr val="tx1">
+                    <a:lumMod val="75000"/>
+                    <a:lumOff val="25000"/>
+                  </a:schemeClr>
+                </a:solidFill>
+                <a:latin typeface="+mn-lt"/>
+                <a:ea typeface="+mn-ea"/>
+                <a:cs typeface="+mn-cs"/>
+              </a:defRPr>
+            </a:lvl9pPr>
+          </a:lstStyle>
+          <a:p>
+            <a:pPr marL="0" indent="0">
+              <a:buFont typeface="Wingdings 3" charset="2"/>
+              <a:buNone/>
+            </a:pPr>
+            <a:r>
+              <a:rPr lang="ja-JP" altLang="en-US" sz="2000" dirty="0"/>
+              <a:t>終了</a:t>
+            </a:r>
+          </a:p>
+          <a:p>
+            <a:pPr marL="0" indent="0">
+              <a:buNone/>
+            </a:pPr>
             <a:r>
               <a:rPr lang="ja-JP" altLang="en-US" sz="2000" dirty="0"/>
               <a:t>レジスタ</a:t>
             </a:r>
             <a:r>
               <a:rPr lang="en-US" altLang="ja-JP" sz="2000" dirty="0"/>
-              <a:t>A </a:t>
-            </a:r>
+              <a:t>B</a:t>
+            </a:r>
+            <a:r>
+              <a:rPr lang="ja-JP" altLang="en-US" sz="2000" dirty="0"/>
+              <a:t>の内容をレジスタ</a:t>
+            </a:r>
+            <a:r>
+              <a:rPr lang="en-US" altLang="ja-JP" sz="2000" dirty="0"/>
+              <a:t>A</a:t>
+            </a:r>
+            <a:r>
+              <a:rPr lang="ja-JP" altLang="en-US" sz="2000" dirty="0"/>
+              <a:t>にコピー</a:t>
+            </a:r>
+          </a:p>
+          <a:p>
+            <a:pPr marL="0" indent="0">
+              <a:buNone/>
+            </a:pPr>
+            <a:r>
+              <a:rPr lang="ja-JP" altLang="en-US" sz="2000" dirty="0"/>
+              <a:t>メモリアドレスの内容をレジスタ</a:t>
+            </a:r>
+            <a:r>
+              <a:rPr lang="en-US" altLang="ja-JP" sz="2000" dirty="0"/>
+              <a:t>A</a:t>
+            </a:r>
+            <a:r>
+              <a:rPr lang="ja-JP" altLang="en-US" sz="2000" dirty="0"/>
+              <a:t>にコピー</a:t>
+            </a:r>
+          </a:p>
+          <a:p>
+            <a:pPr marL="0" indent="0">
+              <a:buNone/>
+            </a:pPr>
+            <a:r>
+              <a:rPr lang="ja-JP" altLang="en-US" sz="2000" dirty="0"/>
+              <a:t>メモリアドレスのアドレス値をレジスタ</a:t>
+            </a:r>
+            <a:r>
+              <a:rPr lang="en-US" altLang="ja-JP" sz="2000" dirty="0"/>
+              <a:t>A</a:t>
+            </a:r>
+            <a:r>
+              <a:rPr lang="ja-JP" altLang="en-US" sz="2000" dirty="0"/>
+              <a:t>にコピー</a:t>
+            </a:r>
+          </a:p>
+          <a:p>
+            <a:pPr marL="0" indent="0">
+              <a:buNone/>
+            </a:pPr>
             <a:r>
               <a:rPr lang="ja-JP" altLang="en-US" sz="2000" dirty="0"/>
               <a:t>レジスタ</a:t>
             </a:r>
             <a:r>
               <a:rPr lang="en-US" altLang="ja-JP" sz="2000" dirty="0"/>
-              <a:t>B </a:t>
+              <a:t>A</a:t>
             </a:r>
             <a:r>
               <a:rPr lang="ja-JP" altLang="en-US" sz="2000" dirty="0"/>
-              <a:t>　　　レジスタ</a:t>
+              <a:t>の内容をメモリアドレスの場所にコピー</a:t>
+            </a:r>
+            <a:endParaRPr lang="en-US" altLang="ja-JP" sz="2000" dirty="0"/>
+          </a:p>
+          <a:p>
+            <a:pPr marL="0" indent="0">
+              <a:buNone/>
+            </a:pPr>
+            <a:r>
+              <a:rPr lang="ja-JP" altLang="en-US" sz="2000" dirty="0"/>
+              <a:t>レジスタ</a:t>
+            </a:r>
+            <a:r>
+              <a:rPr lang="en-US" altLang="ja-JP" sz="2000" dirty="0"/>
+              <a:t>A</a:t>
+            </a:r>
+            <a:r>
+              <a:rPr lang="ja-JP" altLang="en-US" sz="2000" dirty="0"/>
+              <a:t>＋レジスタ</a:t>
             </a:r>
             <a:r>
               <a:rPr lang="en-US" altLang="ja-JP" sz="2000" dirty="0"/>
@@ -7322,7 +7870,7 @@
             </a:r>
             <a:r>
               <a:rPr lang="ja-JP" altLang="en-US" sz="2000" dirty="0"/>
-              <a:t>の内容をレジスタ</a:t>
+              <a:t>の答えをレジスタ</a:t>
             </a:r>
             <a:r>
               <a:rPr lang="en-US" altLang="ja-JP" sz="2000" dirty="0"/>
@@ -7330,26 +7878,312 @@
             </a:r>
             <a:r>
               <a:rPr lang="ja-JP" altLang="en-US" sz="2000" dirty="0"/>
-              <a:t>にコピー</a:t>
-            </a:r>
-          </a:p>
-          <a:p>
+              <a:t>に入れる</a:t>
+            </a:r>
+            <a:endParaRPr lang="en-US" altLang="ja-JP" sz="2000" dirty="0"/>
+          </a:p>
+          <a:p>
+            <a:pPr marL="0" indent="0">
+              <a:buNone/>
+            </a:pPr>
             <a:r>
               <a:rPr lang="ja-JP" altLang="en-US" sz="2000" dirty="0"/>
-              <a:t>　</a:t>
+              <a:t> </a:t>
             </a:r>
             <a:r>
               <a:rPr lang="en-US" altLang="ja-JP" sz="2000" dirty="0"/>
-              <a:t>LD② </a:t>
+              <a:t>FFFF</a:t>
             </a:r>
             <a:r>
               <a:rPr lang="ja-JP" altLang="en-US" sz="2000" dirty="0"/>
-              <a:t>：</a:t>
+              <a:t>を超えるならフラグ</a:t>
             </a:r>
             <a:r>
               <a:rPr lang="en-US" altLang="ja-JP" sz="2000" dirty="0"/>
-              <a:t>0010 </a:t>
-            </a:r>
+              <a:t>O</a:t>
+            </a:r>
+            <a:r>
+              <a:rPr lang="ja-JP" altLang="en-US" sz="2000" dirty="0"/>
+              <a:t>を</a:t>
+            </a:r>
+            <a:r>
+              <a:rPr lang="en-US" altLang="ja-JP" sz="2000" dirty="0"/>
+              <a:t>1</a:t>
+            </a:r>
+            <a:r>
+              <a:rPr lang="ja-JP" altLang="en-US" sz="2000" dirty="0"/>
+              <a:t>にする</a:t>
+            </a:r>
+          </a:p>
+        </p:txBody>
+      </p:sp>
+      <p:sp>
+        <p:nvSpPr>
+          <p:cNvPr id="5" name="コンテンツ プレースホルダー 2">
+            <a:extLst>
+              <a:ext uri="{FF2B5EF4-FFF2-40B4-BE49-F238E27FC236}">
+                <a16:creationId xmlns:a16="http://schemas.microsoft.com/office/drawing/2014/main" id="{B18573D7-1058-473F-A8F5-2B98FE7A0D7B}"/>
+              </a:ext>
+            </a:extLst>
+          </p:cNvPr>
+          <p:cNvSpPr txBox="1">
+            <a:spLocks/>
+          </p:cNvSpPr>
+          <p:nvPr/>
+        </p:nvSpPr>
+        <p:spPr>
+          <a:xfrm>
+            <a:off x="1681973" y="1932974"/>
+            <a:ext cx="3885451" cy="2928395"/>
+          </a:xfrm>
+          <a:prstGeom prst="rect">
+            <a:avLst/>
+          </a:prstGeom>
+        </p:spPr>
+        <p:txBody>
+          <a:bodyPr vert="horz" lIns="91440" tIns="45720" rIns="91440" bIns="45720" rtlCol="0">
+            <a:normAutofit/>
+          </a:bodyPr>
+          <a:lstStyle>
+            <a:lvl1pPr marL="342900" indent="-342900" algn="l" defTabSz="457200" rtl="0" eaLnBrk="1" latinLnBrk="0" hangingPunct="1">
+              <a:spcBef>
+                <a:spcPts val="1000"/>
+              </a:spcBef>
+              <a:spcAft>
+                <a:spcPts val="0"/>
+              </a:spcAft>
+              <a:buClr>
+                <a:schemeClr val="accent1"/>
+              </a:buClr>
+              <a:buSzPct val="80000"/>
+              <a:buFont typeface="Wingdings 3" charset="2"/>
+              <a:buChar char=""/>
+              <a:defRPr kumimoji="1" sz="1800" kern="1200">
+                <a:solidFill>
+                  <a:schemeClr val="tx1">
+                    <a:lumMod val="75000"/>
+                    <a:lumOff val="25000"/>
+                  </a:schemeClr>
+                </a:solidFill>
+                <a:latin typeface="+mn-lt"/>
+                <a:ea typeface="+mn-ea"/>
+                <a:cs typeface="+mn-cs"/>
+              </a:defRPr>
+            </a:lvl1pPr>
+            <a:lvl2pPr marL="742950" indent="-285750" algn="l" defTabSz="457200" rtl="0" eaLnBrk="1" latinLnBrk="0" hangingPunct="1">
+              <a:spcBef>
+                <a:spcPts val="1000"/>
+              </a:spcBef>
+              <a:spcAft>
+                <a:spcPts val="0"/>
+              </a:spcAft>
+              <a:buClr>
+                <a:schemeClr val="accent1"/>
+              </a:buClr>
+              <a:buSzPct val="80000"/>
+              <a:buFont typeface="Wingdings 3" charset="2"/>
+              <a:buChar char=""/>
+              <a:defRPr kumimoji="1" sz="1600" kern="1200">
+                <a:solidFill>
+                  <a:schemeClr val="tx1">
+                    <a:lumMod val="75000"/>
+                    <a:lumOff val="25000"/>
+                  </a:schemeClr>
+                </a:solidFill>
+                <a:latin typeface="+mn-lt"/>
+                <a:ea typeface="+mn-ea"/>
+                <a:cs typeface="+mn-cs"/>
+              </a:defRPr>
+            </a:lvl2pPr>
+            <a:lvl3pPr marL="1143000" indent="-228600" algn="l" defTabSz="457200" rtl="0" eaLnBrk="1" latinLnBrk="0" hangingPunct="1">
+              <a:spcBef>
+                <a:spcPts val="1000"/>
+              </a:spcBef>
+              <a:spcAft>
+                <a:spcPts val="0"/>
+              </a:spcAft>
+              <a:buClr>
+                <a:schemeClr val="accent1"/>
+              </a:buClr>
+              <a:buSzPct val="80000"/>
+              <a:buFont typeface="Wingdings 3" charset="2"/>
+              <a:buChar char=""/>
+              <a:defRPr kumimoji="1" sz="1400" kern="1200">
+                <a:solidFill>
+                  <a:schemeClr val="tx1">
+                    <a:lumMod val="75000"/>
+                    <a:lumOff val="25000"/>
+                  </a:schemeClr>
+                </a:solidFill>
+                <a:latin typeface="+mn-lt"/>
+                <a:ea typeface="+mn-ea"/>
+                <a:cs typeface="+mn-cs"/>
+              </a:defRPr>
+            </a:lvl3pPr>
+            <a:lvl4pPr marL="1600200" indent="-228600" algn="l" defTabSz="457200" rtl="0" eaLnBrk="1" latinLnBrk="0" hangingPunct="1">
+              <a:spcBef>
+                <a:spcPts val="1000"/>
+              </a:spcBef>
+              <a:spcAft>
+                <a:spcPts val="0"/>
+              </a:spcAft>
+              <a:buClr>
+                <a:schemeClr val="accent1"/>
+              </a:buClr>
+              <a:buSzPct val="80000"/>
+              <a:buFont typeface="Wingdings 3" charset="2"/>
+              <a:buChar char=""/>
+              <a:defRPr kumimoji="1" sz="1200" kern="1200">
+                <a:solidFill>
+                  <a:schemeClr val="tx1">
+                    <a:lumMod val="75000"/>
+                    <a:lumOff val="25000"/>
+                  </a:schemeClr>
+                </a:solidFill>
+                <a:latin typeface="+mn-lt"/>
+                <a:ea typeface="+mn-ea"/>
+                <a:cs typeface="+mn-cs"/>
+              </a:defRPr>
+            </a:lvl4pPr>
+            <a:lvl5pPr marL="2057400" indent="-228600" algn="l" defTabSz="457200" rtl="0" eaLnBrk="1" latinLnBrk="0" hangingPunct="1">
+              <a:spcBef>
+                <a:spcPts val="1000"/>
+              </a:spcBef>
+              <a:spcAft>
+                <a:spcPts val="0"/>
+              </a:spcAft>
+              <a:buClr>
+                <a:schemeClr val="accent1"/>
+              </a:buClr>
+              <a:buSzPct val="80000"/>
+              <a:buFont typeface="Wingdings 3" charset="2"/>
+              <a:buChar char=""/>
+              <a:defRPr kumimoji="1" sz="1200" kern="1200">
+                <a:solidFill>
+                  <a:schemeClr val="tx1">
+                    <a:lumMod val="75000"/>
+                    <a:lumOff val="25000"/>
+                  </a:schemeClr>
+                </a:solidFill>
+                <a:latin typeface="+mn-lt"/>
+                <a:ea typeface="+mn-ea"/>
+                <a:cs typeface="+mn-cs"/>
+              </a:defRPr>
+            </a:lvl5pPr>
+            <a:lvl6pPr marL="2514600" indent="-228600" algn="l" defTabSz="457200" rtl="0" eaLnBrk="1" latinLnBrk="0" hangingPunct="1">
+              <a:spcBef>
+                <a:spcPts val="1000"/>
+              </a:spcBef>
+              <a:spcAft>
+                <a:spcPts val="0"/>
+              </a:spcAft>
+              <a:buClr>
+                <a:schemeClr val="accent1"/>
+              </a:buClr>
+              <a:buSzPct val="80000"/>
+              <a:buFont typeface="Wingdings 3" charset="2"/>
+              <a:buChar char=""/>
+              <a:defRPr kumimoji="1" sz="1200" kern="1200">
+                <a:solidFill>
+                  <a:schemeClr val="tx1">
+                    <a:lumMod val="75000"/>
+                    <a:lumOff val="25000"/>
+                  </a:schemeClr>
+                </a:solidFill>
+                <a:latin typeface="+mn-lt"/>
+                <a:ea typeface="+mn-ea"/>
+                <a:cs typeface="+mn-cs"/>
+              </a:defRPr>
+            </a:lvl6pPr>
+            <a:lvl7pPr marL="2971800" indent="-228600" algn="l" defTabSz="457200" rtl="0" eaLnBrk="1" latinLnBrk="0" hangingPunct="1">
+              <a:spcBef>
+                <a:spcPts val="1000"/>
+              </a:spcBef>
+              <a:spcAft>
+                <a:spcPts val="0"/>
+              </a:spcAft>
+              <a:buClr>
+                <a:schemeClr val="accent1"/>
+              </a:buClr>
+              <a:buSzPct val="80000"/>
+              <a:buFont typeface="Wingdings 3" charset="2"/>
+              <a:buChar char=""/>
+              <a:defRPr kumimoji="1" sz="1200" kern="1200">
+                <a:solidFill>
+                  <a:schemeClr val="tx1">
+                    <a:lumMod val="75000"/>
+                    <a:lumOff val="25000"/>
+                  </a:schemeClr>
+                </a:solidFill>
+                <a:latin typeface="+mn-lt"/>
+                <a:ea typeface="+mn-ea"/>
+                <a:cs typeface="+mn-cs"/>
+              </a:defRPr>
+            </a:lvl7pPr>
+            <a:lvl8pPr marL="3429000" indent="-228600" algn="l" defTabSz="457200" rtl="0" eaLnBrk="1" latinLnBrk="0" hangingPunct="1">
+              <a:spcBef>
+                <a:spcPts val="1000"/>
+              </a:spcBef>
+              <a:spcAft>
+                <a:spcPts val="0"/>
+              </a:spcAft>
+              <a:buClr>
+                <a:schemeClr val="accent1"/>
+              </a:buClr>
+              <a:buSzPct val="80000"/>
+              <a:buFont typeface="Wingdings 3" charset="2"/>
+              <a:buChar char=""/>
+              <a:defRPr kumimoji="1" sz="1200" kern="1200">
+                <a:solidFill>
+                  <a:schemeClr val="tx1">
+                    <a:lumMod val="75000"/>
+                    <a:lumOff val="25000"/>
+                  </a:schemeClr>
+                </a:solidFill>
+                <a:latin typeface="+mn-lt"/>
+                <a:ea typeface="+mn-ea"/>
+                <a:cs typeface="+mn-cs"/>
+              </a:defRPr>
+            </a:lvl8pPr>
+            <a:lvl9pPr marL="3886200" indent="-228600" algn="l" defTabSz="457200" rtl="0" eaLnBrk="1" latinLnBrk="0" hangingPunct="1">
+              <a:spcBef>
+                <a:spcPts val="1000"/>
+              </a:spcBef>
+              <a:spcAft>
+                <a:spcPts val="0"/>
+              </a:spcAft>
+              <a:buClr>
+                <a:schemeClr val="accent1"/>
+              </a:buClr>
+              <a:buSzPct val="80000"/>
+              <a:buFont typeface="Wingdings 3" charset="2"/>
+              <a:buChar char=""/>
+              <a:defRPr kumimoji="1" sz="1200" kern="1200">
+                <a:solidFill>
+                  <a:schemeClr val="tx1">
+                    <a:lumMod val="75000"/>
+                    <a:lumOff val="25000"/>
+                  </a:schemeClr>
+                </a:solidFill>
+                <a:latin typeface="+mn-lt"/>
+                <a:ea typeface="+mn-ea"/>
+                <a:cs typeface="+mn-cs"/>
+              </a:defRPr>
+            </a:lvl9pPr>
+          </a:lstStyle>
+          <a:p>
+            <a:pPr marL="0" indent="0">
+              <a:buNone/>
+            </a:pPr>
+            <a:r>
+              <a:rPr lang="ja-JP" altLang="en-US" sz="2000" dirty="0"/>
+              <a:t>　　　</a:t>
+            </a:r>
+          </a:p>
+          <a:p>
+            <a:pPr marL="0" indent="0">
+              <a:buNone/>
+            </a:pPr>
             <a:r>
               <a:rPr lang="ja-JP" altLang="en-US" sz="2000" dirty="0"/>
               <a:t>レジスタ</a:t>
@@ -7360,34 +8194,21 @@
             </a:r>
             <a:r>
               <a:rPr lang="ja-JP" altLang="en-US" sz="2000" dirty="0"/>
-              <a:t>メモリアドレス　メモリアドレスの内容をレジスタ</a:t>
+              <a:t>レジスタ</a:t>
             </a:r>
             <a:r>
               <a:rPr lang="en-US" altLang="ja-JP" sz="2000" dirty="0"/>
-              <a:t>A</a:t>
+              <a:t>B </a:t>
             </a:r>
             <a:r>
               <a:rPr lang="ja-JP" altLang="en-US" sz="2000" dirty="0"/>
-              <a:t>にコピー</a:t>
-            </a:r>
-          </a:p>
-          <a:p>
-            <a:r>
-              <a:rPr lang="ja-JP" altLang="en-US" sz="2000" dirty="0"/>
-              <a:t>　</a:t>
-            </a:r>
-            <a:r>
-              <a:rPr lang="en-US" altLang="ja-JP" sz="2000" dirty="0"/>
-              <a:t>LAD </a:t>
-            </a:r>
-            <a:r>
-              <a:rPr lang="ja-JP" altLang="en-US" sz="2000" dirty="0"/>
-              <a:t>：</a:t>
-            </a:r>
-            <a:r>
-              <a:rPr lang="en-US" altLang="ja-JP" sz="2000" dirty="0"/>
-              <a:t>0011 </a:t>
-            </a:r>
+              <a:t>　　　</a:t>
+            </a:r>
+          </a:p>
+          <a:p>
+            <a:pPr marL="0" indent="0">
+              <a:buNone/>
+            </a:pPr>
             <a:r>
               <a:rPr lang="ja-JP" altLang="en-US" sz="2000" dirty="0"/>
               <a:t>レジスタ</a:t>
@@ -7398,34 +8219,13 @@
             </a:r>
             <a:r>
               <a:rPr lang="ja-JP" altLang="en-US" sz="2000" dirty="0"/>
-              <a:t>メモリアドレス　メモリアドレスのアドレス値をレジスタ</a:t>
-            </a:r>
-            <a:r>
-              <a:rPr lang="en-US" altLang="ja-JP" sz="2000" dirty="0"/>
-              <a:t>A</a:t>
-            </a:r>
-            <a:r>
-              <a:rPr lang="ja-JP" altLang="en-US" sz="2000" dirty="0"/>
-              <a:t>にコピー</a:t>
-            </a:r>
-          </a:p>
-          <a:p>
-            <a:r>
-              <a:rPr lang="ja-JP" altLang="en-US" sz="2000" dirty="0"/>
-              <a:t>　</a:t>
-            </a:r>
-            <a:r>
-              <a:rPr lang="en-US" altLang="ja-JP" sz="2000" dirty="0"/>
-              <a:t>STR </a:t>
-            </a:r>
-            <a:r>
-              <a:rPr lang="ja-JP" altLang="en-US" sz="2000" dirty="0"/>
-              <a:t>：</a:t>
-            </a:r>
-            <a:r>
-              <a:rPr lang="en-US" altLang="ja-JP" sz="2000" dirty="0"/>
-              <a:t>0100 </a:t>
-            </a:r>
+              <a:t>メモリアドレス　</a:t>
+            </a:r>
+          </a:p>
+          <a:p>
+            <a:pPr marL="0" indent="0">
+              <a:buNone/>
+            </a:pPr>
             <a:r>
               <a:rPr lang="ja-JP" altLang="en-US" sz="2000" dirty="0"/>
               <a:t>レジスタ</a:t>
@@ -7436,34 +8236,14 @@
             </a:r>
             <a:r>
               <a:rPr lang="ja-JP" altLang="en-US" sz="2000" dirty="0"/>
-              <a:t>メモリアドレス　レジスタ</a:t>
-            </a:r>
-            <a:r>
-              <a:rPr lang="en-US" altLang="ja-JP" sz="2000" dirty="0"/>
-              <a:t>A</a:t>
-            </a:r>
-            <a:r>
-              <a:rPr lang="ja-JP" altLang="en-US" sz="2000" dirty="0"/>
-              <a:t>の内容をメモリアドレスの場所にコピー（注意！）</a:t>
-            </a:r>
-          </a:p>
-          <a:p>
-            <a:r>
-              <a:rPr lang="ja-JP" altLang="en-US" sz="2000" dirty="0"/>
-              <a:t>　</a:t>
-            </a:r>
-            <a:r>
-              <a:rPr lang="en-US" altLang="ja-JP" sz="2000" dirty="0"/>
-              <a:t>ADD </a:t>
-            </a:r>
-            <a:r>
-              <a:rPr lang="ja-JP" altLang="en-US" sz="2000" dirty="0"/>
-              <a:t>：</a:t>
-            </a:r>
-            <a:r>
-              <a:rPr lang="en-US" altLang="ja-JP" sz="2000" dirty="0"/>
-              <a:t>0101 </a:t>
-            </a:r>
+              <a:t>メモリアドレス　</a:t>
+            </a:r>
+            <a:endParaRPr lang="en-US" altLang="ja-JP" sz="2000" dirty="0"/>
+          </a:p>
+          <a:p>
+            <a:pPr marL="0" indent="0">
+              <a:buNone/>
+            </a:pPr>
             <a:r>
               <a:rPr lang="ja-JP" altLang="en-US" sz="2000" dirty="0"/>
               <a:t>レジスタ</a:t>
@@ -7474,6 +8254,24 @@
             </a:r>
             <a:r>
               <a:rPr lang="ja-JP" altLang="en-US" sz="2000" dirty="0"/>
+              <a:t>メモリアドレス　</a:t>
+            </a:r>
+            <a:endParaRPr lang="en-US" altLang="ja-JP" sz="2000" dirty="0"/>
+          </a:p>
+          <a:p>
+            <a:pPr marL="0" indent="0">
+              <a:buNone/>
+            </a:pPr>
+            <a:r>
+              <a:rPr lang="ja-JP" altLang="en-US" sz="2000" dirty="0"/>
+              <a:t>レジスタ</a:t>
+            </a:r>
+            <a:r>
+              <a:rPr lang="en-US" altLang="ja-JP" sz="2000" dirty="0"/>
+              <a:t>A </a:t>
+            </a:r>
+            <a:r>
+              <a:rPr lang="ja-JP" altLang="en-US" sz="2000" dirty="0"/>
               <a:t>レジスタ</a:t>
             </a:r>
             <a:r>
@@ -7482,61 +8280,8 @@
             </a:r>
             <a:r>
               <a:rPr lang="ja-JP" altLang="en-US" sz="2000" dirty="0"/>
-              <a:t>　　　レジスタ</a:t>
-            </a:r>
-            <a:r>
-              <a:rPr lang="en-US" altLang="ja-JP" sz="2000" dirty="0"/>
-              <a:t>A</a:t>
-            </a:r>
-            <a:r>
-              <a:rPr lang="ja-JP" altLang="en-US" sz="2000" dirty="0"/>
-              <a:t>＋レジスタ</a:t>
-            </a:r>
-            <a:r>
-              <a:rPr lang="en-US" altLang="ja-JP" sz="2000" dirty="0"/>
-              <a:t>B</a:t>
-            </a:r>
-            <a:r>
-              <a:rPr lang="ja-JP" altLang="en-US" sz="2000" dirty="0"/>
-              <a:t>の答えをレジスタ</a:t>
-            </a:r>
-            <a:r>
-              <a:rPr lang="en-US" altLang="ja-JP" sz="2000" dirty="0"/>
-              <a:t>A</a:t>
-            </a:r>
-            <a:r>
-              <a:rPr lang="ja-JP" altLang="en-US" sz="2000" dirty="0"/>
-              <a:t>に入れる </a:t>
-            </a:r>
-            <a:r>
-              <a:rPr lang="en-US" altLang="ja-JP" sz="2000" dirty="0"/>
-              <a:t>FFFF</a:t>
-            </a:r>
-            <a:r>
-              <a:rPr lang="ja-JP" altLang="en-US" sz="2000" dirty="0"/>
-              <a:t>を超えるならフラグ</a:t>
-            </a:r>
-            <a:r>
-              <a:rPr lang="en-US" altLang="ja-JP" sz="2000" dirty="0"/>
-              <a:t>O</a:t>
-            </a:r>
-            <a:r>
-              <a:rPr lang="ja-JP" altLang="en-US" sz="2000" dirty="0"/>
-              <a:t>を</a:t>
-            </a:r>
-            <a:r>
-              <a:rPr lang="en-US" altLang="ja-JP" sz="2000" dirty="0"/>
-              <a:t>1</a:t>
-            </a:r>
-            <a:r>
-              <a:rPr lang="ja-JP" altLang="en-US" sz="2000" dirty="0"/>
-              <a:t>に</a:t>
-            </a:r>
-            <a:r>
-              <a:rPr lang="ja-JP" altLang="en-US" sz="2000" dirty="0" smtClean="0"/>
-              <a:t>する</a:t>
-            </a:r>
-            <a:endParaRPr lang="ja-JP" altLang="en-US" sz="2000" dirty="0"/>
+              <a:t>　　　</a:t>
+            </a:r>
           </a:p>
         </p:txBody>
       </p:sp>
@@ -7550,13 +8295,6 @@
   <p:clrMapOvr>
     <a:masterClrMapping/>
   </p:clrMapOvr>
-  <p:timing>
-    <p:tnLst>
-      <p:par>
-        <p:cTn id="1" dur="indefinite" restart="never" nodeType="tmRoot"/>
-      </p:par>
-    </p:tnLst>
-  </p:timing>
 </p:sld>
 </file>
 
@@ -7593,11 +8331,11 @@
           <a:lstStyle/>
           <a:p>
             <a:r>
-              <a:rPr kumimoji="1" lang="en-US" altLang="ja-JP" dirty="0" smtClean="0"/>
+              <a:rPr kumimoji="1" lang="en-US" altLang="ja-JP" dirty="0"/>
               <a:t>VHDL</a:t>
             </a:r>
             <a:r>
-              <a:rPr lang="ja-JP" altLang="en-US" dirty="0" smtClean="0"/>
+              <a:rPr lang="ja-JP" altLang="en-US" dirty="0"/>
               <a:t>による記述</a:t>
             </a:r>
             <a:endParaRPr kumimoji="1" lang="ja-JP" altLang="en-US" dirty="0"/>
@@ -7623,55 +8361,49 @@
           <a:p>
             <a:r>
               <a:rPr lang="ja-JP" altLang="en-US" sz="2800" dirty="0"/>
-              <a:t>パッケージ</a:t>
-            </a:r>
-            <a:r>
-              <a:rPr lang="ja-JP" altLang="en-US" sz="2800" dirty="0" smtClean="0"/>
-              <a:t>呼び出し </a:t>
-            </a:r>
-            <a:r>
-              <a:rPr lang="en-US" altLang="ja-JP" sz="2800" dirty="0" smtClean="0"/>
+              <a:t>パッケージ呼び出し </a:t>
+            </a:r>
+            <a:r>
+              <a:rPr lang="en-US" altLang="ja-JP" sz="2800" dirty="0"/>
               <a:t>…</a:t>
             </a:r>
             <a:r>
-              <a:rPr lang="ja-JP" altLang="en-US" sz="2800" dirty="0" smtClean="0"/>
+              <a:rPr lang="ja-JP" altLang="en-US" sz="2800" dirty="0"/>
               <a:t> </a:t>
             </a:r>
             <a:r>
-              <a:rPr lang="ja-JP" altLang="en-US" sz="2000" dirty="0" smtClean="0"/>
+              <a:rPr lang="ja-JP" altLang="en-US" sz="2000" dirty="0"/>
               <a:t>先頭に必ず記入</a:t>
             </a:r>
-            <a:endParaRPr lang="ja-JP" altLang="en-US" sz="2000" dirty="0"/>
-          </a:p>
-          <a:p>
-            <a:r>
-              <a:rPr lang="ja-JP" altLang="en-US" sz="2800" dirty="0" smtClean="0"/>
+          </a:p>
+          <a:p>
+            <a:r>
+              <a:rPr lang="ja-JP" altLang="en-US" sz="2800" dirty="0"/>
               <a:t>エンティティ </a:t>
             </a:r>
             <a:r>
-              <a:rPr lang="en-US" altLang="ja-JP" sz="2800" dirty="0" smtClean="0"/>
+              <a:rPr lang="en-US" altLang="ja-JP" sz="2800" dirty="0"/>
               <a:t>… </a:t>
             </a:r>
             <a:r>
-              <a:rPr lang="ja-JP" altLang="en-US" sz="2000" dirty="0" smtClean="0"/>
+              <a:rPr lang="ja-JP" altLang="en-US" sz="2000" dirty="0"/>
               <a:t>エンティティ名・ポート宣言</a:t>
             </a:r>
-            <a:endParaRPr lang="ja-JP" altLang="en-US" sz="2000" dirty="0"/>
-          </a:p>
-          <a:p>
-            <a:r>
-              <a:rPr lang="ja-JP" altLang="en-US" sz="2800" dirty="0" smtClean="0"/>
+          </a:p>
+          <a:p>
+            <a:r>
+              <a:rPr lang="ja-JP" altLang="en-US" sz="2800" dirty="0"/>
               <a:t>アーキテクチャ</a:t>
             </a:r>
             <a:r>
-              <a:rPr lang="en-US" altLang="ja-JP" sz="2800" dirty="0" smtClean="0"/>
+              <a:rPr lang="en-US" altLang="ja-JP" sz="2800" dirty="0"/>
               <a:t>…</a:t>
             </a:r>
             <a:r>
-              <a:rPr lang="ja-JP" altLang="en-US" sz="2000" dirty="0" smtClean="0"/>
+              <a:rPr lang="ja-JP" altLang="en-US" sz="2000" dirty="0"/>
               <a:t>内部の動作を記述する</a:t>
             </a:r>
-            <a:endParaRPr lang="en-US" altLang="ja-JP" sz="2000" dirty="0" smtClean="0"/>
+            <a:endParaRPr lang="en-US" altLang="ja-JP" sz="2000" dirty="0"/>
           </a:p>
           <a:p>
             <a:pPr marL="0" indent="0">
@@ -7679,21 +8411,16 @@
             </a:pPr>
             <a:r>
               <a:rPr lang="ja-JP" altLang="en-US" sz="2800" dirty="0"/>
-              <a:t>　</a:t>
-            </a:r>
-            <a:r>
-              <a:rPr lang="ja-JP" altLang="en-US" sz="2800" dirty="0" smtClean="0"/>
-              <a:t>この</a:t>
-            </a:r>
-            <a:r>
-              <a:rPr lang="en-US" altLang="ja-JP" sz="2800" dirty="0" smtClean="0"/>
+              <a:t>　この</a:t>
+            </a:r>
+            <a:r>
+              <a:rPr lang="en-US" altLang="ja-JP" sz="2800" dirty="0"/>
               <a:t>3</a:t>
             </a:r>
             <a:r>
-              <a:rPr lang="ja-JP" altLang="en-US" sz="2800" dirty="0" smtClean="0"/>
+              <a:rPr lang="ja-JP" altLang="en-US" sz="2800" dirty="0"/>
               <a:t>つから構成される</a:t>
             </a:r>
-            <a:endParaRPr lang="ja-JP" altLang="en-US" sz="2800" dirty="0"/>
           </a:p>
           <a:p>
             <a:endParaRPr kumimoji="1" lang="ja-JP" altLang="en-US" sz="2800" dirty="0"/>
@@ -7710,13 +8437,6 @@
   <p:clrMapOvr>
     <a:masterClrMapping/>
   </p:clrMapOvr>
-  <p:timing>
-    <p:tnLst>
-      <p:par>
-        <p:cTn id="1" dur="indefinite" restart="never" nodeType="tmRoot"/>
-      </p:par>
-    </p:tnLst>
-  </p:timing>
 </p:sld>
 </file>
 
@@ -7753,10 +8473,9 @@
           <a:lstStyle/>
           <a:p>
             <a:r>
-              <a:rPr kumimoji="1" lang="ja-JP" altLang="en-US" dirty="0" smtClean="0"/>
+              <a:rPr kumimoji="1" lang="ja-JP" altLang="en-US" dirty="0"/>
               <a:t>シミュレーション例</a:t>
             </a:r>
-            <a:endParaRPr kumimoji="1" lang="ja-JP" altLang="en-US" dirty="0"/>
           </a:p>
         </p:txBody>
       </p:sp>
@@ -7776,8 +8495,8 @@
         </p:blipFill>
         <p:spPr>
           <a:xfrm>
-            <a:off x="292100" y="1667702"/>
-            <a:ext cx="11404600" cy="3695931"/>
+            <a:off x="104965" y="1690850"/>
+            <a:ext cx="11982069" cy="3054769"/>
           </a:xfrm>
           <a:prstGeom prst="rect">
             <a:avLst/>
@@ -7825,7 +8544,7 @@
           <a:bodyPr rtlCol="0" anchor="ctr"/>
           <a:lstStyle/>
           <a:p>
-            <a:endParaRPr lang="en-US" altLang="ja-JP" dirty="0" smtClean="0">
+            <a:endParaRPr lang="en-US" altLang="ja-JP" dirty="0">
               <a:solidFill>
                 <a:schemeClr val="tx1"/>
               </a:solidFill>
@@ -7833,20 +8552,12 @@
           </a:p>
           <a:p>
             <a:r>
-              <a:rPr lang="ja-JP" altLang="en-US" dirty="0" smtClean="0">
+              <a:rPr lang="ja-JP" altLang="en-US" dirty="0">
                 <a:solidFill>
                   <a:schemeClr val="tx1"/>
                 </a:solidFill>
               </a:rPr>
-              <a:t>ラッチ</a:t>
-            </a:r>
-            <a:r>
-              <a:rPr lang="ja-JP" altLang="en-US" dirty="0">
-                <a:solidFill>
-                  <a:schemeClr val="tx1"/>
-                </a:solidFill>
-              </a:rPr>
-              <a:t>が</a:t>
+              <a:t>ラッチが</a:t>
             </a:r>
             <a:r>
               <a:rPr lang="en-US" altLang="ja-JP" dirty="0">
@@ -8070,10 +8781,9 @@
           <a:lstStyle/>
           <a:p>
             <a:r>
-              <a:rPr kumimoji="1" lang="ja-JP" altLang="en-US" dirty="0" smtClean="0"/>
+              <a:rPr kumimoji="1" lang="ja-JP" altLang="en-US" dirty="0"/>
               <a:t>プログラム例</a:t>
             </a:r>
-            <a:endParaRPr kumimoji="1" lang="ja-JP" altLang="en-US" dirty="0"/>
           </a:p>
         </p:txBody>
       </p:sp>
@@ -8669,8 +9379,8 @@
           </a:xfrm>
           <a:prstGeom prst="borderCallout1">
             <a:avLst>
-              <a:gd name="adj1" fmla="val 18750"/>
-              <a:gd name="adj2" fmla="val -8333"/>
+              <a:gd name="adj1" fmla="val 26436"/>
+              <a:gd name="adj2" fmla="val -200"/>
               <a:gd name="adj3" fmla="val 28163"/>
               <a:gd name="adj4" fmla="val -74815"/>
             </a:avLst>
@@ -8701,14 +9411,14 @@
           <a:p>
             <a:pPr algn="ctr"/>
             <a:r>
-              <a:rPr kumimoji="1" lang="ja-JP" altLang="en-US" dirty="0" smtClean="0">
+              <a:rPr kumimoji="1" lang="ja-JP" altLang="en-US" dirty="0">
                 <a:solidFill>
                   <a:schemeClr val="tx1"/>
                 </a:solidFill>
               </a:rPr>
               <a:t>パッケージ</a:t>
             </a:r>
-            <a:endParaRPr kumimoji="1" lang="en-US" altLang="ja-JP" dirty="0" smtClean="0">
+            <a:endParaRPr kumimoji="1" lang="en-US" altLang="ja-JP" dirty="0">
               <a:solidFill>
                 <a:schemeClr val="tx1"/>
               </a:solidFill>
@@ -8722,15 +9432,7 @@
                   <a:schemeClr val="tx1"/>
                 </a:solidFill>
               </a:rPr>
-              <a:t>先頭</a:t>
-            </a:r>
-            <a:r>
-              <a:rPr lang="ja-JP" altLang="en-US" dirty="0" smtClean="0">
-                <a:solidFill>
-                  <a:schemeClr val="tx1"/>
-                </a:solidFill>
-              </a:rPr>
-              <a:t>で呼び出す必要がある</a:t>
+              <a:t>先頭で呼び出す必要がある</a:t>
             </a:r>
             <a:endParaRPr kumimoji="1" lang="ja-JP" altLang="en-US" dirty="0">
               <a:solidFill>
@@ -8753,8 +9455,8 @@
           </a:xfrm>
           <a:prstGeom prst="borderCallout1">
             <a:avLst>
-              <a:gd name="adj1" fmla="val 18750"/>
-              <a:gd name="adj2" fmla="val -8333"/>
+              <a:gd name="adj1" fmla="val 23547"/>
+              <a:gd name="adj2" fmla="val 340"/>
               <a:gd name="adj3" fmla="val 27313"/>
               <a:gd name="adj4" fmla="val -47154"/>
             </a:avLst>
@@ -8785,7 +9487,7 @@
           <a:p>
             <a:pPr algn="ctr"/>
             <a:r>
-              <a:rPr kumimoji="1" lang="ja-JP" altLang="en-US" dirty="0" smtClean="0">
+              <a:rPr kumimoji="1" lang="ja-JP" altLang="en-US" dirty="0">
                 <a:solidFill>
                   <a:schemeClr val="tx1"/>
                 </a:solidFill>
@@ -8793,14 +9495,14 @@
               <a:t>他言語のように</a:t>
             </a:r>
             <a:r>
-              <a:rPr lang="ja-JP" altLang="en-US" dirty="0" smtClean="0">
+              <a:rPr lang="ja-JP" altLang="en-US" dirty="0">
                 <a:solidFill>
                   <a:schemeClr val="tx1"/>
                 </a:solidFill>
               </a:rPr>
               <a:t>宣言を行う</a:t>
             </a:r>
-            <a:endParaRPr lang="en-US" altLang="ja-JP" dirty="0" smtClean="0">
+            <a:endParaRPr lang="en-US" altLang="ja-JP" dirty="0">
               <a:solidFill>
                 <a:schemeClr val="tx1"/>
               </a:solidFill>
@@ -8809,14 +9511,14 @@
           <a:p>
             <a:pPr algn="ctr"/>
             <a:r>
-              <a:rPr kumimoji="1" lang="ja-JP" altLang="en-US" dirty="0" smtClean="0">
+              <a:rPr kumimoji="1" lang="ja-JP" altLang="en-US" dirty="0">
                 <a:solidFill>
                   <a:schemeClr val="tx1"/>
                 </a:solidFill>
               </a:rPr>
               <a:t>ビット数も決める</a:t>
             </a:r>
-            <a:endParaRPr kumimoji="1" lang="en-US" altLang="ja-JP" dirty="0" smtClean="0">
+            <a:endParaRPr kumimoji="1" lang="en-US" altLang="ja-JP" dirty="0">
               <a:solidFill>
                 <a:schemeClr val="tx1"/>
               </a:solidFill>
@@ -8825,18 +9527,13 @@
           <a:p>
             <a:pPr algn="ctr"/>
             <a:r>
-              <a:rPr kumimoji="1" lang="ja-JP" altLang="en-US" dirty="0" smtClean="0">
+              <a:rPr kumimoji="1" lang="ja-JP" altLang="en-US" dirty="0">
                 <a:solidFill>
                   <a:schemeClr val="tx1"/>
                 </a:solidFill>
               </a:rPr>
               <a:t>入出力を分ける</a:t>
             </a:r>
-            <a:endParaRPr kumimoji="1" lang="ja-JP" altLang="en-US" dirty="0">
-              <a:solidFill>
-                <a:schemeClr val="tx1"/>
-              </a:solidFill>
-            </a:endParaRPr>
           </a:p>
         </p:txBody>
       </p:sp>
@@ -8853,8 +9550,8 @@
           </a:xfrm>
           <a:prstGeom prst="borderCallout1">
             <a:avLst>
-              <a:gd name="adj1" fmla="val 10316"/>
-              <a:gd name="adj2" fmla="val -7283"/>
+              <a:gd name="adj1" fmla="val 23194"/>
+              <a:gd name="adj2" fmla="val -188"/>
               <a:gd name="adj3" fmla="val 7680"/>
               <a:gd name="adj4" fmla="val -40956"/>
             </a:avLst>
@@ -8885,28 +9582,12 @@
           <a:p>
             <a:pPr algn="ctr"/>
             <a:r>
-              <a:rPr lang="ja-JP" altLang="en-US" dirty="0" smtClean="0">
+              <a:rPr lang="ja-JP" altLang="en-US" dirty="0">
                 <a:solidFill>
                   <a:schemeClr val="tx1"/>
                 </a:solidFill>
               </a:rPr>
-              <a:t>回路の本体</a:t>
-            </a:r>
-            <a:r>
-              <a:rPr lang="ja-JP" altLang="en-US" dirty="0">
-                <a:solidFill>
-                  <a:schemeClr val="tx1"/>
-                </a:solidFill>
-              </a:rPr>
-              <a:t>・</a:t>
-            </a:r>
-            <a:r>
-              <a:rPr lang="ja-JP" altLang="en-US" dirty="0" smtClean="0">
-                <a:solidFill>
-                  <a:schemeClr val="tx1"/>
-                </a:solidFill>
-              </a:rPr>
-              <a:t>構造や動作について記述する</a:t>
+              <a:t>回路の本体・構造や動作について記述する</a:t>
             </a:r>
             <a:endParaRPr lang="en-US" altLang="ja-JP" dirty="0">
               <a:solidFill>
@@ -8917,7 +9598,7 @@
           <a:p>
             <a:pPr algn="ctr"/>
             <a:r>
-              <a:rPr lang="ja-JP" altLang="en-US" dirty="0" smtClean="0">
+              <a:rPr lang="ja-JP" altLang="en-US" dirty="0">
                 <a:solidFill>
                   <a:schemeClr val="tx1"/>
                 </a:solidFill>
@@ -8925,7 +9606,7 @@
               <a:t>制御信号に従い選択し、</a:t>
             </a:r>
             <a:r>
-              <a:rPr lang="en-US" altLang="ja-JP" dirty="0" smtClean="0">
+              <a:rPr lang="en-US" altLang="ja-JP" dirty="0">
                 <a:solidFill>
                   <a:schemeClr val="tx1"/>
                 </a:solidFill>
@@ -8933,14 +9614,14 @@
               <a:t>ALU</a:t>
             </a:r>
             <a:r>
-              <a:rPr lang="ja-JP" altLang="en-US" dirty="0" smtClean="0">
+              <a:rPr lang="ja-JP" altLang="en-US" dirty="0">
                 <a:solidFill>
                   <a:schemeClr val="tx1"/>
                 </a:solidFill>
               </a:rPr>
               <a:t>に送っている</a:t>
             </a:r>
-            <a:endParaRPr lang="en-US" altLang="ja-JP" dirty="0" smtClean="0">
+            <a:endParaRPr lang="en-US" altLang="ja-JP" dirty="0">
               <a:solidFill>
                 <a:schemeClr val="tx1"/>
               </a:solidFill>
@@ -9188,14 +9869,9 @@
           <a:lstStyle/>
           <a:p>
             <a:r>
-              <a:rPr kumimoji="1" lang="ja-JP" altLang="en-US" dirty="0" smtClean="0"/>
-              <a:t>進行</a:t>
-            </a:r>
-            <a:r>
-              <a:rPr kumimoji="1" lang="ja-JP" altLang="en-US" dirty="0" smtClean="0"/>
-              <a:t>状況・今後</a:t>
-            </a:r>
-            <a:endParaRPr kumimoji="1" lang="ja-JP" altLang="en-US" dirty="0"/>
+              <a:rPr kumimoji="1" lang="ja-JP" altLang="en-US" dirty="0"/>
+              <a:t>進行状況・今後</a:t>
+            </a:r>
           </a:p>
         </p:txBody>
       </p:sp>
@@ -9211,8 +9887,8 @@
         </p:nvSpPr>
         <p:spPr>
           <a:xfrm>
-            <a:off x="677334" y="1930400"/>
-            <a:ext cx="8596668" cy="3880773"/>
+            <a:off x="677333" y="1930400"/>
+            <a:ext cx="8848631" cy="3880773"/>
           </a:xfrm>
         </p:spPr>
         <p:txBody>
@@ -9225,32 +9901,54 @@
               <a:buNone/>
             </a:pPr>
             <a:r>
-              <a:rPr kumimoji="1" lang="ja-JP" altLang="en-US" sz="2800" dirty="0" smtClean="0"/>
+              <a:rPr kumimoji="1" lang="ja-JP" altLang="en-US" sz="2800" dirty="0"/>
               <a:t>・各コンポーネントの作成</a:t>
             </a:r>
             <a:r>
-              <a:rPr lang="ja-JP" altLang="en-US" sz="2800" dirty="0" smtClean="0"/>
+              <a:rPr lang="ja-JP" altLang="en-US" sz="2800" dirty="0"/>
               <a:t>はほぼ完了</a:t>
             </a:r>
-            <a:endParaRPr lang="en-US" altLang="ja-JP" sz="2800" dirty="0" smtClean="0"/>
+            <a:endParaRPr lang="en-US" altLang="ja-JP" sz="2800" dirty="0"/>
           </a:p>
           <a:p>
             <a:pPr marL="0" indent="0">
               <a:buNone/>
             </a:pPr>
-            <a:r>
-              <a:rPr kumimoji="1" lang="ja-JP" altLang="en-US" sz="2800" dirty="0" smtClean="0"/>
-              <a:t>・コンポーネントを結合する部分のシミュレーションが未完了</a:t>
-            </a:r>
-            <a:endParaRPr kumimoji="1" lang="en-US" altLang="ja-JP" sz="2800" dirty="0" smtClean="0"/>
+            <a:endParaRPr kumimoji="1" lang="en-US" altLang="ja-JP" sz="2800" dirty="0"/>
           </a:p>
           <a:p>
             <a:pPr marL="0" indent="0">
               <a:buNone/>
             </a:pPr>
             <a:r>
-              <a:rPr lang="ja-JP" altLang="en-US" sz="2800" dirty="0" smtClean="0"/>
-              <a:t>・今後は上記の作成と回路上での実装</a:t>
+              <a:rPr kumimoji="1" lang="ja-JP" altLang="en-US" sz="2800" dirty="0"/>
+              <a:t>・シミュレーションを進行中</a:t>
+            </a:r>
+            <a:endParaRPr kumimoji="1" lang="en-US" altLang="ja-JP" sz="2800" dirty="0"/>
+          </a:p>
+          <a:p>
+            <a:pPr marL="0" indent="0">
+              <a:buNone/>
+            </a:pPr>
+            <a:r>
+              <a:rPr lang="ja-JP" altLang="en-US" sz="2800" dirty="0"/>
+              <a:t>　　答えが整数の平方根の計算ができる</a:t>
+            </a:r>
+            <a:endParaRPr kumimoji="1" lang="en-US" altLang="ja-JP" sz="2800" dirty="0"/>
+          </a:p>
+          <a:p>
+            <a:pPr marL="0" indent="0">
+              <a:buNone/>
+            </a:pPr>
+            <a:endParaRPr lang="en-US" altLang="ja-JP" sz="2800" dirty="0"/>
+          </a:p>
+          <a:p>
+            <a:pPr marL="0" indent="0">
+              <a:buNone/>
+            </a:pPr>
+            <a:r>
+              <a:rPr lang="ja-JP" altLang="en-US" sz="2800" dirty="0"/>
+              <a:t>・今後は小数を含めた平方根計算と回路上での実装</a:t>
             </a:r>
             <a:endParaRPr kumimoji="1" lang="ja-JP" altLang="en-US" sz="2800" dirty="0"/>
           </a:p>
@@ -9363,7 +10061,7 @@
                                         <p:tgtEl>
                                           <p:spTgt spid="3">
                                             <p:txEl>
-                                              <p:pRg st="1" end="1"/>
+                                              <p:pRg st="2" end="2"/>
                                             </p:txEl>
                                           </p:spTgt>
                                         </p:tgtEl>
@@ -9381,7 +10079,7 @@
                                         <p:tgtEl>
                                           <p:spTgt spid="3">
                                             <p:txEl>
-                                              <p:pRg st="1" end="1"/>
+                                              <p:pRg st="2" end="2"/>
                                             </p:txEl>
                                           </p:spTgt>
                                         </p:tgtEl>
@@ -9424,7 +10122,7 @@
                                         <p:tgtEl>
                                           <p:spTgt spid="3">
                                             <p:txEl>
-                                              <p:pRg st="2" end="2"/>
+                                              <p:pRg st="3" end="3"/>
                                             </p:txEl>
                                           </p:spTgt>
                                         </p:tgtEl>
@@ -9442,7 +10140,68 @@
                                         <p:tgtEl>
                                           <p:spTgt spid="3">
                                             <p:txEl>
-                                              <p:pRg st="2" end="2"/>
+                                              <p:pRg st="3" end="3"/>
+                                            </p:txEl>
+                                          </p:spTgt>
+                                        </p:tgtEl>
+                                      </p:cBhvr>
+                                    </p:animEffect>
+                                  </p:childTnLst>
+                                </p:cTn>
+                              </p:par>
+                            </p:childTnLst>
+                          </p:cTn>
+                        </p:par>
+                      </p:childTnLst>
+                    </p:cTn>
+                  </p:par>
+                  <p:par>
+                    <p:cTn id="18" fill="hold">
+                      <p:stCondLst>
+                        <p:cond delay="indefinite"/>
+                      </p:stCondLst>
+                      <p:childTnLst>
+                        <p:par>
+                          <p:cTn id="19" fill="hold">
+                            <p:stCondLst>
+                              <p:cond delay="0"/>
+                            </p:stCondLst>
+                            <p:childTnLst>
+                              <p:par>
+                                <p:cTn id="20" presetID="10" presetClass="entr" presetSubtype="0" fill="hold" grpId="0" nodeType="clickEffect">
+                                  <p:stCondLst>
+                                    <p:cond delay="0"/>
+                                  </p:stCondLst>
+                                  <p:childTnLst>
+                                    <p:set>
+                                      <p:cBhvr>
+                                        <p:cTn id="21" dur="1" fill="hold">
+                                          <p:stCondLst>
+                                            <p:cond delay="0"/>
+                                          </p:stCondLst>
+                                        </p:cTn>
+                                        <p:tgtEl>
+                                          <p:spTgt spid="3">
+                                            <p:txEl>
+                                              <p:pRg st="5" end="5"/>
+                                            </p:txEl>
+                                          </p:spTgt>
+                                        </p:tgtEl>
+                                        <p:attrNameLst>
+                                          <p:attrName>style.visibility</p:attrName>
+                                        </p:attrNameLst>
+                                      </p:cBhvr>
+                                      <p:to>
+                                        <p:strVal val="visible"/>
+                                      </p:to>
+                                    </p:set>
+                                    <p:animEffect transition="in" filter="fade">
+                                      <p:cBhvr>
+                                        <p:cTn id="22" dur="500"/>
+                                        <p:tgtEl>
+                                          <p:spTgt spid="3">
+                                            <p:txEl>
+                                              <p:pRg st="5" end="5"/>
                                             </p:txEl>
                                           </p:spTgt>
                                         </p:tgtEl>

--- a/wiki_data/プロジェクト実験.pptx
+++ b/wiki_data/プロジェクト実験.pptx
@@ -846,7 +846,7 @@
           <a:p>
             <a:fld id="{F19F37F8-6AD8-4731-A522-42DA3A18CADE}" type="datetimeFigureOut">
               <a:rPr kumimoji="1" lang="ja-JP" altLang="en-US" smtClean="0"/>
-              <a:t>2017/11/28</a:t>
+              <a:t>2017/11/29</a:t>
             </a:fld>
             <a:endParaRPr kumimoji="1" lang="ja-JP" altLang="en-US"/>
           </a:p>
@@ -1097,7 +1097,7 @@
           <a:p>
             <a:fld id="{F19F37F8-6AD8-4731-A522-42DA3A18CADE}" type="datetimeFigureOut">
               <a:rPr kumimoji="1" lang="ja-JP" altLang="en-US" smtClean="0"/>
-              <a:t>2017/11/28</a:t>
+              <a:t>2017/11/29</a:t>
             </a:fld>
             <a:endParaRPr kumimoji="1" lang="ja-JP" altLang="en-US"/>
           </a:p>
@@ -1411,7 +1411,7 @@
           <a:p>
             <a:fld id="{F19F37F8-6AD8-4731-A522-42DA3A18CADE}" type="datetimeFigureOut">
               <a:rPr kumimoji="1" lang="ja-JP" altLang="en-US" smtClean="0"/>
-              <a:t>2017/11/28</a:t>
+              <a:t>2017/11/29</a:t>
             </a:fld>
             <a:endParaRPr kumimoji="1" lang="ja-JP" altLang="en-US"/>
           </a:p>
@@ -1752,7 +1752,7 @@
           <a:p>
             <a:fld id="{F19F37F8-6AD8-4731-A522-42DA3A18CADE}" type="datetimeFigureOut">
               <a:rPr kumimoji="1" lang="ja-JP" altLang="en-US" smtClean="0"/>
-              <a:t>2017/11/28</a:t>
+              <a:t>2017/11/29</a:t>
             </a:fld>
             <a:endParaRPr kumimoji="1" lang="ja-JP" altLang="en-US"/>
           </a:p>
@@ -2066,7 +2066,7 @@
           <a:p>
             <a:fld id="{F19F37F8-6AD8-4731-A522-42DA3A18CADE}" type="datetimeFigureOut">
               <a:rPr kumimoji="1" lang="ja-JP" altLang="en-US" smtClean="0"/>
-              <a:t>2017/11/28</a:t>
+              <a:t>2017/11/29</a:t>
             </a:fld>
             <a:endParaRPr kumimoji="1" lang="ja-JP" altLang="en-US"/>
           </a:p>
@@ -2459,7 +2459,7 @@
           <a:p>
             <a:fld id="{F19F37F8-6AD8-4731-A522-42DA3A18CADE}" type="datetimeFigureOut">
               <a:rPr kumimoji="1" lang="ja-JP" altLang="en-US" smtClean="0"/>
-              <a:t>2017/11/28</a:t>
+              <a:t>2017/11/29</a:t>
             </a:fld>
             <a:endParaRPr kumimoji="1" lang="ja-JP" altLang="en-US"/>
           </a:p>
@@ -2661,7 +2661,7 @@
           <a:p>
             <a:fld id="{F19F37F8-6AD8-4731-A522-42DA3A18CADE}" type="datetimeFigureOut">
               <a:rPr kumimoji="1" lang="ja-JP" altLang="en-US" smtClean="0"/>
-              <a:t>2017/11/28</a:t>
+              <a:t>2017/11/29</a:t>
             </a:fld>
             <a:endParaRPr kumimoji="1" lang="ja-JP" altLang="en-US"/>
           </a:p>
@@ -2873,7 +2873,7 @@
           <a:p>
             <a:fld id="{F19F37F8-6AD8-4731-A522-42DA3A18CADE}" type="datetimeFigureOut">
               <a:rPr kumimoji="1" lang="ja-JP" altLang="en-US" smtClean="0"/>
-              <a:t>2017/11/28</a:t>
+              <a:t>2017/11/29</a:t>
             </a:fld>
             <a:endParaRPr kumimoji="1" lang="ja-JP" altLang="en-US"/>
           </a:p>
@@ -3081,7 +3081,7 @@
           <a:p>
             <a:fld id="{F19F37F8-6AD8-4731-A522-42DA3A18CADE}" type="datetimeFigureOut">
               <a:rPr kumimoji="1" lang="ja-JP" altLang="en-US" smtClean="0"/>
-              <a:t>2017/11/28</a:t>
+              <a:t>2017/11/29</a:t>
             </a:fld>
             <a:endParaRPr kumimoji="1" lang="ja-JP" altLang="en-US"/>
           </a:p>
@@ -3328,7 +3328,7 @@
           <a:p>
             <a:fld id="{F19F37F8-6AD8-4731-A522-42DA3A18CADE}" type="datetimeFigureOut">
               <a:rPr kumimoji="1" lang="ja-JP" altLang="en-US" smtClean="0"/>
-              <a:t>2017/11/28</a:t>
+              <a:t>2017/11/29</a:t>
             </a:fld>
             <a:endParaRPr kumimoji="1" lang="ja-JP" altLang="en-US"/>
           </a:p>
@@ -3624,7 +3624,7 @@
           <a:p>
             <a:fld id="{F19F37F8-6AD8-4731-A522-42DA3A18CADE}" type="datetimeFigureOut">
               <a:rPr kumimoji="1" lang="ja-JP" altLang="en-US" smtClean="0"/>
-              <a:t>2017/11/28</a:t>
+              <a:t>2017/11/29</a:t>
             </a:fld>
             <a:endParaRPr kumimoji="1" lang="ja-JP" altLang="en-US"/>
           </a:p>
@@ -4062,7 +4062,7 @@
           <a:p>
             <a:fld id="{F19F37F8-6AD8-4731-A522-42DA3A18CADE}" type="datetimeFigureOut">
               <a:rPr kumimoji="1" lang="ja-JP" altLang="en-US" smtClean="0"/>
-              <a:t>2017/11/28</a:t>
+              <a:t>2017/11/29</a:t>
             </a:fld>
             <a:endParaRPr kumimoji="1" lang="ja-JP" altLang="en-US"/>
           </a:p>
@@ -4185,7 +4185,7 @@
           <a:p>
             <a:fld id="{F19F37F8-6AD8-4731-A522-42DA3A18CADE}" type="datetimeFigureOut">
               <a:rPr kumimoji="1" lang="ja-JP" altLang="en-US" smtClean="0"/>
-              <a:t>2017/11/28</a:t>
+              <a:t>2017/11/29</a:t>
             </a:fld>
             <a:endParaRPr kumimoji="1" lang="ja-JP" altLang="en-US"/>
           </a:p>
@@ -4280,7 +4280,7 @@
           <a:p>
             <a:fld id="{F19F37F8-6AD8-4731-A522-42DA3A18CADE}" type="datetimeFigureOut">
               <a:rPr kumimoji="1" lang="ja-JP" altLang="en-US" smtClean="0"/>
-              <a:t>2017/11/28</a:t>
+              <a:t>2017/11/29</a:t>
             </a:fld>
             <a:endParaRPr kumimoji="1" lang="ja-JP" altLang="en-US"/>
           </a:p>
@@ -4567,7 +4567,7 @@
           <a:p>
             <a:fld id="{F19F37F8-6AD8-4731-A522-42DA3A18CADE}" type="datetimeFigureOut">
               <a:rPr kumimoji="1" lang="ja-JP" altLang="en-US" smtClean="0"/>
-              <a:t>2017/11/28</a:t>
+              <a:t>2017/11/29</a:t>
             </a:fld>
             <a:endParaRPr kumimoji="1" lang="ja-JP" altLang="en-US"/>
           </a:p>
@@ -4830,7 +4830,7 @@
           <a:p>
             <a:fld id="{F19F37F8-6AD8-4731-A522-42DA3A18CADE}" type="datetimeFigureOut">
               <a:rPr kumimoji="1" lang="ja-JP" altLang="en-US" smtClean="0"/>
-              <a:t>2017/11/28</a:t>
+              <a:t>2017/11/29</a:t>
             </a:fld>
             <a:endParaRPr kumimoji="1" lang="ja-JP" altLang="en-US"/>
           </a:p>
@@ -5605,7 +5605,7 @@
           <a:p>
             <a:fld id="{F19F37F8-6AD8-4731-A522-42DA3A18CADE}" type="datetimeFigureOut">
               <a:rPr kumimoji="1" lang="ja-JP" altLang="en-US" smtClean="0"/>
-              <a:t>2017/11/28</a:t>
+              <a:t>2017/11/29</a:t>
             </a:fld>
             <a:endParaRPr kumimoji="1" lang="ja-JP" altLang="en-US"/>
           </a:p>
@@ -6823,7 +6823,7 @@
           <p:cNvPr id="4" name="コンテンツ プレースホルダー 2">
             <a:extLst>
               <a:ext uri="{FF2B5EF4-FFF2-40B4-BE49-F238E27FC236}">
-                <a16:creationId xmlns:a16="http://schemas.microsoft.com/office/drawing/2014/main" id="{47062C87-3AD7-431B-BC1D-B7B578A1564B}"/>
+                <a16:creationId xmlns:a16="http://schemas.microsoft.com/office/drawing/2014/main" xmlns="" id="{47062C87-3AD7-431B-BC1D-B7B578A1564B}"/>
               </a:ext>
             </a:extLst>
           </p:cNvPr>
@@ -7512,7 +7512,7 @@
           <p:cNvPr id="4" name="コンテンツ プレースホルダー 2">
             <a:extLst>
               <a:ext uri="{FF2B5EF4-FFF2-40B4-BE49-F238E27FC236}">
-                <a16:creationId xmlns:a16="http://schemas.microsoft.com/office/drawing/2014/main" id="{7F583B9D-C64D-4404-99FF-AF1B0F62D4D4}"/>
+                <a16:creationId xmlns:a16="http://schemas.microsoft.com/office/drawing/2014/main" xmlns="" id="{7F583B9D-C64D-4404-99FF-AF1B0F62D4D4}"/>
               </a:ext>
             </a:extLst>
           </p:cNvPr>
@@ -7922,7 +7922,7 @@
           <p:cNvPr id="5" name="コンテンツ プレースホルダー 2">
             <a:extLst>
               <a:ext uri="{FF2B5EF4-FFF2-40B4-BE49-F238E27FC236}">
-                <a16:creationId xmlns:a16="http://schemas.microsoft.com/office/drawing/2014/main" id="{B18573D7-1058-473F-A8F5-2B98FE7A0D7B}"/>
+                <a16:creationId xmlns:a16="http://schemas.microsoft.com/office/drawing/2014/main" xmlns="" id="{B18573D7-1058-473F-A8F5-2B98FE7A0D7B}"/>
               </a:ext>
             </a:extLst>
           </p:cNvPr>
@@ -9888,7 +9888,7 @@
         <p:spPr>
           <a:xfrm>
             <a:off x="677333" y="1930400"/>
-            <a:ext cx="8848631" cy="3880773"/>
+            <a:ext cx="9960930" cy="4403493"/>
           </a:xfrm>
         </p:spPr>
         <p:txBody>
@@ -9948,9 +9948,51 @@
             </a:pPr>
             <a:r>
               <a:rPr lang="ja-JP" altLang="en-US" sz="2800" dirty="0"/>
-              <a:t>・今後は小数を含めた平方根計算と回路上での実装</a:t>
-            </a:r>
-            <a:endParaRPr kumimoji="1" lang="ja-JP" altLang="en-US" sz="2800" dirty="0"/>
+              <a:t>・今後は小数を含めた</a:t>
+            </a:r>
+            <a:r>
+              <a:rPr lang="ja-JP" altLang="en-US" sz="2800" dirty="0" smtClean="0"/>
+              <a:t>平方根</a:t>
+            </a:r>
+            <a:r>
+              <a:rPr lang="ja-JP" altLang="en-US" sz="2800" dirty="0"/>
+              <a:t>計算と回路上での</a:t>
+            </a:r>
+            <a:r>
+              <a:rPr lang="ja-JP" altLang="en-US" sz="2800" dirty="0" smtClean="0"/>
+              <a:t>実装</a:t>
+            </a:r>
+            <a:endParaRPr lang="en-US" altLang="ja-JP" sz="2800" dirty="0"/>
+          </a:p>
+          <a:p>
+            <a:pPr marL="400050" lvl="1" indent="0">
+              <a:buNone/>
+            </a:pPr>
+            <a:r>
+              <a:rPr kumimoji="1" lang="en-US" altLang="ja-JP" sz="1800" dirty="0" smtClean="0"/>
+              <a:t>*</a:t>
+            </a:r>
+            <a:r>
+              <a:rPr kumimoji="1" lang="ja-JP" altLang="en-US" sz="1400" dirty="0" smtClean="0"/>
+              <a:t> 仕様を変更して</a:t>
+            </a:r>
+            <a:r>
+              <a:rPr kumimoji="1" lang="en-US" altLang="ja-JP" sz="1400" dirty="0" smtClean="0"/>
+              <a:t>(</a:t>
+            </a:r>
+            <a:r>
+              <a:rPr kumimoji="1" lang="ja-JP" altLang="en-US" sz="1400" dirty="0" smtClean="0"/>
+              <a:t>汎用レジスタ</a:t>
+            </a:r>
+            <a:r>
+              <a:rPr kumimoji="1" lang="en-US" altLang="ja-JP" sz="1400" dirty="0" smtClean="0"/>
+              <a:t>:16bit -&gt; 32bit)</a:t>
+            </a:r>
+            <a:r>
+              <a:rPr kumimoji="1" lang="ja-JP" altLang="en-US" sz="1400" dirty="0" smtClean="0"/>
+              <a:t>，試してみたら小数を含めた平方根計算も可能であった（実装済み）</a:t>
+            </a:r>
+            <a:endParaRPr kumimoji="1" lang="ja-JP" altLang="en-US" sz="2000" dirty="0"/>
           </a:p>
         </p:txBody>
       </p:sp>
@@ -10202,6 +10244,49 @@
                                           <p:spTgt spid="3">
                                             <p:txEl>
                                               <p:pRg st="5" end="5"/>
+                                            </p:txEl>
+                                          </p:spTgt>
+                                        </p:tgtEl>
+                                      </p:cBhvr>
+                                    </p:animEffect>
+                                  </p:childTnLst>
+                                </p:cTn>
+                              </p:par>
+                              <p:par>
+                                <p:cTn id="23" presetID="10" presetClass="entr" presetSubtype="0" fill="hold" grpId="0" nodeType="withEffect">
+                                  <p:stCondLst>
+                                    <p:cond delay="0"/>
+                                  </p:stCondLst>
+                                  <p:childTnLst>
+                                    <p:set>
+                                      <p:cBhvr>
+                                        <p:cTn id="24" dur="1" fill="hold">
+                                          <p:stCondLst>
+                                            <p:cond delay="0"/>
+                                          </p:stCondLst>
+                                        </p:cTn>
+                                        <p:tgtEl>
+                                          <p:spTgt spid="3">
+                                            <p:txEl>
+                                              <p:pRg st="6" end="6"/>
+                                            </p:txEl>
+                                          </p:spTgt>
+                                        </p:tgtEl>
+                                        <p:attrNameLst>
+                                          <p:attrName>style.visibility</p:attrName>
+                                        </p:attrNameLst>
+                                      </p:cBhvr>
+                                      <p:to>
+                                        <p:strVal val="visible"/>
+                                      </p:to>
+                                    </p:set>
+                                    <p:animEffect transition="in" filter="fade">
+                                      <p:cBhvr>
+                                        <p:cTn id="25" dur="500"/>
+                                        <p:tgtEl>
+                                          <p:spTgt spid="3">
+                                            <p:txEl>
+                                              <p:pRg st="6" end="6"/>
                                             </p:txEl>
                                           </p:spTgt>
                                         </p:tgtEl>

--- a/wiki_data/プロジェクト実験.pptx
+++ b/wiki_data/プロジェクト実験.pptx
@@ -846,7 +846,7 @@
           <a:p>
             <a:fld id="{F19F37F8-6AD8-4731-A522-42DA3A18CADE}" type="datetimeFigureOut">
               <a:rPr kumimoji="1" lang="ja-JP" altLang="en-US" smtClean="0"/>
-              <a:t>2017/11/29</a:t>
+              <a:t>2017/11/30</a:t>
             </a:fld>
             <a:endParaRPr kumimoji="1" lang="ja-JP" altLang="en-US"/>
           </a:p>
@@ -1097,7 +1097,7 @@
           <a:p>
             <a:fld id="{F19F37F8-6AD8-4731-A522-42DA3A18CADE}" type="datetimeFigureOut">
               <a:rPr kumimoji="1" lang="ja-JP" altLang="en-US" smtClean="0"/>
-              <a:t>2017/11/29</a:t>
+              <a:t>2017/11/30</a:t>
             </a:fld>
             <a:endParaRPr kumimoji="1" lang="ja-JP" altLang="en-US"/>
           </a:p>
@@ -1411,7 +1411,7 @@
           <a:p>
             <a:fld id="{F19F37F8-6AD8-4731-A522-42DA3A18CADE}" type="datetimeFigureOut">
               <a:rPr kumimoji="1" lang="ja-JP" altLang="en-US" smtClean="0"/>
-              <a:t>2017/11/29</a:t>
+              <a:t>2017/11/30</a:t>
             </a:fld>
             <a:endParaRPr kumimoji="1" lang="ja-JP" altLang="en-US"/>
           </a:p>
@@ -1752,7 +1752,7 @@
           <a:p>
             <a:fld id="{F19F37F8-6AD8-4731-A522-42DA3A18CADE}" type="datetimeFigureOut">
               <a:rPr kumimoji="1" lang="ja-JP" altLang="en-US" smtClean="0"/>
-              <a:t>2017/11/29</a:t>
+              <a:t>2017/11/30</a:t>
             </a:fld>
             <a:endParaRPr kumimoji="1" lang="ja-JP" altLang="en-US"/>
           </a:p>
@@ -2066,7 +2066,7 @@
           <a:p>
             <a:fld id="{F19F37F8-6AD8-4731-A522-42DA3A18CADE}" type="datetimeFigureOut">
               <a:rPr kumimoji="1" lang="ja-JP" altLang="en-US" smtClean="0"/>
-              <a:t>2017/11/29</a:t>
+              <a:t>2017/11/30</a:t>
             </a:fld>
             <a:endParaRPr kumimoji="1" lang="ja-JP" altLang="en-US"/>
           </a:p>
@@ -2459,7 +2459,7 @@
           <a:p>
             <a:fld id="{F19F37F8-6AD8-4731-A522-42DA3A18CADE}" type="datetimeFigureOut">
               <a:rPr kumimoji="1" lang="ja-JP" altLang="en-US" smtClean="0"/>
-              <a:t>2017/11/29</a:t>
+              <a:t>2017/11/30</a:t>
             </a:fld>
             <a:endParaRPr kumimoji="1" lang="ja-JP" altLang="en-US"/>
           </a:p>
@@ -2661,7 +2661,7 @@
           <a:p>
             <a:fld id="{F19F37F8-6AD8-4731-A522-42DA3A18CADE}" type="datetimeFigureOut">
               <a:rPr kumimoji="1" lang="ja-JP" altLang="en-US" smtClean="0"/>
-              <a:t>2017/11/29</a:t>
+              <a:t>2017/11/30</a:t>
             </a:fld>
             <a:endParaRPr kumimoji="1" lang="ja-JP" altLang="en-US"/>
           </a:p>
@@ -2873,7 +2873,7 @@
           <a:p>
             <a:fld id="{F19F37F8-6AD8-4731-A522-42DA3A18CADE}" type="datetimeFigureOut">
               <a:rPr kumimoji="1" lang="ja-JP" altLang="en-US" smtClean="0"/>
-              <a:t>2017/11/29</a:t>
+              <a:t>2017/11/30</a:t>
             </a:fld>
             <a:endParaRPr kumimoji="1" lang="ja-JP" altLang="en-US"/>
           </a:p>
@@ -3081,7 +3081,7 @@
           <a:p>
             <a:fld id="{F19F37F8-6AD8-4731-A522-42DA3A18CADE}" type="datetimeFigureOut">
               <a:rPr kumimoji="1" lang="ja-JP" altLang="en-US" smtClean="0"/>
-              <a:t>2017/11/29</a:t>
+              <a:t>2017/11/30</a:t>
             </a:fld>
             <a:endParaRPr kumimoji="1" lang="ja-JP" altLang="en-US"/>
           </a:p>
@@ -3328,7 +3328,7 @@
           <a:p>
             <a:fld id="{F19F37F8-6AD8-4731-A522-42DA3A18CADE}" type="datetimeFigureOut">
               <a:rPr kumimoji="1" lang="ja-JP" altLang="en-US" smtClean="0"/>
-              <a:t>2017/11/29</a:t>
+              <a:t>2017/11/30</a:t>
             </a:fld>
             <a:endParaRPr kumimoji="1" lang="ja-JP" altLang="en-US"/>
           </a:p>
@@ -3624,7 +3624,7 @@
           <a:p>
             <a:fld id="{F19F37F8-6AD8-4731-A522-42DA3A18CADE}" type="datetimeFigureOut">
               <a:rPr kumimoji="1" lang="ja-JP" altLang="en-US" smtClean="0"/>
-              <a:t>2017/11/29</a:t>
+              <a:t>2017/11/30</a:t>
             </a:fld>
             <a:endParaRPr kumimoji="1" lang="ja-JP" altLang="en-US"/>
           </a:p>
@@ -4062,7 +4062,7 @@
           <a:p>
             <a:fld id="{F19F37F8-6AD8-4731-A522-42DA3A18CADE}" type="datetimeFigureOut">
               <a:rPr kumimoji="1" lang="ja-JP" altLang="en-US" smtClean="0"/>
-              <a:t>2017/11/29</a:t>
+              <a:t>2017/11/30</a:t>
             </a:fld>
             <a:endParaRPr kumimoji="1" lang="ja-JP" altLang="en-US"/>
           </a:p>
@@ -4185,7 +4185,7 @@
           <a:p>
             <a:fld id="{F19F37F8-6AD8-4731-A522-42DA3A18CADE}" type="datetimeFigureOut">
               <a:rPr kumimoji="1" lang="ja-JP" altLang="en-US" smtClean="0"/>
-              <a:t>2017/11/29</a:t>
+              <a:t>2017/11/30</a:t>
             </a:fld>
             <a:endParaRPr kumimoji="1" lang="ja-JP" altLang="en-US"/>
           </a:p>
@@ -4280,7 +4280,7 @@
           <a:p>
             <a:fld id="{F19F37F8-6AD8-4731-A522-42DA3A18CADE}" type="datetimeFigureOut">
               <a:rPr kumimoji="1" lang="ja-JP" altLang="en-US" smtClean="0"/>
-              <a:t>2017/11/29</a:t>
+              <a:t>2017/11/30</a:t>
             </a:fld>
             <a:endParaRPr kumimoji="1" lang="ja-JP" altLang="en-US"/>
           </a:p>
@@ -4567,7 +4567,7 @@
           <a:p>
             <a:fld id="{F19F37F8-6AD8-4731-A522-42DA3A18CADE}" type="datetimeFigureOut">
               <a:rPr kumimoji="1" lang="ja-JP" altLang="en-US" smtClean="0"/>
-              <a:t>2017/11/29</a:t>
+              <a:t>2017/11/30</a:t>
             </a:fld>
             <a:endParaRPr kumimoji="1" lang="ja-JP" altLang="en-US"/>
           </a:p>
@@ -4830,7 +4830,7 @@
           <a:p>
             <a:fld id="{F19F37F8-6AD8-4731-A522-42DA3A18CADE}" type="datetimeFigureOut">
               <a:rPr kumimoji="1" lang="ja-JP" altLang="en-US" smtClean="0"/>
-              <a:t>2017/11/29</a:t>
+              <a:t>2017/11/30</a:t>
             </a:fld>
             <a:endParaRPr kumimoji="1" lang="ja-JP" altLang="en-US"/>
           </a:p>
@@ -5605,7 +5605,7 @@
           <a:p>
             <a:fld id="{F19F37F8-6AD8-4731-A522-42DA3A18CADE}" type="datetimeFigureOut">
               <a:rPr kumimoji="1" lang="ja-JP" altLang="en-US" smtClean="0"/>
-              <a:t>2017/11/29</a:t>
+              <a:t>2017/11/30</a:t>
             </a:fld>
             <a:endParaRPr kumimoji="1" lang="ja-JP" altLang="en-US"/>
           </a:p>
@@ -6823,7 +6823,7 @@
           <p:cNvPr id="4" name="コンテンツ プレースホルダー 2">
             <a:extLst>
               <a:ext uri="{FF2B5EF4-FFF2-40B4-BE49-F238E27FC236}">
-                <a16:creationId xmlns:a16="http://schemas.microsoft.com/office/drawing/2014/main" xmlns="" id="{47062C87-3AD7-431B-BC1D-B7B578A1564B}"/>
+                <a16:creationId xmlns:a16="http://schemas.microsoft.com/office/drawing/2014/main" id="{47062C87-3AD7-431B-BC1D-B7B578A1564B}"/>
               </a:ext>
             </a:extLst>
           </p:cNvPr>
@@ -7411,7 +7411,7 @@
         <p:spPr>
           <a:xfrm>
             <a:off x="312082" y="1205858"/>
-            <a:ext cx="4456688" cy="3609211"/>
+            <a:ext cx="4456688" cy="4951102"/>
           </a:xfrm>
         </p:spPr>
         <p:txBody>
@@ -7503,6 +7503,32 @@
               <a:rPr lang="en-US" altLang="ja-JP" sz="2000" dirty="0"/>
               <a:t>ADD</a:t>
             </a:r>
+          </a:p>
+          <a:p>
+            <a:pPr marL="0" indent="0">
+              <a:buNone/>
+            </a:pPr>
+            <a:endParaRPr lang="en-US" altLang="ja-JP" sz="2000" dirty="0"/>
+          </a:p>
+          <a:p>
+            <a:r>
+              <a:rPr lang="ja-JP" altLang="en-US" sz="2000" dirty="0"/>
+              <a:t>　</a:t>
+            </a:r>
+            <a:r>
+              <a:rPr lang="en-US" altLang="ja-JP" sz="2000" dirty="0"/>
+              <a:t>NAND</a:t>
+            </a:r>
+          </a:p>
+          <a:p>
+            <a:r>
+              <a:rPr lang="ja-JP" altLang="en-US" sz="2000" dirty="0"/>
+              <a:t>　</a:t>
+            </a:r>
+            <a:r>
+              <a:rPr lang="en-US" altLang="ja-JP" sz="2000" dirty="0"/>
+              <a:t>RJMP</a:t>
+            </a:r>
             <a:endParaRPr lang="ja-JP" altLang="en-US" sz="2000" dirty="0"/>
           </a:p>
         </p:txBody>
@@ -7512,7 +7538,7 @@
           <p:cNvPr id="4" name="コンテンツ プレースホルダー 2">
             <a:extLst>
               <a:ext uri="{FF2B5EF4-FFF2-40B4-BE49-F238E27FC236}">
-                <a16:creationId xmlns:a16="http://schemas.microsoft.com/office/drawing/2014/main" xmlns="" id="{7F583B9D-C64D-4404-99FF-AF1B0F62D4D4}"/>
+                <a16:creationId xmlns:a16="http://schemas.microsoft.com/office/drawing/2014/main" id="{7F583B9D-C64D-4404-99FF-AF1B0F62D4D4}"/>
               </a:ext>
             </a:extLst>
           </p:cNvPr>
@@ -7524,7 +7550,7 @@
         <p:spPr>
           <a:xfrm>
             <a:off x="4957389" y="1932974"/>
-            <a:ext cx="7369649" cy="3229335"/>
+            <a:ext cx="7369649" cy="4485243"/>
           </a:xfrm>
           <a:prstGeom prst="rect">
             <a:avLst/>
@@ -7887,10 +7913,6 @@
               <a:buNone/>
             </a:pPr>
             <a:r>
-              <a:rPr lang="ja-JP" altLang="en-US" sz="2000" dirty="0"/>
-              <a:t> </a:t>
-            </a:r>
-            <a:r>
               <a:rPr lang="en-US" altLang="ja-JP" sz="2000" dirty="0"/>
               <a:t>FFFF</a:t>
             </a:r>
@@ -7913,6 +7935,83 @@
             <a:r>
               <a:rPr lang="ja-JP" altLang="en-US" sz="2000" dirty="0"/>
               <a:t>にする</a:t>
+            </a:r>
+            <a:endParaRPr lang="en-US" altLang="ja-JP" sz="2000" dirty="0"/>
+          </a:p>
+          <a:p>
+            <a:pPr marL="0" indent="0">
+              <a:buNone/>
+            </a:pPr>
+            <a:r>
+              <a:rPr lang="ja-JP" altLang="en-US" sz="2000" dirty="0"/>
+              <a:t>レジスタ</a:t>
+            </a:r>
+            <a:r>
+              <a:rPr lang="en-US" altLang="ja-JP" sz="2000" dirty="0"/>
+              <a:t>A </a:t>
+            </a:r>
+            <a:r>
+              <a:rPr lang="en-US" altLang="ja-JP" sz="2000" dirty="0" err="1"/>
+              <a:t>nand</a:t>
+            </a:r>
+            <a:r>
+              <a:rPr lang="en-US" altLang="ja-JP" sz="2000" dirty="0"/>
+              <a:t> </a:t>
+            </a:r>
+            <a:r>
+              <a:rPr lang="ja-JP" altLang="en-US" sz="2000" dirty="0"/>
+              <a:t>レジスタ</a:t>
+            </a:r>
+            <a:r>
+              <a:rPr lang="en-US" altLang="ja-JP" sz="2000" dirty="0"/>
+              <a:t>B </a:t>
+            </a:r>
+            <a:r>
+              <a:rPr lang="ja-JP" altLang="en-US" sz="2000" dirty="0"/>
+              <a:t>の答えをレジスタ</a:t>
+            </a:r>
+            <a:r>
+              <a:rPr lang="en-US" altLang="ja-JP" sz="2000" dirty="0"/>
+              <a:t>A</a:t>
+            </a:r>
+            <a:r>
+              <a:rPr lang="ja-JP" altLang="en-US" sz="2000" dirty="0"/>
+              <a:t>に入れる</a:t>
+            </a:r>
+          </a:p>
+          <a:p>
+            <a:pPr marL="0" indent="0">
+              <a:buNone/>
+            </a:pPr>
+            <a:r>
+              <a:rPr lang="ja-JP" altLang="en-US" sz="2000" dirty="0"/>
+              <a:t>レジスタ</a:t>
+            </a:r>
+            <a:r>
+              <a:rPr lang="en-US" altLang="ja-JP" sz="2000" dirty="0"/>
+              <a:t>A</a:t>
+            </a:r>
+            <a:r>
+              <a:rPr lang="ja-JP" altLang="en-US" sz="2000" dirty="0"/>
+              <a:t>の内容をプログラムレジスタにコピーした後、</a:t>
+            </a:r>
+            <a:endParaRPr lang="en-US" altLang="ja-JP" sz="2000" dirty="0"/>
+          </a:p>
+          <a:p>
+            <a:pPr marL="0" indent="0">
+              <a:buNone/>
+            </a:pPr>
+            <a:r>
+              <a:rPr lang="ja-JP" altLang="en-US" sz="2000" dirty="0"/>
+              <a:t>プログラムレジスタの値を</a:t>
+            </a:r>
+            <a:r>
+              <a:rPr lang="en-US" altLang="ja-JP" sz="2000" dirty="0"/>
+              <a:t>1</a:t>
+            </a:r>
+            <a:r>
+              <a:rPr lang="ja-JP" altLang="en-US" sz="2000" dirty="0"/>
+              <a:t>増加する</a:t>
             </a:r>
           </a:p>
         </p:txBody>
@@ -7922,7 +8021,7 @@
           <p:cNvPr id="5" name="コンテンツ プレースホルダー 2">
             <a:extLst>
               <a:ext uri="{FF2B5EF4-FFF2-40B4-BE49-F238E27FC236}">
-                <a16:creationId xmlns:a16="http://schemas.microsoft.com/office/drawing/2014/main" xmlns="" id="{B18573D7-1058-473F-A8F5-2B98FE7A0D7B}"/>
+                <a16:creationId xmlns:a16="http://schemas.microsoft.com/office/drawing/2014/main" id="{B18573D7-1058-473F-A8F5-2B98FE7A0D7B}"/>
               </a:ext>
             </a:extLst>
           </p:cNvPr>
@@ -7934,7 +8033,7 @@
         <p:spPr>
           <a:xfrm>
             <a:off x="1681973" y="1932974"/>
-            <a:ext cx="3885451" cy="2928395"/>
+            <a:ext cx="3885451" cy="4223986"/>
           </a:xfrm>
           <a:prstGeom prst="rect">
             <a:avLst/>
@@ -8280,7 +8379,53 @@
             </a:r>
             <a:r>
               <a:rPr lang="ja-JP" altLang="en-US" sz="2000" dirty="0"/>
-              <a:t>　　　</a:t>
+              <a:t>　</a:t>
+            </a:r>
+            <a:endParaRPr lang="en-US" altLang="ja-JP" sz="2000" dirty="0"/>
+          </a:p>
+          <a:p>
+            <a:pPr marL="0" indent="0">
+              <a:buNone/>
+            </a:pPr>
+            <a:endParaRPr lang="en-US" altLang="ja-JP" sz="2000" dirty="0"/>
+          </a:p>
+          <a:p>
+            <a:pPr marL="0" indent="0">
+              <a:buNone/>
+            </a:pPr>
+            <a:r>
+              <a:rPr lang="ja-JP" altLang="en-US" sz="2000" dirty="0"/>
+              <a:t>レジスタ</a:t>
+            </a:r>
+            <a:r>
+              <a:rPr lang="en-US" altLang="ja-JP" sz="2000" dirty="0"/>
+              <a:t>A </a:t>
+            </a:r>
+            <a:r>
+              <a:rPr lang="ja-JP" altLang="en-US" sz="2000" dirty="0"/>
+              <a:t>レジスタ</a:t>
+            </a:r>
+            <a:r>
+              <a:rPr lang="en-US" altLang="ja-JP" sz="2000" dirty="0"/>
+              <a:t>B</a:t>
+            </a:r>
+            <a:endParaRPr lang="ja-JP" altLang="en-US" sz="2000" dirty="0"/>
+          </a:p>
+          <a:p>
+            <a:pPr marL="0" indent="0">
+              <a:buNone/>
+            </a:pPr>
+            <a:r>
+              <a:rPr lang="ja-JP" altLang="en-US" sz="2000" dirty="0"/>
+              <a:t>レジスタ</a:t>
+            </a:r>
+            <a:r>
+              <a:rPr lang="en-US" altLang="ja-JP" sz="2000" dirty="0"/>
+              <a:t>A </a:t>
+            </a:r>
+            <a:r>
+              <a:rPr lang="ja-JP" altLang="en-US" sz="2000" dirty="0"/>
+              <a:t>　　</a:t>
             </a:r>
           </a:p>
         </p:txBody>
@@ -9948,19 +10093,7 @@
             </a:pPr>
             <a:r>
               <a:rPr lang="ja-JP" altLang="en-US" sz="2800" dirty="0"/>
-              <a:t>・今後は小数を含めた</a:t>
-            </a:r>
-            <a:r>
-              <a:rPr lang="ja-JP" altLang="en-US" sz="2800" dirty="0" smtClean="0"/>
-              <a:t>平方根</a:t>
-            </a:r>
-            <a:r>
-              <a:rPr lang="ja-JP" altLang="en-US" sz="2800" dirty="0"/>
-              <a:t>計算と回路上での</a:t>
-            </a:r>
-            <a:r>
-              <a:rPr lang="ja-JP" altLang="en-US" sz="2800" dirty="0" smtClean="0"/>
-              <a:t>実装</a:t>
+              <a:t>・今後は小数を含めた平方根計算と回路上での実装</a:t>
             </a:r>
             <a:endParaRPr lang="en-US" altLang="ja-JP" sz="2800" dirty="0"/>
           </a:p>
@@ -9969,27 +10102,27 @@
               <a:buNone/>
             </a:pPr>
             <a:r>
-              <a:rPr kumimoji="1" lang="en-US" altLang="ja-JP" sz="1800" dirty="0" smtClean="0"/>
+              <a:rPr kumimoji="1" lang="en-US" altLang="ja-JP" sz="1800" dirty="0"/>
               <a:t>*</a:t>
             </a:r>
             <a:r>
-              <a:rPr kumimoji="1" lang="ja-JP" altLang="en-US" sz="1400" dirty="0" smtClean="0"/>
+              <a:rPr kumimoji="1" lang="ja-JP" altLang="en-US" sz="1400" dirty="0"/>
               <a:t> 仕様を変更して</a:t>
             </a:r>
             <a:r>
-              <a:rPr kumimoji="1" lang="en-US" altLang="ja-JP" sz="1400" dirty="0" smtClean="0"/>
+              <a:rPr kumimoji="1" lang="en-US" altLang="ja-JP" sz="1400" dirty="0"/>
               <a:t>(</a:t>
             </a:r>
             <a:r>
-              <a:rPr kumimoji="1" lang="ja-JP" altLang="en-US" sz="1400" dirty="0" smtClean="0"/>
+              <a:rPr kumimoji="1" lang="ja-JP" altLang="en-US" sz="1400" dirty="0"/>
               <a:t>汎用レジスタ</a:t>
             </a:r>
             <a:r>
-              <a:rPr kumimoji="1" lang="en-US" altLang="ja-JP" sz="1400" dirty="0" smtClean="0"/>
+              <a:rPr kumimoji="1" lang="en-US" altLang="ja-JP" sz="1400" dirty="0"/>
               <a:t>:16bit -&gt; 32bit)</a:t>
             </a:r>
             <a:r>
-              <a:rPr kumimoji="1" lang="ja-JP" altLang="en-US" sz="1400" dirty="0" smtClean="0"/>
+              <a:rPr kumimoji="1" lang="ja-JP" altLang="en-US" sz="1400" dirty="0"/>
               <a:t>，試してみたら小数を含めた平方根計算も可能であった（実装済み）</a:t>
             </a:r>
             <a:endParaRPr kumimoji="1" lang="ja-JP" altLang="en-US" sz="2000" dirty="0"/>
